--- a/Brett/Health_Inspections.pptx
+++ b/Brett/Health_Inspections.pptx
@@ -7,8 +7,9 @@
   <p:sldIdLst>
     <p:sldId id="256" r:id="rId2"/>
     <p:sldId id="257" r:id="rId3"/>
-    <p:sldId id="260" r:id="rId4"/>
-    <p:sldId id="259" r:id="rId5"/>
+    <p:sldId id="261" r:id="rId4"/>
+    <p:sldId id="260" r:id="rId5"/>
+    <p:sldId id="259" r:id="rId6"/>
   </p:sldIdLst>
   <p:sldSz cx="12192000" cy="6858000"/>
   <p:notesSz cx="6858000" cy="9144000"/>
@@ -1819,6 +1820,788 @@
 </file>
 
 <file path=ppt/diagrams/colors3.xml><?xml version="1.0" encoding="utf-8"?>
+<dgm:colorsDef xmlns:dgm="http://schemas.openxmlformats.org/drawingml/2006/diagram" xmlns:a="http://schemas.openxmlformats.org/drawingml/2006/main" uniqueId="urn:microsoft.com/office/officeart/2005/8/colors/colorful2">
+  <dgm:title val=""/>
+  <dgm:desc val=""/>
+  <dgm:catLst>
+    <dgm:cat type="colorful" pri="10200"/>
+  </dgm:catLst>
+  <dgm:styleLbl name="node0">
+    <dgm:fillClrLst meth="repeat">
+      <a:schemeClr val="accent1"/>
+    </dgm:fillClrLst>
+    <dgm:linClrLst meth="repeat">
+      <a:schemeClr val="lt1"/>
+    </dgm:linClrLst>
+    <dgm:effectClrLst/>
+    <dgm:txLinClrLst/>
+    <dgm:txFillClrLst/>
+    <dgm:txEffectClrLst/>
+  </dgm:styleLbl>
+  <dgm:styleLbl name="node1">
+    <dgm:fillClrLst>
+      <a:schemeClr val="accent2"/>
+      <a:schemeClr val="accent3"/>
+    </dgm:fillClrLst>
+    <dgm:linClrLst meth="repeat">
+      <a:schemeClr val="lt1"/>
+    </dgm:linClrLst>
+    <dgm:effectClrLst/>
+    <dgm:txLinClrLst/>
+    <dgm:txFillClrLst/>
+    <dgm:txEffectClrLst/>
+  </dgm:styleLbl>
+  <dgm:styleLbl name="alignNode1">
+    <dgm:fillClrLst>
+      <a:schemeClr val="accent2"/>
+      <a:schemeClr val="accent3"/>
+    </dgm:fillClrLst>
+    <dgm:linClrLst>
+      <a:schemeClr val="accent2"/>
+      <a:schemeClr val="accent3"/>
+    </dgm:linClrLst>
+    <dgm:effectClrLst/>
+    <dgm:txLinClrLst/>
+    <dgm:txFillClrLst/>
+    <dgm:txEffectClrLst/>
+  </dgm:styleLbl>
+  <dgm:styleLbl name="lnNode1">
+    <dgm:fillClrLst>
+      <a:schemeClr val="accent2"/>
+      <a:schemeClr val="accent3"/>
+    </dgm:fillClrLst>
+    <dgm:linClrLst meth="repeat">
+      <a:schemeClr val="lt1"/>
+    </dgm:linClrLst>
+    <dgm:effectClrLst/>
+    <dgm:txLinClrLst/>
+    <dgm:txFillClrLst/>
+    <dgm:txEffectClrLst/>
+  </dgm:styleLbl>
+  <dgm:styleLbl name="vennNode1">
+    <dgm:fillClrLst>
+      <a:schemeClr val="accent2">
+        <a:alpha val="50000"/>
+      </a:schemeClr>
+      <a:schemeClr val="accent3">
+        <a:alpha val="50000"/>
+      </a:schemeClr>
+    </dgm:fillClrLst>
+    <dgm:linClrLst meth="repeat">
+      <a:schemeClr val="lt1"/>
+    </dgm:linClrLst>
+    <dgm:effectClrLst/>
+    <dgm:txLinClrLst/>
+    <dgm:txFillClrLst/>
+    <dgm:txEffectClrLst/>
+  </dgm:styleLbl>
+  <dgm:styleLbl name="node2">
+    <dgm:fillClrLst>
+      <a:schemeClr val="accent3"/>
+    </dgm:fillClrLst>
+    <dgm:linClrLst meth="repeat">
+      <a:schemeClr val="lt1"/>
+    </dgm:linClrLst>
+    <dgm:effectClrLst/>
+    <dgm:txLinClrLst/>
+    <dgm:txFillClrLst/>
+    <dgm:txEffectClrLst/>
+  </dgm:styleLbl>
+  <dgm:styleLbl name="node3">
+    <dgm:fillClrLst>
+      <a:schemeClr val="accent4"/>
+    </dgm:fillClrLst>
+    <dgm:linClrLst meth="repeat">
+      <a:schemeClr val="lt1"/>
+    </dgm:linClrLst>
+    <dgm:effectClrLst/>
+    <dgm:txLinClrLst/>
+    <dgm:txFillClrLst/>
+    <dgm:txEffectClrLst/>
+  </dgm:styleLbl>
+  <dgm:styleLbl name="node4">
+    <dgm:fillClrLst>
+      <a:schemeClr val="accent5"/>
+    </dgm:fillClrLst>
+    <dgm:linClrLst meth="repeat">
+      <a:schemeClr val="lt1"/>
+    </dgm:linClrLst>
+    <dgm:effectClrLst/>
+    <dgm:txLinClrLst/>
+    <dgm:txFillClrLst/>
+    <dgm:txEffectClrLst/>
+  </dgm:styleLbl>
+  <dgm:styleLbl name="fgImgPlace1">
+    <dgm:fillClrLst>
+      <a:schemeClr val="accent2">
+        <a:tint val="50000"/>
+      </a:schemeClr>
+      <a:schemeClr val="accent3">
+        <a:tint val="50000"/>
+      </a:schemeClr>
+    </dgm:fillClrLst>
+    <dgm:linClrLst meth="repeat">
+      <a:schemeClr val="lt1"/>
+    </dgm:linClrLst>
+    <dgm:effectClrLst/>
+    <dgm:txLinClrLst/>
+    <dgm:txFillClrLst meth="repeat">
+      <a:schemeClr val="lt1"/>
+    </dgm:txFillClrLst>
+    <dgm:txEffectClrLst/>
+  </dgm:styleLbl>
+  <dgm:styleLbl name="alignImgPlace1">
+    <dgm:fillClrLst>
+      <a:schemeClr val="accent2">
+        <a:tint val="50000"/>
+      </a:schemeClr>
+      <a:schemeClr val="accent3">
+        <a:tint val="20000"/>
+      </a:schemeClr>
+    </dgm:fillClrLst>
+    <dgm:linClrLst meth="repeat">
+      <a:schemeClr val="lt1"/>
+    </dgm:linClrLst>
+    <dgm:effectClrLst/>
+    <dgm:txLinClrLst/>
+    <dgm:txFillClrLst meth="repeat">
+      <a:schemeClr val="lt1"/>
+    </dgm:txFillClrLst>
+    <dgm:txEffectClrLst/>
+  </dgm:styleLbl>
+  <dgm:styleLbl name="bgImgPlace1">
+    <dgm:fillClrLst>
+      <a:schemeClr val="accent2">
+        <a:tint val="50000"/>
+      </a:schemeClr>
+      <a:schemeClr val="accent3">
+        <a:tint val="20000"/>
+      </a:schemeClr>
+    </dgm:fillClrLst>
+    <dgm:linClrLst meth="repeat">
+      <a:schemeClr val="lt1"/>
+    </dgm:linClrLst>
+    <dgm:effectClrLst/>
+    <dgm:txLinClrLst/>
+    <dgm:txFillClrLst meth="repeat">
+      <a:schemeClr val="lt1"/>
+    </dgm:txFillClrLst>
+    <dgm:txEffectClrLst/>
+  </dgm:styleLbl>
+  <dgm:styleLbl name="sibTrans2D1">
+    <dgm:fillClrLst>
+      <a:schemeClr val="accent2"/>
+      <a:schemeClr val="accent3"/>
+    </dgm:fillClrLst>
+    <dgm:linClrLst meth="repeat">
+      <a:schemeClr val="lt1"/>
+    </dgm:linClrLst>
+    <dgm:effectClrLst/>
+    <dgm:txLinClrLst/>
+    <dgm:txFillClrLst/>
+    <dgm:txEffectClrLst/>
+  </dgm:styleLbl>
+  <dgm:styleLbl name="fgSibTrans2D1">
+    <dgm:fillClrLst>
+      <a:schemeClr val="accent2"/>
+      <a:schemeClr val="accent3"/>
+    </dgm:fillClrLst>
+    <dgm:linClrLst meth="repeat">
+      <a:schemeClr val="lt1"/>
+    </dgm:linClrLst>
+    <dgm:effectClrLst/>
+    <dgm:txLinClrLst/>
+    <dgm:txFillClrLst meth="repeat">
+      <a:schemeClr val="lt1"/>
+    </dgm:txFillClrLst>
+    <dgm:txEffectClrLst/>
+  </dgm:styleLbl>
+  <dgm:styleLbl name="bgSibTrans2D1">
+    <dgm:fillClrLst>
+      <a:schemeClr val="accent2"/>
+      <a:schemeClr val="accent3"/>
+    </dgm:fillClrLst>
+    <dgm:linClrLst meth="repeat">
+      <a:schemeClr val="lt1"/>
+    </dgm:linClrLst>
+    <dgm:effectClrLst/>
+    <dgm:txLinClrLst/>
+    <dgm:txFillClrLst meth="repeat">
+      <a:schemeClr val="lt1"/>
+    </dgm:txFillClrLst>
+    <dgm:txEffectClrLst/>
+  </dgm:styleLbl>
+  <dgm:styleLbl name="sibTrans1D1">
+    <dgm:fillClrLst/>
+    <dgm:linClrLst>
+      <a:schemeClr val="accent2"/>
+      <a:schemeClr val="accent3"/>
+    </dgm:linClrLst>
+    <dgm:effectClrLst/>
+    <dgm:txLinClrLst/>
+    <dgm:txFillClrLst meth="repeat">
+      <a:schemeClr val="tx1"/>
+    </dgm:txFillClrLst>
+    <dgm:txEffectClrLst/>
+  </dgm:styleLbl>
+  <dgm:styleLbl name="callout">
+    <dgm:fillClrLst meth="repeat">
+      <a:schemeClr val="accent2"/>
+    </dgm:fillClrLst>
+    <dgm:linClrLst meth="repeat">
+      <a:schemeClr val="accent2">
+        <a:tint val="50000"/>
+      </a:schemeClr>
+    </dgm:linClrLst>
+    <dgm:effectClrLst/>
+    <dgm:txLinClrLst/>
+    <dgm:txFillClrLst meth="repeat">
+      <a:schemeClr val="tx1"/>
+    </dgm:txFillClrLst>
+    <dgm:txEffectClrLst/>
+  </dgm:styleLbl>
+  <dgm:styleLbl name="asst0">
+    <dgm:fillClrLst meth="repeat">
+      <a:schemeClr val="accent2"/>
+    </dgm:fillClrLst>
+    <dgm:linClrLst meth="repeat">
+      <a:schemeClr val="lt1">
+        <a:shade val="80000"/>
+      </a:schemeClr>
+    </dgm:linClrLst>
+    <dgm:effectClrLst/>
+    <dgm:txLinClrLst/>
+    <dgm:txFillClrLst/>
+    <dgm:txEffectClrLst/>
+  </dgm:styleLbl>
+  <dgm:styleLbl name="asst1">
+    <dgm:fillClrLst meth="repeat">
+      <a:schemeClr val="accent3"/>
+    </dgm:fillClrLst>
+    <dgm:linClrLst meth="repeat">
+      <a:schemeClr val="lt1">
+        <a:shade val="80000"/>
+      </a:schemeClr>
+    </dgm:linClrLst>
+    <dgm:effectClrLst/>
+    <dgm:txLinClrLst/>
+    <dgm:txFillClrLst/>
+    <dgm:txEffectClrLst/>
+  </dgm:styleLbl>
+  <dgm:styleLbl name="asst2">
+    <dgm:fillClrLst>
+      <a:schemeClr val="accent4"/>
+    </dgm:fillClrLst>
+    <dgm:linClrLst meth="repeat">
+      <a:schemeClr val="lt1"/>
+    </dgm:linClrLst>
+    <dgm:effectClrLst/>
+    <dgm:txLinClrLst/>
+    <dgm:txFillClrLst/>
+    <dgm:txEffectClrLst/>
+  </dgm:styleLbl>
+  <dgm:styleLbl name="asst3">
+    <dgm:fillClrLst>
+      <a:schemeClr val="accent5"/>
+    </dgm:fillClrLst>
+    <dgm:linClrLst meth="repeat">
+      <a:schemeClr val="lt1"/>
+    </dgm:linClrLst>
+    <dgm:effectClrLst/>
+    <dgm:txLinClrLst/>
+    <dgm:txFillClrLst/>
+    <dgm:txEffectClrLst/>
+  </dgm:styleLbl>
+  <dgm:styleLbl name="asst4">
+    <dgm:fillClrLst>
+      <a:schemeClr val="accent6"/>
+    </dgm:fillClrLst>
+    <dgm:linClrLst meth="repeat">
+      <a:schemeClr val="lt1"/>
+    </dgm:linClrLst>
+    <dgm:effectClrLst/>
+    <dgm:txLinClrLst/>
+    <dgm:txFillClrLst/>
+    <dgm:txEffectClrLst/>
+  </dgm:styleLbl>
+  <dgm:styleLbl name="parChTrans2D1">
+    <dgm:fillClrLst meth="repeat">
+      <a:schemeClr val="accent2"/>
+    </dgm:fillClrLst>
+    <dgm:linClrLst meth="repeat">
+      <a:schemeClr val="lt1"/>
+    </dgm:linClrLst>
+    <dgm:effectClrLst/>
+    <dgm:txLinClrLst/>
+    <dgm:txFillClrLst meth="repeat">
+      <a:schemeClr val="lt1"/>
+    </dgm:txFillClrLst>
+    <dgm:txEffectClrLst/>
+  </dgm:styleLbl>
+  <dgm:styleLbl name="parChTrans2D2">
+    <dgm:fillClrLst meth="repeat">
+      <a:schemeClr val="accent3"/>
+    </dgm:fillClrLst>
+    <dgm:linClrLst meth="repeat">
+      <a:schemeClr val="lt1"/>
+    </dgm:linClrLst>
+    <dgm:effectClrLst/>
+    <dgm:txLinClrLst/>
+    <dgm:txFillClrLst/>
+    <dgm:txEffectClrLst/>
+  </dgm:styleLbl>
+  <dgm:styleLbl name="parChTrans2D3">
+    <dgm:fillClrLst meth="repeat">
+      <a:schemeClr val="accent4"/>
+    </dgm:fillClrLst>
+    <dgm:linClrLst meth="repeat">
+      <a:schemeClr val="lt1"/>
+    </dgm:linClrLst>
+    <dgm:effectClrLst/>
+    <dgm:txLinClrLst/>
+    <dgm:txFillClrLst/>
+    <dgm:txEffectClrLst/>
+  </dgm:styleLbl>
+  <dgm:styleLbl name="parChTrans2D4">
+    <dgm:fillClrLst meth="repeat">
+      <a:schemeClr val="accent5"/>
+    </dgm:fillClrLst>
+    <dgm:linClrLst meth="repeat">
+      <a:schemeClr val="lt1"/>
+    </dgm:linClrLst>
+    <dgm:effectClrLst/>
+    <dgm:txLinClrLst/>
+    <dgm:txFillClrLst meth="repeat">
+      <a:schemeClr val="lt1"/>
+    </dgm:txFillClrLst>
+    <dgm:txEffectClrLst/>
+  </dgm:styleLbl>
+  <dgm:styleLbl name="parChTrans1D1">
+    <dgm:fillClrLst meth="repeat">
+      <a:schemeClr val="accent2"/>
+    </dgm:fillClrLst>
+    <dgm:linClrLst meth="repeat">
+      <a:schemeClr val="accent2"/>
+    </dgm:linClrLst>
+    <dgm:effectClrLst/>
+    <dgm:txLinClrLst/>
+    <dgm:txFillClrLst meth="repeat">
+      <a:schemeClr val="tx1"/>
+    </dgm:txFillClrLst>
+    <dgm:txEffectClrLst/>
+  </dgm:styleLbl>
+  <dgm:styleLbl name="parChTrans1D2">
+    <dgm:fillClrLst meth="repeat">
+      <a:schemeClr val="accent2">
+        <a:tint val="90000"/>
+      </a:schemeClr>
+    </dgm:fillClrLst>
+    <dgm:linClrLst meth="repeat">
+      <a:schemeClr val="accent3"/>
+    </dgm:linClrLst>
+    <dgm:effectClrLst/>
+    <dgm:txLinClrLst/>
+    <dgm:txFillClrLst meth="repeat">
+      <a:schemeClr val="tx1"/>
+    </dgm:txFillClrLst>
+    <dgm:txEffectClrLst/>
+  </dgm:styleLbl>
+  <dgm:styleLbl name="parChTrans1D3">
+    <dgm:fillClrLst meth="repeat">
+      <a:schemeClr val="accent2">
+        <a:tint val="70000"/>
+      </a:schemeClr>
+    </dgm:fillClrLst>
+    <dgm:linClrLst meth="repeat">
+      <a:schemeClr val="accent4"/>
+    </dgm:linClrLst>
+    <dgm:effectClrLst/>
+    <dgm:txLinClrLst/>
+    <dgm:txFillClrLst meth="repeat">
+      <a:schemeClr val="tx1"/>
+    </dgm:txFillClrLst>
+    <dgm:txEffectClrLst/>
+  </dgm:styleLbl>
+  <dgm:styleLbl name="parChTrans1D4">
+    <dgm:fillClrLst meth="repeat">
+      <a:schemeClr val="accent2">
+        <a:tint val="50000"/>
+      </a:schemeClr>
+    </dgm:fillClrLst>
+    <dgm:linClrLst meth="repeat">
+      <a:schemeClr val="accent5"/>
+    </dgm:linClrLst>
+    <dgm:effectClrLst/>
+    <dgm:txLinClrLst/>
+    <dgm:txFillClrLst meth="repeat">
+      <a:schemeClr val="tx1"/>
+    </dgm:txFillClrLst>
+    <dgm:txEffectClrLst/>
+  </dgm:styleLbl>
+  <dgm:styleLbl name="fgAcc1">
+    <dgm:fillClrLst meth="repeat">
+      <a:schemeClr val="lt1">
+        <a:alpha val="90000"/>
+      </a:schemeClr>
+    </dgm:fillClrLst>
+    <dgm:linClrLst>
+      <a:schemeClr val="accent2"/>
+      <a:schemeClr val="accent3"/>
+    </dgm:linClrLst>
+    <dgm:effectClrLst/>
+    <dgm:txLinClrLst/>
+    <dgm:txFillClrLst meth="repeat">
+      <a:schemeClr val="dk1"/>
+    </dgm:txFillClrLst>
+    <dgm:txEffectClrLst/>
+  </dgm:styleLbl>
+  <dgm:styleLbl name="conFgAcc1">
+    <dgm:fillClrLst meth="repeat">
+      <a:schemeClr val="lt1">
+        <a:alpha val="90000"/>
+      </a:schemeClr>
+    </dgm:fillClrLst>
+    <dgm:linClrLst>
+      <a:schemeClr val="accent2"/>
+      <a:schemeClr val="accent3"/>
+    </dgm:linClrLst>
+    <dgm:effectClrLst/>
+    <dgm:txLinClrLst/>
+    <dgm:txFillClrLst meth="repeat">
+      <a:schemeClr val="dk1"/>
+    </dgm:txFillClrLst>
+    <dgm:txEffectClrLst/>
+  </dgm:styleLbl>
+  <dgm:styleLbl name="alignAcc1">
+    <dgm:fillClrLst meth="repeat">
+      <a:schemeClr val="lt1">
+        <a:alpha val="90000"/>
+      </a:schemeClr>
+    </dgm:fillClrLst>
+    <dgm:linClrLst>
+      <a:schemeClr val="accent2"/>
+      <a:schemeClr val="accent3"/>
+    </dgm:linClrLst>
+    <dgm:effectClrLst/>
+    <dgm:txLinClrLst/>
+    <dgm:txFillClrLst meth="repeat">
+      <a:schemeClr val="dk1"/>
+    </dgm:txFillClrLst>
+    <dgm:txEffectClrLst/>
+  </dgm:styleLbl>
+  <dgm:styleLbl name="trAlignAcc1">
+    <dgm:fillClrLst meth="repeat">
+      <a:schemeClr val="lt1">
+        <a:alpha val="40000"/>
+      </a:schemeClr>
+    </dgm:fillClrLst>
+    <dgm:linClrLst meth="repeat">
+      <a:schemeClr val="accent2"/>
+    </dgm:linClrLst>
+    <dgm:effectClrLst/>
+    <dgm:txLinClrLst/>
+    <dgm:txFillClrLst meth="repeat">
+      <a:schemeClr val="dk1"/>
+    </dgm:txFillClrLst>
+    <dgm:txEffectClrLst/>
+  </dgm:styleLbl>
+  <dgm:styleLbl name="bgAcc1">
+    <dgm:fillClrLst meth="repeat">
+      <a:schemeClr val="lt1">
+        <a:alpha val="90000"/>
+      </a:schemeClr>
+    </dgm:fillClrLst>
+    <dgm:linClrLst>
+      <a:schemeClr val="accent2"/>
+      <a:schemeClr val="accent3"/>
+    </dgm:linClrLst>
+    <dgm:effectClrLst/>
+    <dgm:txLinClrLst/>
+    <dgm:txFillClrLst meth="repeat">
+      <a:schemeClr val="dk1"/>
+    </dgm:txFillClrLst>
+    <dgm:txEffectClrLst/>
+  </dgm:styleLbl>
+  <dgm:styleLbl name="solidFgAcc1">
+    <dgm:fillClrLst meth="repeat">
+      <a:schemeClr val="lt1"/>
+    </dgm:fillClrLst>
+    <dgm:linClrLst>
+      <a:schemeClr val="accent2"/>
+      <a:schemeClr val="accent3"/>
+    </dgm:linClrLst>
+    <dgm:effectClrLst/>
+    <dgm:txLinClrLst/>
+    <dgm:txFillClrLst meth="repeat">
+      <a:schemeClr val="dk1"/>
+    </dgm:txFillClrLst>
+    <dgm:txEffectClrLst/>
+  </dgm:styleLbl>
+  <dgm:styleLbl name="solidAlignAcc1">
+    <dgm:fillClrLst meth="repeat">
+      <a:schemeClr val="lt1"/>
+    </dgm:fillClrLst>
+    <dgm:linClrLst>
+      <a:schemeClr val="accent2"/>
+      <a:schemeClr val="accent3"/>
+    </dgm:linClrLst>
+    <dgm:effectClrLst/>
+    <dgm:txLinClrLst/>
+    <dgm:txFillClrLst meth="repeat">
+      <a:schemeClr val="dk1"/>
+    </dgm:txFillClrLst>
+    <dgm:txEffectClrLst/>
+  </dgm:styleLbl>
+  <dgm:styleLbl name="solidBgAcc1">
+    <dgm:fillClrLst meth="repeat">
+      <a:schemeClr val="lt1"/>
+    </dgm:fillClrLst>
+    <dgm:linClrLst>
+      <a:schemeClr val="accent2"/>
+      <a:schemeClr val="accent3"/>
+    </dgm:linClrLst>
+    <dgm:effectClrLst/>
+    <dgm:txLinClrLst/>
+    <dgm:txFillClrLst meth="repeat">
+      <a:schemeClr val="dk1"/>
+    </dgm:txFillClrLst>
+    <dgm:txEffectClrLst/>
+  </dgm:styleLbl>
+  <dgm:styleLbl name="fgAccFollowNode1">
+    <dgm:fillClrLst>
+      <a:schemeClr val="accent2">
+        <a:tint val="40000"/>
+        <a:alpha val="90000"/>
+      </a:schemeClr>
+      <a:schemeClr val="accent3">
+        <a:tint val="40000"/>
+        <a:alpha val="90000"/>
+      </a:schemeClr>
+    </dgm:fillClrLst>
+    <dgm:linClrLst>
+      <a:schemeClr val="accent2">
+        <a:tint val="40000"/>
+        <a:alpha val="90000"/>
+      </a:schemeClr>
+      <a:schemeClr val="accent3">
+        <a:tint val="40000"/>
+        <a:alpha val="90000"/>
+      </a:schemeClr>
+    </dgm:linClrLst>
+    <dgm:effectClrLst/>
+    <dgm:txLinClrLst/>
+    <dgm:txFillClrLst meth="repeat">
+      <a:schemeClr val="dk1"/>
+    </dgm:txFillClrLst>
+    <dgm:txEffectClrLst/>
+  </dgm:styleLbl>
+  <dgm:styleLbl name="alignAccFollowNode1">
+    <dgm:fillClrLst>
+      <a:schemeClr val="accent2">
+        <a:tint val="40000"/>
+        <a:alpha val="90000"/>
+      </a:schemeClr>
+      <a:schemeClr val="accent3">
+        <a:tint val="40000"/>
+        <a:alpha val="90000"/>
+      </a:schemeClr>
+    </dgm:fillClrLst>
+    <dgm:linClrLst>
+      <a:schemeClr val="accent2">
+        <a:tint val="40000"/>
+        <a:alpha val="90000"/>
+      </a:schemeClr>
+      <a:schemeClr val="accent3">
+        <a:tint val="40000"/>
+        <a:alpha val="90000"/>
+      </a:schemeClr>
+    </dgm:linClrLst>
+    <dgm:effectClrLst/>
+    <dgm:txLinClrLst/>
+    <dgm:txFillClrLst meth="repeat">
+      <a:schemeClr val="dk1"/>
+    </dgm:txFillClrLst>
+    <dgm:txEffectClrLst/>
+  </dgm:styleLbl>
+  <dgm:styleLbl name="bgAccFollowNode1">
+    <dgm:fillClrLst>
+      <a:schemeClr val="accent2">
+        <a:tint val="40000"/>
+        <a:alpha val="90000"/>
+      </a:schemeClr>
+      <a:schemeClr val="accent3">
+        <a:tint val="40000"/>
+        <a:alpha val="90000"/>
+      </a:schemeClr>
+    </dgm:fillClrLst>
+    <dgm:linClrLst>
+      <a:schemeClr val="accent2">
+        <a:tint val="40000"/>
+        <a:alpha val="90000"/>
+      </a:schemeClr>
+      <a:schemeClr val="accent3">
+        <a:tint val="40000"/>
+        <a:alpha val="90000"/>
+      </a:schemeClr>
+    </dgm:linClrLst>
+    <dgm:effectClrLst/>
+    <dgm:txLinClrLst/>
+    <dgm:txFillClrLst meth="repeat">
+      <a:schemeClr val="dk1"/>
+    </dgm:txFillClrLst>
+    <dgm:txEffectClrLst/>
+  </dgm:styleLbl>
+  <dgm:styleLbl name="fgAcc0">
+    <dgm:fillClrLst meth="repeat">
+      <a:schemeClr val="lt1">
+        <a:alpha val="90000"/>
+      </a:schemeClr>
+    </dgm:fillClrLst>
+    <dgm:linClrLst>
+      <a:schemeClr val="accent1"/>
+    </dgm:linClrLst>
+    <dgm:effectClrLst/>
+    <dgm:txLinClrLst/>
+    <dgm:txFillClrLst meth="repeat">
+      <a:schemeClr val="dk1"/>
+    </dgm:txFillClrLst>
+    <dgm:txEffectClrLst/>
+  </dgm:styleLbl>
+  <dgm:styleLbl name="fgAcc2">
+    <dgm:fillClrLst meth="repeat">
+      <a:schemeClr val="lt1">
+        <a:alpha val="90000"/>
+      </a:schemeClr>
+    </dgm:fillClrLst>
+    <dgm:linClrLst>
+      <a:schemeClr val="accent3"/>
+    </dgm:linClrLst>
+    <dgm:effectClrLst/>
+    <dgm:txLinClrLst/>
+    <dgm:txFillClrLst meth="repeat">
+      <a:schemeClr val="dk1"/>
+    </dgm:txFillClrLst>
+    <dgm:txEffectClrLst/>
+  </dgm:styleLbl>
+  <dgm:styleLbl name="fgAcc3">
+    <dgm:fillClrLst meth="repeat">
+      <a:schemeClr val="lt1">
+        <a:alpha val="90000"/>
+      </a:schemeClr>
+    </dgm:fillClrLst>
+    <dgm:linClrLst>
+      <a:schemeClr val="accent4"/>
+    </dgm:linClrLst>
+    <dgm:effectClrLst/>
+    <dgm:txLinClrLst/>
+    <dgm:txFillClrLst meth="repeat">
+      <a:schemeClr val="dk1"/>
+    </dgm:txFillClrLst>
+    <dgm:txEffectClrLst/>
+  </dgm:styleLbl>
+  <dgm:styleLbl name="fgAcc4">
+    <dgm:fillClrLst meth="repeat">
+      <a:schemeClr val="lt1">
+        <a:alpha val="90000"/>
+      </a:schemeClr>
+    </dgm:fillClrLst>
+    <dgm:linClrLst>
+      <a:schemeClr val="accent5"/>
+    </dgm:linClrLst>
+    <dgm:effectClrLst/>
+    <dgm:txLinClrLst/>
+    <dgm:txFillClrLst meth="repeat">
+      <a:schemeClr val="dk1"/>
+    </dgm:txFillClrLst>
+    <dgm:txEffectClrLst/>
+  </dgm:styleLbl>
+  <dgm:styleLbl name="bgShp">
+    <dgm:fillClrLst meth="repeat">
+      <a:schemeClr val="accent2">
+        <a:tint val="40000"/>
+      </a:schemeClr>
+    </dgm:fillClrLst>
+    <dgm:linClrLst meth="repeat">
+      <a:schemeClr val="dk1"/>
+    </dgm:linClrLst>
+    <dgm:effectClrLst/>
+    <dgm:txLinClrLst/>
+    <dgm:txFillClrLst meth="repeat">
+      <a:schemeClr val="dk1"/>
+    </dgm:txFillClrLst>
+    <dgm:txEffectClrLst/>
+  </dgm:styleLbl>
+  <dgm:styleLbl name="dkBgShp">
+    <dgm:fillClrLst meth="repeat">
+      <a:schemeClr val="accent2">
+        <a:shade val="90000"/>
+      </a:schemeClr>
+    </dgm:fillClrLst>
+    <dgm:linClrLst meth="repeat">
+      <a:schemeClr val="dk1"/>
+    </dgm:linClrLst>
+    <dgm:effectClrLst/>
+    <dgm:txLinClrLst/>
+    <dgm:txFillClrLst meth="repeat">
+      <a:schemeClr val="lt1"/>
+    </dgm:txFillClrLst>
+    <dgm:txEffectClrLst/>
+  </dgm:styleLbl>
+  <dgm:styleLbl name="trBgShp">
+    <dgm:fillClrLst meth="repeat">
+      <a:schemeClr val="accent2">
+        <a:tint val="50000"/>
+        <a:alpha val="40000"/>
+      </a:schemeClr>
+    </dgm:fillClrLst>
+    <dgm:linClrLst meth="repeat">
+      <a:schemeClr val="accent2"/>
+    </dgm:linClrLst>
+    <dgm:effectClrLst/>
+    <dgm:txLinClrLst/>
+    <dgm:txFillClrLst meth="repeat">
+      <a:schemeClr val="lt1"/>
+    </dgm:txFillClrLst>
+    <dgm:txEffectClrLst/>
+  </dgm:styleLbl>
+  <dgm:styleLbl name="fgShp">
+    <dgm:fillClrLst meth="repeat">
+      <a:schemeClr val="accent2">
+        <a:tint val="40000"/>
+      </a:schemeClr>
+    </dgm:fillClrLst>
+    <dgm:linClrLst meth="repeat">
+      <a:schemeClr val="lt1"/>
+    </dgm:linClrLst>
+    <dgm:effectClrLst/>
+    <dgm:txLinClrLst/>
+    <dgm:txFillClrLst meth="repeat">
+      <a:schemeClr val="dk1"/>
+    </dgm:txFillClrLst>
+    <dgm:txEffectClrLst/>
+  </dgm:styleLbl>
+  <dgm:styleLbl name="revTx">
+    <dgm:fillClrLst meth="repeat">
+      <a:schemeClr val="lt1">
+        <a:alpha val="0"/>
+      </a:schemeClr>
+    </dgm:fillClrLst>
+    <dgm:linClrLst meth="repeat">
+      <a:schemeClr val="dk1">
+        <a:alpha val="0"/>
+      </a:schemeClr>
+    </dgm:linClrLst>
+    <dgm:effectClrLst/>
+    <dgm:txLinClrLst/>
+    <dgm:txFillClrLst meth="repeat">
+      <a:schemeClr val="tx1"/>
+    </dgm:txFillClrLst>
+    <dgm:txEffectClrLst/>
+  </dgm:styleLbl>
+</dgm:colorsDef>
+</file>
+
+<file path=ppt/diagrams/colors4.xml><?xml version="1.0" encoding="utf-8"?>
 <dgm:colorsDef xmlns:dgm="http://schemas.openxmlformats.org/drawingml/2006/diagram" xmlns:a="http://schemas.openxmlformats.org/drawingml/2006/main" uniqueId="urn:microsoft.com/office/officeart/2005/8/colors/colorful2">
   <dgm:title val=""/>
   <dgm:desc val=""/>
@@ -3128,6 +3911,294 @@
 <file path=ppt/diagrams/data2.xml><?xml version="1.0" encoding="utf-8"?>
 <dgm:dataModel xmlns:dgm="http://schemas.openxmlformats.org/drawingml/2006/diagram" xmlns:a="http://schemas.openxmlformats.org/drawingml/2006/main">
   <dgm:ptLst>
+    <dgm:pt modelId="{72862DB0-370E-4C7D-87E8-53A9F2497995}" type="doc">
+      <dgm:prSet loTypeId="urn:microsoft.com/office/officeart/2005/8/layout/vList2" loCatId="list" qsTypeId="urn:microsoft.com/office/officeart/2005/8/quickstyle/simple1" qsCatId="simple" csTypeId="urn:microsoft.com/office/officeart/2005/8/colors/colorful2" csCatId="colorful" phldr="1"/>
+      <dgm:spPr/>
+      <dgm:t>
+        <a:bodyPr/>
+        <a:lstStyle/>
+        <a:p>
+          <a:endParaRPr lang="en-US"/>
+        </a:p>
+      </dgm:t>
+    </dgm:pt>
+    <dgm:pt modelId="{F9D17638-64CB-4D56-A81E-D4CA9D5EA989}">
+      <dgm:prSet/>
+      <dgm:spPr>
+        <a:solidFill>
+          <a:schemeClr val="accent1"/>
+        </a:solidFill>
+        <a:ln>
+          <a:solidFill>
+            <a:schemeClr val="accent1">
+              <a:lumMod val="75000"/>
+            </a:schemeClr>
+          </a:solidFill>
+        </a:ln>
+      </dgm:spPr>
+      <dgm:t>
+        <a:bodyPr/>
+        <a:lstStyle/>
+        <a:p>
+          <a:r>
+            <a:rPr lang="en-US" dirty="0"/>
+            <a:t>Dataset: Hungry at the time</a:t>
+          </a:r>
+        </a:p>
+      </dgm:t>
+    </dgm:pt>
+    <dgm:pt modelId="{7D1D4D47-E294-4CEC-8B24-25CA941E36AC}" type="parTrans" cxnId="{137A8013-128F-4DA0-AB0A-FF6D105921C5}">
+      <dgm:prSet/>
+      <dgm:spPr/>
+      <dgm:t>
+        <a:bodyPr/>
+        <a:lstStyle/>
+        <a:p>
+          <a:endParaRPr lang="en-US"/>
+        </a:p>
+      </dgm:t>
+    </dgm:pt>
+    <dgm:pt modelId="{69DBDA4B-8ADA-4E61-80AA-40F3F67BF6AB}" type="sibTrans" cxnId="{137A8013-128F-4DA0-AB0A-FF6D105921C5}">
+      <dgm:prSet/>
+      <dgm:spPr/>
+      <dgm:t>
+        <a:bodyPr/>
+        <a:lstStyle/>
+        <a:p>
+          <a:endParaRPr lang="en-US"/>
+        </a:p>
+      </dgm:t>
+    </dgm:pt>
+    <dgm:pt modelId="{6B57B0B6-BFDF-4AF7-9D86-C37F7586A8FC}">
+      <dgm:prSet/>
+      <dgm:spPr>
+        <a:solidFill>
+          <a:schemeClr val="accent3"/>
+        </a:solidFill>
+        <a:ln>
+          <a:solidFill>
+            <a:schemeClr val="accent3">
+              <a:lumMod val="75000"/>
+            </a:schemeClr>
+          </a:solidFill>
+        </a:ln>
+      </dgm:spPr>
+      <dgm:t>
+        <a:bodyPr/>
+        <a:lstStyle/>
+        <a:p>
+          <a:r>
+            <a:rPr lang="en-US" dirty="0"/>
+            <a:t>Colors: Red &amp; Yellow stimulate appetite</a:t>
+          </a:r>
+        </a:p>
+      </dgm:t>
+    </dgm:pt>
+    <dgm:pt modelId="{25709764-E89D-4C68-B882-46A1CCD60F8D}" type="parTrans" cxnId="{979F1422-DF91-49F4-89F0-022936838D56}">
+      <dgm:prSet/>
+      <dgm:spPr/>
+      <dgm:t>
+        <a:bodyPr/>
+        <a:lstStyle/>
+        <a:p>
+          <a:endParaRPr lang="en-US"/>
+        </a:p>
+      </dgm:t>
+    </dgm:pt>
+    <dgm:pt modelId="{91A60121-8F43-4029-8678-A95F24A45C69}" type="sibTrans" cxnId="{979F1422-DF91-49F4-89F0-022936838D56}">
+      <dgm:prSet/>
+      <dgm:spPr/>
+      <dgm:t>
+        <a:bodyPr/>
+        <a:lstStyle/>
+        <a:p>
+          <a:endParaRPr lang="en-US"/>
+        </a:p>
+      </dgm:t>
+    </dgm:pt>
+    <dgm:pt modelId="{36FBC7B7-12AC-421C-A1C4-77856F50F6EE}">
+      <dgm:prSet/>
+      <dgm:spPr>
+        <a:solidFill>
+          <a:schemeClr val="accent4"/>
+        </a:solidFill>
+        <a:ln>
+          <a:solidFill>
+            <a:schemeClr val="accent4">
+              <a:lumMod val="75000"/>
+            </a:schemeClr>
+          </a:solidFill>
+        </a:ln>
+      </dgm:spPr>
+      <dgm:t>
+        <a:bodyPr/>
+        <a:lstStyle/>
+        <a:p>
+          <a:r>
+            <a:rPr lang="en-US" dirty="0"/>
+            <a:t>Worst places to eat locally</a:t>
+          </a:r>
+        </a:p>
+      </dgm:t>
+    </dgm:pt>
+    <dgm:pt modelId="{3D60507D-50BF-4096-BE9B-90F4155D0F36}" type="parTrans" cxnId="{E9BC3474-F520-4840-AC62-78300947F244}">
+      <dgm:prSet/>
+      <dgm:spPr/>
+      <dgm:t>
+        <a:bodyPr/>
+        <a:lstStyle/>
+        <a:p>
+          <a:endParaRPr lang="en-US"/>
+        </a:p>
+      </dgm:t>
+    </dgm:pt>
+    <dgm:pt modelId="{F96571DF-0D88-413D-BDEE-504159BA4AED}" type="sibTrans" cxnId="{E9BC3474-F520-4840-AC62-78300947F244}">
+      <dgm:prSet/>
+      <dgm:spPr/>
+      <dgm:t>
+        <a:bodyPr/>
+        <a:lstStyle/>
+        <a:p>
+          <a:endParaRPr lang="en-US"/>
+        </a:p>
+      </dgm:t>
+    </dgm:pt>
+    <dgm:pt modelId="{61500A34-BD0C-42A5-AE10-5E308A3AFA6C}">
+      <dgm:prSet/>
+      <dgm:spPr>
+        <a:solidFill>
+          <a:schemeClr val="accent2"/>
+        </a:solidFill>
+        <a:ln>
+          <a:solidFill>
+            <a:schemeClr val="accent2">
+              <a:lumMod val="75000"/>
+            </a:schemeClr>
+          </a:solidFill>
+        </a:ln>
+      </dgm:spPr>
+      <dgm:t>
+        <a:bodyPr/>
+        <a:lstStyle/>
+        <a:p>
+          <a:r>
+            <a:rPr lang="en-US" dirty="0"/>
+            <a:t>Best places to eat locally</a:t>
+          </a:r>
+        </a:p>
+      </dgm:t>
+    </dgm:pt>
+    <dgm:pt modelId="{FDEB49AC-6800-49A1-A93E-9EC39FD81846}" type="parTrans" cxnId="{C414C1DA-7CAE-46D4-8261-EB18255EAD3F}">
+      <dgm:prSet/>
+      <dgm:spPr/>
+      <dgm:t>
+        <a:bodyPr/>
+        <a:lstStyle/>
+        <a:p>
+          <a:endParaRPr lang="en-US"/>
+        </a:p>
+      </dgm:t>
+    </dgm:pt>
+    <dgm:pt modelId="{1D24A8FC-8FC9-425C-AE6D-2687CB196492}" type="sibTrans" cxnId="{C414C1DA-7CAE-46D4-8261-EB18255EAD3F}">
+      <dgm:prSet/>
+      <dgm:spPr/>
+      <dgm:t>
+        <a:bodyPr/>
+        <a:lstStyle/>
+        <a:p>
+          <a:endParaRPr lang="en-US"/>
+        </a:p>
+      </dgm:t>
+    </dgm:pt>
+    <dgm:pt modelId="{90255092-C93D-4537-BD40-93EC9B0D0C78}" type="pres">
+      <dgm:prSet presAssocID="{72862DB0-370E-4C7D-87E8-53A9F2497995}" presName="linear" presStyleCnt="0">
+        <dgm:presLayoutVars>
+          <dgm:animLvl val="lvl"/>
+          <dgm:resizeHandles val="exact"/>
+        </dgm:presLayoutVars>
+      </dgm:prSet>
+      <dgm:spPr/>
+    </dgm:pt>
+    <dgm:pt modelId="{9C316892-36D7-4C8A-8107-85332A6DE2B2}" type="pres">
+      <dgm:prSet presAssocID="{F9D17638-64CB-4D56-A81E-D4CA9D5EA989}" presName="parentText" presStyleLbl="node1" presStyleIdx="0" presStyleCnt="4">
+        <dgm:presLayoutVars>
+          <dgm:chMax val="0"/>
+          <dgm:bulletEnabled val="1"/>
+        </dgm:presLayoutVars>
+      </dgm:prSet>
+      <dgm:spPr/>
+    </dgm:pt>
+    <dgm:pt modelId="{B7F02DFA-AD70-4DA6-AF7E-CBEED4F58C6C}" type="pres">
+      <dgm:prSet presAssocID="{69DBDA4B-8ADA-4E61-80AA-40F3F67BF6AB}" presName="spacer" presStyleCnt="0"/>
+      <dgm:spPr/>
+    </dgm:pt>
+    <dgm:pt modelId="{9651D59C-DEC0-46B7-A513-9D5861D734A9}" type="pres">
+      <dgm:prSet presAssocID="{6B57B0B6-BFDF-4AF7-9D86-C37F7586A8FC}" presName="parentText" presStyleLbl="node1" presStyleIdx="1" presStyleCnt="4">
+        <dgm:presLayoutVars>
+          <dgm:chMax val="0"/>
+          <dgm:bulletEnabled val="1"/>
+        </dgm:presLayoutVars>
+      </dgm:prSet>
+      <dgm:spPr/>
+    </dgm:pt>
+    <dgm:pt modelId="{53E8C947-621F-4E26-8368-DAEE82E56C28}" type="pres">
+      <dgm:prSet presAssocID="{91A60121-8F43-4029-8678-A95F24A45C69}" presName="spacer" presStyleCnt="0"/>
+      <dgm:spPr/>
+    </dgm:pt>
+    <dgm:pt modelId="{D62F36EF-85E0-4626-B137-49010932EDC3}" type="pres">
+      <dgm:prSet presAssocID="{36FBC7B7-12AC-421C-A1C4-77856F50F6EE}" presName="parentText" presStyleLbl="node1" presStyleIdx="2" presStyleCnt="4">
+        <dgm:presLayoutVars>
+          <dgm:chMax val="0"/>
+          <dgm:bulletEnabled val="1"/>
+        </dgm:presLayoutVars>
+      </dgm:prSet>
+      <dgm:spPr/>
+    </dgm:pt>
+    <dgm:pt modelId="{BEA4DD7F-4272-4742-AE6C-54637388B9E4}" type="pres">
+      <dgm:prSet presAssocID="{F96571DF-0D88-413D-BDEE-504159BA4AED}" presName="spacer" presStyleCnt="0"/>
+      <dgm:spPr/>
+    </dgm:pt>
+    <dgm:pt modelId="{898CFEDF-9ABC-48EE-A372-D2DB267E4849}" type="pres">
+      <dgm:prSet presAssocID="{61500A34-BD0C-42A5-AE10-5E308A3AFA6C}" presName="parentText" presStyleLbl="node1" presStyleIdx="3" presStyleCnt="4">
+        <dgm:presLayoutVars>
+          <dgm:chMax val="0"/>
+          <dgm:bulletEnabled val="1"/>
+        </dgm:presLayoutVars>
+      </dgm:prSet>
+      <dgm:spPr/>
+    </dgm:pt>
+  </dgm:ptLst>
+  <dgm:cxnLst>
+    <dgm:cxn modelId="{DA5CFC10-AA24-41F8-A88C-BB256B3DF579}" type="presOf" srcId="{F9D17638-64CB-4D56-A81E-D4CA9D5EA989}" destId="{9C316892-36D7-4C8A-8107-85332A6DE2B2}" srcOrd="0" destOrd="0" presId="urn:microsoft.com/office/officeart/2005/8/layout/vList2"/>
+    <dgm:cxn modelId="{137A8013-128F-4DA0-AB0A-FF6D105921C5}" srcId="{72862DB0-370E-4C7D-87E8-53A9F2497995}" destId="{F9D17638-64CB-4D56-A81E-D4CA9D5EA989}" srcOrd="0" destOrd="0" parTransId="{7D1D4D47-E294-4CEC-8B24-25CA941E36AC}" sibTransId="{69DBDA4B-8ADA-4E61-80AA-40F3F67BF6AB}"/>
+    <dgm:cxn modelId="{979F1422-DF91-49F4-89F0-022936838D56}" srcId="{72862DB0-370E-4C7D-87E8-53A9F2497995}" destId="{6B57B0B6-BFDF-4AF7-9D86-C37F7586A8FC}" srcOrd="1" destOrd="0" parTransId="{25709764-E89D-4C68-B882-46A1CCD60F8D}" sibTransId="{91A60121-8F43-4029-8678-A95F24A45C69}"/>
+    <dgm:cxn modelId="{E9BC3474-F520-4840-AC62-78300947F244}" srcId="{72862DB0-370E-4C7D-87E8-53A9F2497995}" destId="{36FBC7B7-12AC-421C-A1C4-77856F50F6EE}" srcOrd="2" destOrd="0" parTransId="{3D60507D-50BF-4096-BE9B-90F4155D0F36}" sibTransId="{F96571DF-0D88-413D-BDEE-504159BA4AED}"/>
+    <dgm:cxn modelId="{23696A5A-A998-4C05-9AB5-C00AADB1EF5D}" type="presOf" srcId="{72862DB0-370E-4C7D-87E8-53A9F2497995}" destId="{90255092-C93D-4537-BD40-93EC9B0D0C78}" srcOrd="0" destOrd="0" presId="urn:microsoft.com/office/officeart/2005/8/layout/vList2"/>
+    <dgm:cxn modelId="{5530FD8A-3464-44F9-8A70-604183C3B26E}" type="presOf" srcId="{61500A34-BD0C-42A5-AE10-5E308A3AFA6C}" destId="{898CFEDF-9ABC-48EE-A372-D2DB267E4849}" srcOrd="0" destOrd="0" presId="urn:microsoft.com/office/officeart/2005/8/layout/vList2"/>
+    <dgm:cxn modelId="{F4B9A3A9-45D3-42C8-AD99-449B1179CA18}" type="presOf" srcId="{6B57B0B6-BFDF-4AF7-9D86-C37F7586A8FC}" destId="{9651D59C-DEC0-46B7-A513-9D5861D734A9}" srcOrd="0" destOrd="0" presId="urn:microsoft.com/office/officeart/2005/8/layout/vList2"/>
+    <dgm:cxn modelId="{AE3526D3-A98D-4B22-8A94-B5B3A75F2316}" type="presOf" srcId="{36FBC7B7-12AC-421C-A1C4-77856F50F6EE}" destId="{D62F36EF-85E0-4626-B137-49010932EDC3}" srcOrd="0" destOrd="0" presId="urn:microsoft.com/office/officeart/2005/8/layout/vList2"/>
+    <dgm:cxn modelId="{C414C1DA-7CAE-46D4-8261-EB18255EAD3F}" srcId="{72862DB0-370E-4C7D-87E8-53A9F2497995}" destId="{61500A34-BD0C-42A5-AE10-5E308A3AFA6C}" srcOrd="3" destOrd="0" parTransId="{FDEB49AC-6800-49A1-A93E-9EC39FD81846}" sibTransId="{1D24A8FC-8FC9-425C-AE6D-2687CB196492}"/>
+    <dgm:cxn modelId="{AEA64494-99C0-4466-99A0-72843D5B5714}" type="presParOf" srcId="{90255092-C93D-4537-BD40-93EC9B0D0C78}" destId="{9C316892-36D7-4C8A-8107-85332A6DE2B2}" srcOrd="0" destOrd="0" presId="urn:microsoft.com/office/officeart/2005/8/layout/vList2"/>
+    <dgm:cxn modelId="{A499C44C-52B7-4077-AFC6-770A6B39923D}" type="presParOf" srcId="{90255092-C93D-4537-BD40-93EC9B0D0C78}" destId="{B7F02DFA-AD70-4DA6-AF7E-CBEED4F58C6C}" srcOrd="1" destOrd="0" presId="urn:microsoft.com/office/officeart/2005/8/layout/vList2"/>
+    <dgm:cxn modelId="{2FA9DD40-880A-432A-A6ED-5CF0F82EBD50}" type="presParOf" srcId="{90255092-C93D-4537-BD40-93EC9B0D0C78}" destId="{9651D59C-DEC0-46B7-A513-9D5861D734A9}" srcOrd="2" destOrd="0" presId="urn:microsoft.com/office/officeart/2005/8/layout/vList2"/>
+    <dgm:cxn modelId="{CED93A45-417A-441E-82A4-24214E8FA69C}" type="presParOf" srcId="{90255092-C93D-4537-BD40-93EC9B0D0C78}" destId="{53E8C947-621F-4E26-8368-DAEE82E56C28}" srcOrd="3" destOrd="0" presId="urn:microsoft.com/office/officeart/2005/8/layout/vList2"/>
+    <dgm:cxn modelId="{8468A2BB-797A-4666-824E-E92AB979CDA6}" type="presParOf" srcId="{90255092-C93D-4537-BD40-93EC9B0D0C78}" destId="{D62F36EF-85E0-4626-B137-49010932EDC3}" srcOrd="4" destOrd="0" presId="urn:microsoft.com/office/officeart/2005/8/layout/vList2"/>
+    <dgm:cxn modelId="{BE798E75-DA92-4E0F-BED1-3A5DD5909AE6}" type="presParOf" srcId="{90255092-C93D-4537-BD40-93EC9B0D0C78}" destId="{BEA4DD7F-4272-4742-AE6C-54637388B9E4}" srcOrd="5" destOrd="0" presId="urn:microsoft.com/office/officeart/2005/8/layout/vList2"/>
+    <dgm:cxn modelId="{33260324-A677-4B72-9A4A-13CD980B1E99}" type="presParOf" srcId="{90255092-C93D-4537-BD40-93EC9B0D0C78}" destId="{898CFEDF-9ABC-48EE-A372-D2DB267E4849}" srcOrd="6" destOrd="0" presId="urn:microsoft.com/office/officeart/2005/8/layout/vList2"/>
+  </dgm:cxnLst>
+  <dgm:bg/>
+  <dgm:whole/>
+  <dgm:extLst>
+    <a:ext uri="http://schemas.microsoft.com/office/drawing/2008/diagram">
+      <dsp:dataModelExt xmlns:dsp="http://schemas.microsoft.com/office/drawing/2008/diagram" relId="rId6" minVer="http://schemas.openxmlformats.org/drawingml/2006/diagram"/>
+    </a:ext>
+  </dgm:extLst>
+</dgm:dataModel>
+</file>
+
+<file path=ppt/diagrams/data3.xml><?xml version="1.0" encoding="utf-8"?>
+<dgm:dataModel xmlns:dgm="http://schemas.openxmlformats.org/drawingml/2006/diagram" xmlns:a="http://schemas.openxmlformats.org/drawingml/2006/main">
+  <dgm:ptLst>
     <dgm:pt modelId="{744E6D1B-BACB-4F97-AC44-23951AE1D5DF}" type="doc">
       <dgm:prSet loTypeId="urn:microsoft.com/office/officeart/2005/8/layout/vList2" loCatId="list" qsTypeId="urn:microsoft.com/office/officeart/2005/8/quickstyle/simple1" qsCatId="simple" csTypeId="urn:microsoft.com/office/officeart/2005/8/colors/colorful2" csCatId="colorful" phldr="1"/>
       <dgm:spPr/>
@@ -3413,7 +4484,7 @@
 </dgm:dataModel>
 </file>
 
-<file path=ppt/diagrams/data3.xml><?xml version="1.0" encoding="utf-8"?>
+<file path=ppt/diagrams/data4.xml><?xml version="1.0" encoding="utf-8"?>
 <dgm:dataModel xmlns:dgm="http://schemas.openxmlformats.org/drawingml/2006/diagram" xmlns:a="http://schemas.openxmlformats.org/drawingml/2006/main">
   <dgm:ptLst>
     <dgm:pt modelId="{000E23F6-A92B-4BAC-980D-2E7FC93DD947}" type="doc">
@@ -4682,6 +5753,298 @@
       <dsp:cNvGrpSpPr/>
     </dsp:nvGrpSpPr>
     <dsp:grpSpPr/>
+    <dsp:sp modelId="{9C316892-36D7-4C8A-8107-85332A6DE2B2}">
+      <dsp:nvSpPr>
+        <dsp:cNvPr id="0" name=""/>
+        <dsp:cNvSpPr/>
+      </dsp:nvSpPr>
+      <dsp:spPr>
+        <a:xfrm>
+          <a:off x="0" y="71693"/>
+          <a:ext cx="6263640" cy="1271205"/>
+        </a:xfrm>
+        <a:prstGeom prst="roundRect">
+          <a:avLst/>
+        </a:prstGeom>
+        <a:solidFill>
+          <a:schemeClr val="accent1"/>
+        </a:solidFill>
+        <a:ln w="12700" cap="flat" cmpd="sng" algn="ctr">
+          <a:solidFill>
+            <a:schemeClr val="accent1">
+              <a:lumMod val="75000"/>
+            </a:schemeClr>
+          </a:solidFill>
+          <a:prstDash val="solid"/>
+          <a:miter lim="800000"/>
+        </a:ln>
+        <a:effectLst/>
+      </dsp:spPr>
+      <dsp:style>
+        <a:lnRef idx="2">
+          <a:scrgbClr r="0" g="0" b="0"/>
+        </a:lnRef>
+        <a:fillRef idx="1">
+          <a:scrgbClr r="0" g="0" b="0"/>
+        </a:fillRef>
+        <a:effectRef idx="0">
+          <a:scrgbClr r="0" g="0" b="0"/>
+        </a:effectRef>
+        <a:fontRef idx="minor">
+          <a:schemeClr val="lt1"/>
+        </a:fontRef>
+      </dsp:style>
+      <dsp:txBody>
+        <a:bodyPr spcFirstLastPara="0" vert="horz" wrap="square" lIns="121920" tIns="121920" rIns="121920" bIns="121920" numCol="1" spcCol="1270" anchor="ctr" anchorCtr="0">
+          <a:noAutofit/>
+        </a:bodyPr>
+        <a:lstStyle/>
+        <a:p>
+          <a:pPr marL="0" lvl="0" indent="0" algn="l" defTabSz="1422400">
+            <a:lnSpc>
+              <a:spcPct val="90000"/>
+            </a:lnSpc>
+            <a:spcBef>
+              <a:spcPct val="0"/>
+            </a:spcBef>
+            <a:spcAft>
+              <a:spcPct val="35000"/>
+            </a:spcAft>
+            <a:buNone/>
+          </a:pPr>
+          <a:r>
+            <a:rPr lang="en-US" sz="3200" kern="1200" dirty="0"/>
+            <a:t>Dataset: Hungry at the time</a:t>
+          </a:r>
+        </a:p>
+      </dsp:txBody>
+      <dsp:txXfrm>
+        <a:off x="62055" y="133748"/>
+        <a:ext cx="6139530" cy="1147095"/>
+      </dsp:txXfrm>
+    </dsp:sp>
+    <dsp:sp modelId="{9651D59C-DEC0-46B7-A513-9D5861D734A9}">
+      <dsp:nvSpPr>
+        <dsp:cNvPr id="0" name=""/>
+        <dsp:cNvSpPr/>
+      </dsp:nvSpPr>
+      <dsp:spPr>
+        <a:xfrm>
+          <a:off x="0" y="1435058"/>
+          <a:ext cx="6263640" cy="1271205"/>
+        </a:xfrm>
+        <a:prstGeom prst="roundRect">
+          <a:avLst/>
+        </a:prstGeom>
+        <a:solidFill>
+          <a:schemeClr val="accent3"/>
+        </a:solidFill>
+        <a:ln w="12700" cap="flat" cmpd="sng" algn="ctr">
+          <a:solidFill>
+            <a:schemeClr val="accent3">
+              <a:lumMod val="75000"/>
+            </a:schemeClr>
+          </a:solidFill>
+          <a:prstDash val="solid"/>
+          <a:miter lim="800000"/>
+        </a:ln>
+        <a:effectLst/>
+      </dsp:spPr>
+      <dsp:style>
+        <a:lnRef idx="2">
+          <a:scrgbClr r="0" g="0" b="0"/>
+        </a:lnRef>
+        <a:fillRef idx="1">
+          <a:scrgbClr r="0" g="0" b="0"/>
+        </a:fillRef>
+        <a:effectRef idx="0">
+          <a:scrgbClr r="0" g="0" b="0"/>
+        </a:effectRef>
+        <a:fontRef idx="minor">
+          <a:schemeClr val="lt1"/>
+        </a:fontRef>
+      </dsp:style>
+      <dsp:txBody>
+        <a:bodyPr spcFirstLastPara="0" vert="horz" wrap="square" lIns="121920" tIns="121920" rIns="121920" bIns="121920" numCol="1" spcCol="1270" anchor="ctr" anchorCtr="0">
+          <a:noAutofit/>
+        </a:bodyPr>
+        <a:lstStyle/>
+        <a:p>
+          <a:pPr marL="0" lvl="0" indent="0" algn="l" defTabSz="1422400">
+            <a:lnSpc>
+              <a:spcPct val="90000"/>
+            </a:lnSpc>
+            <a:spcBef>
+              <a:spcPct val="0"/>
+            </a:spcBef>
+            <a:spcAft>
+              <a:spcPct val="35000"/>
+            </a:spcAft>
+            <a:buNone/>
+          </a:pPr>
+          <a:r>
+            <a:rPr lang="en-US" sz="3200" kern="1200" dirty="0"/>
+            <a:t>Colors: Red &amp; Yellow stimulate appetite</a:t>
+          </a:r>
+        </a:p>
+      </dsp:txBody>
+      <dsp:txXfrm>
+        <a:off x="62055" y="1497113"/>
+        <a:ext cx="6139530" cy="1147095"/>
+      </dsp:txXfrm>
+    </dsp:sp>
+    <dsp:sp modelId="{D62F36EF-85E0-4626-B137-49010932EDC3}">
+      <dsp:nvSpPr>
+        <dsp:cNvPr id="0" name=""/>
+        <dsp:cNvSpPr/>
+      </dsp:nvSpPr>
+      <dsp:spPr>
+        <a:xfrm>
+          <a:off x="0" y="2798423"/>
+          <a:ext cx="6263640" cy="1271205"/>
+        </a:xfrm>
+        <a:prstGeom prst="roundRect">
+          <a:avLst/>
+        </a:prstGeom>
+        <a:solidFill>
+          <a:schemeClr val="accent4"/>
+        </a:solidFill>
+        <a:ln w="12700" cap="flat" cmpd="sng" algn="ctr">
+          <a:solidFill>
+            <a:schemeClr val="accent4">
+              <a:lumMod val="75000"/>
+            </a:schemeClr>
+          </a:solidFill>
+          <a:prstDash val="solid"/>
+          <a:miter lim="800000"/>
+        </a:ln>
+        <a:effectLst/>
+      </dsp:spPr>
+      <dsp:style>
+        <a:lnRef idx="2">
+          <a:scrgbClr r="0" g="0" b="0"/>
+        </a:lnRef>
+        <a:fillRef idx="1">
+          <a:scrgbClr r="0" g="0" b="0"/>
+        </a:fillRef>
+        <a:effectRef idx="0">
+          <a:scrgbClr r="0" g="0" b="0"/>
+        </a:effectRef>
+        <a:fontRef idx="minor">
+          <a:schemeClr val="lt1"/>
+        </a:fontRef>
+      </dsp:style>
+      <dsp:txBody>
+        <a:bodyPr spcFirstLastPara="0" vert="horz" wrap="square" lIns="121920" tIns="121920" rIns="121920" bIns="121920" numCol="1" spcCol="1270" anchor="ctr" anchorCtr="0">
+          <a:noAutofit/>
+        </a:bodyPr>
+        <a:lstStyle/>
+        <a:p>
+          <a:pPr marL="0" lvl="0" indent="0" algn="l" defTabSz="1422400">
+            <a:lnSpc>
+              <a:spcPct val="90000"/>
+            </a:lnSpc>
+            <a:spcBef>
+              <a:spcPct val="0"/>
+            </a:spcBef>
+            <a:spcAft>
+              <a:spcPct val="35000"/>
+            </a:spcAft>
+            <a:buNone/>
+          </a:pPr>
+          <a:r>
+            <a:rPr lang="en-US" sz="3200" kern="1200" dirty="0"/>
+            <a:t>Worst places to eat locally</a:t>
+          </a:r>
+        </a:p>
+      </dsp:txBody>
+      <dsp:txXfrm>
+        <a:off x="62055" y="2860478"/>
+        <a:ext cx="6139530" cy="1147095"/>
+      </dsp:txXfrm>
+    </dsp:sp>
+    <dsp:sp modelId="{898CFEDF-9ABC-48EE-A372-D2DB267E4849}">
+      <dsp:nvSpPr>
+        <dsp:cNvPr id="0" name=""/>
+        <dsp:cNvSpPr/>
+      </dsp:nvSpPr>
+      <dsp:spPr>
+        <a:xfrm>
+          <a:off x="0" y="4161789"/>
+          <a:ext cx="6263640" cy="1271205"/>
+        </a:xfrm>
+        <a:prstGeom prst="roundRect">
+          <a:avLst/>
+        </a:prstGeom>
+        <a:solidFill>
+          <a:schemeClr val="accent2"/>
+        </a:solidFill>
+        <a:ln w="12700" cap="flat" cmpd="sng" algn="ctr">
+          <a:solidFill>
+            <a:schemeClr val="accent2">
+              <a:lumMod val="75000"/>
+            </a:schemeClr>
+          </a:solidFill>
+          <a:prstDash val="solid"/>
+          <a:miter lim="800000"/>
+        </a:ln>
+        <a:effectLst/>
+      </dsp:spPr>
+      <dsp:style>
+        <a:lnRef idx="2">
+          <a:scrgbClr r="0" g="0" b="0"/>
+        </a:lnRef>
+        <a:fillRef idx="1">
+          <a:scrgbClr r="0" g="0" b="0"/>
+        </a:fillRef>
+        <a:effectRef idx="0">
+          <a:scrgbClr r="0" g="0" b="0"/>
+        </a:effectRef>
+        <a:fontRef idx="minor">
+          <a:schemeClr val="lt1"/>
+        </a:fontRef>
+      </dsp:style>
+      <dsp:txBody>
+        <a:bodyPr spcFirstLastPara="0" vert="horz" wrap="square" lIns="121920" tIns="121920" rIns="121920" bIns="121920" numCol="1" spcCol="1270" anchor="ctr" anchorCtr="0">
+          <a:noAutofit/>
+        </a:bodyPr>
+        <a:lstStyle/>
+        <a:p>
+          <a:pPr marL="0" lvl="0" indent="0" algn="l" defTabSz="1422400">
+            <a:lnSpc>
+              <a:spcPct val="90000"/>
+            </a:lnSpc>
+            <a:spcBef>
+              <a:spcPct val="0"/>
+            </a:spcBef>
+            <a:spcAft>
+              <a:spcPct val="35000"/>
+            </a:spcAft>
+            <a:buNone/>
+          </a:pPr>
+          <a:r>
+            <a:rPr lang="en-US" sz="3200" kern="1200" dirty="0"/>
+            <a:t>Best places to eat locally</a:t>
+          </a:r>
+        </a:p>
+      </dsp:txBody>
+      <dsp:txXfrm>
+        <a:off x="62055" y="4223844"/>
+        <a:ext cx="6139530" cy="1147095"/>
+      </dsp:txXfrm>
+    </dsp:sp>
+  </dsp:spTree>
+</dsp:drawing>
+</file>
+
+<file path=ppt/diagrams/drawing3.xml><?xml version="1.0" encoding="utf-8"?>
+<dsp:drawing xmlns:dgm="http://schemas.openxmlformats.org/drawingml/2006/diagram" xmlns:dsp="http://schemas.microsoft.com/office/drawing/2008/diagram" xmlns:a="http://schemas.openxmlformats.org/drawingml/2006/main">
+  <dsp:spTree>
+    <dsp:nvGrpSpPr>
+      <dsp:cNvPr id="0" name=""/>
+      <dsp:cNvGrpSpPr/>
+    </dsp:nvGrpSpPr>
+    <dsp:grpSpPr/>
     <dsp:sp modelId="{4FC8051B-0EFD-4F97-8134-A634DFEC5A20}">
       <dsp:nvSpPr>
         <dsp:cNvPr id="0" name=""/>
@@ -4966,7 +6329,7 @@
 </dsp:drawing>
 </file>
 
-<file path=ppt/diagrams/drawing3.xml><?xml version="1.0" encoding="utf-8"?>
+<file path=ppt/diagrams/drawing4.xml><?xml version="1.0" encoding="utf-8"?>
 <dsp:drawing xmlns:dgm="http://schemas.openxmlformats.org/drawingml/2006/diagram" xmlns:dsp="http://schemas.microsoft.com/office/drawing/2008/diagram" xmlns:a="http://schemas.openxmlformats.org/drawingml/2006/main">
   <dsp:spTree>
     <dsp:nvGrpSpPr>
@@ -6052,6 +7415,173 @@
 </file>
 
 <file path=ppt/diagrams/layout3.xml><?xml version="1.0" encoding="utf-8"?>
+<dgm:layoutDef xmlns:dgm="http://schemas.openxmlformats.org/drawingml/2006/diagram" xmlns:a="http://schemas.openxmlformats.org/drawingml/2006/main" uniqueId="urn:microsoft.com/office/officeart/2005/8/layout/vList2">
+  <dgm:title val=""/>
+  <dgm:desc val=""/>
+  <dgm:catLst>
+    <dgm:cat type="list" pri="3000"/>
+    <dgm:cat type="convert" pri="1000"/>
+  </dgm:catLst>
+  <dgm:sampData>
+    <dgm:dataModel>
+      <dgm:ptLst>
+        <dgm:pt modelId="0" type="doc"/>
+        <dgm:pt modelId="1">
+          <dgm:prSet phldr="1"/>
+        </dgm:pt>
+        <dgm:pt modelId="11">
+          <dgm:prSet phldr="1"/>
+        </dgm:pt>
+        <dgm:pt modelId="2">
+          <dgm:prSet phldr="1"/>
+        </dgm:pt>
+        <dgm:pt modelId="21">
+          <dgm:prSet phldr="1"/>
+        </dgm:pt>
+      </dgm:ptLst>
+      <dgm:cxnLst>
+        <dgm:cxn modelId="4" srcId="0" destId="1" srcOrd="0" destOrd="0"/>
+        <dgm:cxn modelId="5" srcId="0" destId="2" srcOrd="1" destOrd="0"/>
+        <dgm:cxn modelId="12" srcId="1" destId="11" srcOrd="0" destOrd="0"/>
+        <dgm:cxn modelId="23" srcId="2" destId="21" srcOrd="0" destOrd="0"/>
+      </dgm:cxnLst>
+      <dgm:bg/>
+      <dgm:whole/>
+    </dgm:dataModel>
+  </dgm:sampData>
+  <dgm:styleData>
+    <dgm:dataModel>
+      <dgm:ptLst>
+        <dgm:pt modelId="0" type="doc"/>
+        <dgm:pt modelId="1"/>
+        <dgm:pt modelId="2"/>
+      </dgm:ptLst>
+      <dgm:cxnLst>
+        <dgm:cxn modelId="3" srcId="0" destId="1" srcOrd="0" destOrd="0"/>
+        <dgm:cxn modelId="4" srcId="0" destId="2" srcOrd="1" destOrd="0"/>
+      </dgm:cxnLst>
+      <dgm:bg/>
+      <dgm:whole/>
+    </dgm:dataModel>
+  </dgm:styleData>
+  <dgm:clrData>
+    <dgm:dataModel>
+      <dgm:ptLst>
+        <dgm:pt modelId="0" type="doc"/>
+        <dgm:pt modelId="1"/>
+        <dgm:pt modelId="2"/>
+        <dgm:pt modelId="3"/>
+        <dgm:pt modelId="4"/>
+      </dgm:ptLst>
+      <dgm:cxnLst>
+        <dgm:cxn modelId="5" srcId="0" destId="1" srcOrd="0" destOrd="0"/>
+        <dgm:cxn modelId="6" srcId="0" destId="2" srcOrd="1" destOrd="0"/>
+        <dgm:cxn modelId="7" srcId="0" destId="3" srcOrd="2" destOrd="0"/>
+        <dgm:cxn modelId="8" srcId="0" destId="4" srcOrd="3" destOrd="0"/>
+      </dgm:cxnLst>
+      <dgm:bg/>
+      <dgm:whole/>
+    </dgm:dataModel>
+  </dgm:clrData>
+  <dgm:layoutNode name="linear">
+    <dgm:varLst>
+      <dgm:animLvl val="lvl"/>
+      <dgm:resizeHandles val="exact"/>
+    </dgm:varLst>
+    <dgm:alg type="lin">
+      <dgm:param type="linDir" val="fromT"/>
+      <dgm:param type="vertAlign" val="mid"/>
+    </dgm:alg>
+    <dgm:shape xmlns:r="http://schemas.openxmlformats.org/officeDocument/2006/relationships" r:blip="">
+      <dgm:adjLst/>
+    </dgm:shape>
+    <dgm:presOf/>
+    <dgm:constrLst>
+      <dgm:constr type="w" for="ch" forName="parentText" refType="w"/>
+      <dgm:constr type="h" for="ch" forName="parentText" refType="primFontSz" refFor="ch" refForName="parentText" fact="0.52"/>
+      <dgm:constr type="w" for="ch" forName="childText" refType="w"/>
+      <dgm:constr type="h" for="ch" forName="childText" refType="primFontSz" refFor="ch" refForName="parentText" fact="0.46"/>
+      <dgm:constr type="h" for="ch" forName="parentText" op="equ"/>
+      <dgm:constr type="primFontSz" for="ch" forName="parentText" op="equ" val="65"/>
+      <dgm:constr type="primFontSz" for="ch" forName="childText" refType="primFontSz" refFor="ch" refForName="parentText" op="equ"/>
+      <dgm:constr type="h" for="ch" forName="spacer" refType="primFontSz" refFor="ch" refForName="parentText" fact="0.08"/>
+    </dgm:constrLst>
+    <dgm:ruleLst>
+      <dgm:rule type="primFontSz" for="ch" forName="parentText" val="5" fact="NaN" max="NaN"/>
+    </dgm:ruleLst>
+    <dgm:forEach name="Name0" axis="ch" ptType="node">
+      <dgm:layoutNode name="parentText" styleLbl="node1">
+        <dgm:varLst>
+          <dgm:chMax val="0"/>
+          <dgm:bulletEnabled val="1"/>
+        </dgm:varLst>
+        <dgm:alg type="tx">
+          <dgm:param type="parTxLTRAlign" val="l"/>
+          <dgm:param type="parTxRTLAlign" val="r"/>
+        </dgm:alg>
+        <dgm:shape xmlns:r="http://schemas.openxmlformats.org/officeDocument/2006/relationships" type="roundRect" r:blip="">
+          <dgm:adjLst/>
+        </dgm:shape>
+        <dgm:presOf axis="self"/>
+        <dgm:constrLst>
+          <dgm:constr type="tMarg" refType="primFontSz" fact="0.3"/>
+          <dgm:constr type="bMarg" refType="primFontSz" fact="0.3"/>
+          <dgm:constr type="lMarg" refType="primFontSz" fact="0.3"/>
+          <dgm:constr type="rMarg" refType="primFontSz" fact="0.3"/>
+        </dgm:constrLst>
+        <dgm:ruleLst>
+          <dgm:rule type="h" val="INF" fact="NaN" max="NaN"/>
+        </dgm:ruleLst>
+      </dgm:layoutNode>
+      <dgm:choose name="Name1">
+        <dgm:if name="Name2" axis="ch" ptType="node" func="cnt" op="gte" val="1">
+          <dgm:layoutNode name="childText" styleLbl="revTx">
+            <dgm:varLst>
+              <dgm:bulletEnabled val="1"/>
+            </dgm:varLst>
+            <dgm:alg type="tx">
+              <dgm:param type="stBulletLvl" val="1"/>
+              <dgm:param type="lnSpAfChP" val="20"/>
+            </dgm:alg>
+            <dgm:shape xmlns:r="http://schemas.openxmlformats.org/officeDocument/2006/relationships" type="rect" r:blip="">
+              <dgm:adjLst/>
+            </dgm:shape>
+            <dgm:presOf axis="des" ptType="node"/>
+            <dgm:constrLst>
+              <dgm:constr type="tMarg" refType="primFontSz" fact="0.1"/>
+              <dgm:constr type="bMarg" refType="primFontSz" fact="0.1"/>
+              <dgm:constr type="lMarg" refType="w" fact="0.09"/>
+            </dgm:constrLst>
+            <dgm:ruleLst>
+              <dgm:rule type="h" val="INF" fact="NaN" max="NaN"/>
+            </dgm:ruleLst>
+          </dgm:layoutNode>
+        </dgm:if>
+        <dgm:else name="Name3">
+          <dgm:choose name="Name4">
+            <dgm:if name="Name5" axis="par ch" ptType="doc node" func="cnt" op="gte" val="2">
+              <dgm:forEach name="Name6" axis="followSib" ptType="sibTrans" cnt="1">
+                <dgm:layoutNode name="spacer">
+                  <dgm:alg type="sp"/>
+                  <dgm:shape xmlns:r="http://schemas.openxmlformats.org/officeDocument/2006/relationships" r:blip="">
+                    <dgm:adjLst/>
+                  </dgm:shape>
+                  <dgm:presOf/>
+                  <dgm:constrLst/>
+                  <dgm:ruleLst/>
+                </dgm:layoutNode>
+              </dgm:forEach>
+            </dgm:if>
+            <dgm:else name="Name7"/>
+          </dgm:choose>
+        </dgm:else>
+      </dgm:choose>
+    </dgm:forEach>
+  </dgm:layoutNode>
+</dgm:layoutDef>
+</file>
+
+<file path=ppt/diagrams/layout4.xml><?xml version="1.0" encoding="utf-8"?>
 <dgm:layoutDef xmlns:dgm="http://schemas.openxmlformats.org/drawingml/2006/diagram" xmlns:a="http://schemas.openxmlformats.org/drawingml/2006/main" uniqueId="urn:microsoft.com/office/officeart/2005/8/layout/list1">
   <dgm:title val=""/>
   <dgm:desc val=""/>
@@ -8345,6 +9875,1040 @@
 </file>
 
 <file path=ppt/diagrams/quickStyle3.xml><?xml version="1.0" encoding="utf-8"?>
+<dgm:styleDef xmlns:dgm="http://schemas.openxmlformats.org/drawingml/2006/diagram" xmlns:a="http://schemas.openxmlformats.org/drawingml/2006/main" uniqueId="urn:microsoft.com/office/officeart/2005/8/quickstyle/simple1">
+  <dgm:title val=""/>
+  <dgm:desc val=""/>
+  <dgm:catLst>
+    <dgm:cat type="simple" pri="10100"/>
+  </dgm:catLst>
+  <dgm:scene3d>
+    <a:camera prst="orthographicFront"/>
+    <a:lightRig rig="threePt" dir="t"/>
+  </dgm:scene3d>
+  <dgm:styleLbl name="node0">
+    <dgm:scene3d>
+      <a:camera prst="orthographicFront"/>
+      <a:lightRig rig="threePt" dir="t"/>
+    </dgm:scene3d>
+    <dgm:sp3d/>
+    <dgm:txPr/>
+    <dgm:style>
+      <a:lnRef idx="2">
+        <a:scrgbClr r="0" g="0" b="0"/>
+      </a:lnRef>
+      <a:fillRef idx="1">
+        <a:scrgbClr r="0" g="0" b="0"/>
+      </a:fillRef>
+      <a:effectRef idx="0">
+        <a:scrgbClr r="0" g="0" b="0"/>
+      </a:effectRef>
+      <a:fontRef idx="minor">
+        <a:schemeClr val="lt1"/>
+      </a:fontRef>
+    </dgm:style>
+  </dgm:styleLbl>
+  <dgm:styleLbl name="lnNode1">
+    <dgm:scene3d>
+      <a:camera prst="orthographicFront"/>
+      <a:lightRig rig="threePt" dir="t"/>
+    </dgm:scene3d>
+    <dgm:sp3d/>
+    <dgm:txPr/>
+    <dgm:style>
+      <a:lnRef idx="2">
+        <a:scrgbClr r="0" g="0" b="0"/>
+      </a:lnRef>
+      <a:fillRef idx="1">
+        <a:scrgbClr r="0" g="0" b="0"/>
+      </a:fillRef>
+      <a:effectRef idx="0">
+        <a:scrgbClr r="0" g="0" b="0"/>
+      </a:effectRef>
+      <a:fontRef idx="minor">
+        <a:schemeClr val="lt1"/>
+      </a:fontRef>
+    </dgm:style>
+  </dgm:styleLbl>
+  <dgm:styleLbl name="vennNode1">
+    <dgm:scene3d>
+      <a:camera prst="orthographicFront"/>
+      <a:lightRig rig="threePt" dir="t"/>
+    </dgm:scene3d>
+    <dgm:sp3d/>
+    <dgm:txPr/>
+    <dgm:style>
+      <a:lnRef idx="2">
+        <a:scrgbClr r="0" g="0" b="0"/>
+      </a:lnRef>
+      <a:fillRef idx="1">
+        <a:scrgbClr r="0" g="0" b="0"/>
+      </a:fillRef>
+      <a:effectRef idx="0">
+        <a:scrgbClr r="0" g="0" b="0"/>
+      </a:effectRef>
+      <a:fontRef idx="minor">
+        <a:schemeClr val="tx1"/>
+      </a:fontRef>
+    </dgm:style>
+  </dgm:styleLbl>
+  <dgm:styleLbl name="alignNode1">
+    <dgm:scene3d>
+      <a:camera prst="orthographicFront"/>
+      <a:lightRig rig="threePt" dir="t"/>
+    </dgm:scene3d>
+    <dgm:sp3d/>
+    <dgm:txPr/>
+    <dgm:style>
+      <a:lnRef idx="2">
+        <a:scrgbClr r="0" g="0" b="0"/>
+      </a:lnRef>
+      <a:fillRef idx="1">
+        <a:scrgbClr r="0" g="0" b="0"/>
+      </a:fillRef>
+      <a:effectRef idx="0">
+        <a:scrgbClr r="0" g="0" b="0"/>
+      </a:effectRef>
+      <a:fontRef idx="minor">
+        <a:schemeClr val="lt1"/>
+      </a:fontRef>
+    </dgm:style>
+  </dgm:styleLbl>
+  <dgm:styleLbl name="node1">
+    <dgm:scene3d>
+      <a:camera prst="orthographicFront"/>
+      <a:lightRig rig="threePt" dir="t"/>
+    </dgm:scene3d>
+    <dgm:sp3d/>
+    <dgm:txPr/>
+    <dgm:style>
+      <a:lnRef idx="2">
+        <a:scrgbClr r="0" g="0" b="0"/>
+      </a:lnRef>
+      <a:fillRef idx="1">
+        <a:scrgbClr r="0" g="0" b="0"/>
+      </a:fillRef>
+      <a:effectRef idx="0">
+        <a:scrgbClr r="0" g="0" b="0"/>
+      </a:effectRef>
+      <a:fontRef idx="minor">
+        <a:schemeClr val="lt1"/>
+      </a:fontRef>
+    </dgm:style>
+  </dgm:styleLbl>
+  <dgm:styleLbl name="node2">
+    <dgm:scene3d>
+      <a:camera prst="orthographicFront"/>
+      <a:lightRig rig="threePt" dir="t"/>
+    </dgm:scene3d>
+    <dgm:sp3d/>
+    <dgm:txPr/>
+    <dgm:style>
+      <a:lnRef idx="2">
+        <a:scrgbClr r="0" g="0" b="0"/>
+      </a:lnRef>
+      <a:fillRef idx="1">
+        <a:scrgbClr r="0" g="0" b="0"/>
+      </a:fillRef>
+      <a:effectRef idx="0">
+        <a:scrgbClr r="0" g="0" b="0"/>
+      </a:effectRef>
+      <a:fontRef idx="minor">
+        <a:schemeClr val="lt1"/>
+      </a:fontRef>
+    </dgm:style>
+  </dgm:styleLbl>
+  <dgm:styleLbl name="node3">
+    <dgm:scene3d>
+      <a:camera prst="orthographicFront"/>
+      <a:lightRig rig="threePt" dir="t"/>
+    </dgm:scene3d>
+    <dgm:sp3d/>
+    <dgm:txPr/>
+    <dgm:style>
+      <a:lnRef idx="2">
+        <a:scrgbClr r="0" g="0" b="0"/>
+      </a:lnRef>
+      <a:fillRef idx="1">
+        <a:scrgbClr r="0" g="0" b="0"/>
+      </a:fillRef>
+      <a:effectRef idx="0">
+        <a:scrgbClr r="0" g="0" b="0"/>
+      </a:effectRef>
+      <a:fontRef idx="minor">
+        <a:schemeClr val="lt1"/>
+      </a:fontRef>
+    </dgm:style>
+  </dgm:styleLbl>
+  <dgm:styleLbl name="node4">
+    <dgm:scene3d>
+      <a:camera prst="orthographicFront"/>
+      <a:lightRig rig="threePt" dir="t"/>
+    </dgm:scene3d>
+    <dgm:sp3d/>
+    <dgm:txPr/>
+    <dgm:style>
+      <a:lnRef idx="2">
+        <a:scrgbClr r="0" g="0" b="0"/>
+      </a:lnRef>
+      <a:fillRef idx="1">
+        <a:scrgbClr r="0" g="0" b="0"/>
+      </a:fillRef>
+      <a:effectRef idx="0">
+        <a:scrgbClr r="0" g="0" b="0"/>
+      </a:effectRef>
+      <a:fontRef idx="minor">
+        <a:schemeClr val="lt1"/>
+      </a:fontRef>
+    </dgm:style>
+  </dgm:styleLbl>
+  <dgm:styleLbl name="fgImgPlace1">
+    <dgm:scene3d>
+      <a:camera prst="orthographicFront"/>
+      <a:lightRig rig="threePt" dir="t"/>
+    </dgm:scene3d>
+    <dgm:sp3d/>
+    <dgm:txPr/>
+    <dgm:style>
+      <a:lnRef idx="2">
+        <a:scrgbClr r="0" g="0" b="0"/>
+      </a:lnRef>
+      <a:fillRef idx="1">
+        <a:scrgbClr r="0" g="0" b="0"/>
+      </a:fillRef>
+      <a:effectRef idx="0">
+        <a:scrgbClr r="0" g="0" b="0"/>
+      </a:effectRef>
+      <a:fontRef idx="minor"/>
+    </dgm:style>
+  </dgm:styleLbl>
+  <dgm:styleLbl name="alignImgPlace1">
+    <dgm:scene3d>
+      <a:camera prst="orthographicFront"/>
+      <a:lightRig rig="threePt" dir="t"/>
+    </dgm:scene3d>
+    <dgm:sp3d/>
+    <dgm:txPr/>
+    <dgm:style>
+      <a:lnRef idx="2">
+        <a:scrgbClr r="0" g="0" b="0"/>
+      </a:lnRef>
+      <a:fillRef idx="1">
+        <a:scrgbClr r="0" g="0" b="0"/>
+      </a:fillRef>
+      <a:effectRef idx="0">
+        <a:scrgbClr r="0" g="0" b="0"/>
+      </a:effectRef>
+      <a:fontRef idx="minor"/>
+    </dgm:style>
+  </dgm:styleLbl>
+  <dgm:styleLbl name="bgImgPlace1">
+    <dgm:scene3d>
+      <a:camera prst="orthographicFront"/>
+      <a:lightRig rig="threePt" dir="t"/>
+    </dgm:scene3d>
+    <dgm:sp3d/>
+    <dgm:txPr/>
+    <dgm:style>
+      <a:lnRef idx="2">
+        <a:scrgbClr r="0" g="0" b="0"/>
+      </a:lnRef>
+      <a:fillRef idx="1">
+        <a:scrgbClr r="0" g="0" b="0"/>
+      </a:fillRef>
+      <a:effectRef idx="0">
+        <a:scrgbClr r="0" g="0" b="0"/>
+      </a:effectRef>
+      <a:fontRef idx="minor"/>
+    </dgm:style>
+  </dgm:styleLbl>
+  <dgm:styleLbl name="sibTrans2D1">
+    <dgm:scene3d>
+      <a:camera prst="orthographicFront"/>
+      <a:lightRig rig="threePt" dir="t"/>
+    </dgm:scene3d>
+    <dgm:sp3d/>
+    <dgm:txPr/>
+    <dgm:style>
+      <a:lnRef idx="0">
+        <a:scrgbClr r="0" g="0" b="0"/>
+      </a:lnRef>
+      <a:fillRef idx="1">
+        <a:scrgbClr r="0" g="0" b="0"/>
+      </a:fillRef>
+      <a:effectRef idx="0">
+        <a:scrgbClr r="0" g="0" b="0"/>
+      </a:effectRef>
+      <a:fontRef idx="minor">
+        <a:schemeClr val="lt1"/>
+      </a:fontRef>
+    </dgm:style>
+  </dgm:styleLbl>
+  <dgm:styleLbl name="fgSibTrans2D1">
+    <dgm:scene3d>
+      <a:camera prst="orthographicFront"/>
+      <a:lightRig rig="threePt" dir="t"/>
+    </dgm:scene3d>
+    <dgm:sp3d/>
+    <dgm:txPr/>
+    <dgm:style>
+      <a:lnRef idx="0">
+        <a:scrgbClr r="0" g="0" b="0"/>
+      </a:lnRef>
+      <a:fillRef idx="1">
+        <a:scrgbClr r="0" g="0" b="0"/>
+      </a:fillRef>
+      <a:effectRef idx="0">
+        <a:scrgbClr r="0" g="0" b="0"/>
+      </a:effectRef>
+      <a:fontRef idx="minor">
+        <a:schemeClr val="lt1"/>
+      </a:fontRef>
+    </dgm:style>
+  </dgm:styleLbl>
+  <dgm:styleLbl name="bgSibTrans2D1">
+    <dgm:scene3d>
+      <a:camera prst="orthographicFront"/>
+      <a:lightRig rig="threePt" dir="t"/>
+    </dgm:scene3d>
+    <dgm:sp3d/>
+    <dgm:txPr/>
+    <dgm:style>
+      <a:lnRef idx="0">
+        <a:scrgbClr r="0" g="0" b="0"/>
+      </a:lnRef>
+      <a:fillRef idx="1">
+        <a:scrgbClr r="0" g="0" b="0"/>
+      </a:fillRef>
+      <a:effectRef idx="0">
+        <a:scrgbClr r="0" g="0" b="0"/>
+      </a:effectRef>
+      <a:fontRef idx="minor">
+        <a:schemeClr val="lt1"/>
+      </a:fontRef>
+    </dgm:style>
+  </dgm:styleLbl>
+  <dgm:styleLbl name="sibTrans1D1">
+    <dgm:scene3d>
+      <a:camera prst="orthographicFront"/>
+      <a:lightRig rig="threePt" dir="t"/>
+    </dgm:scene3d>
+    <dgm:sp3d/>
+    <dgm:txPr/>
+    <dgm:style>
+      <a:lnRef idx="1">
+        <a:scrgbClr r="0" g="0" b="0"/>
+      </a:lnRef>
+      <a:fillRef idx="0">
+        <a:scrgbClr r="0" g="0" b="0"/>
+      </a:fillRef>
+      <a:effectRef idx="0">
+        <a:scrgbClr r="0" g="0" b="0"/>
+      </a:effectRef>
+      <a:fontRef idx="minor"/>
+    </dgm:style>
+  </dgm:styleLbl>
+  <dgm:styleLbl name="callout">
+    <dgm:scene3d>
+      <a:camera prst="orthographicFront"/>
+      <a:lightRig rig="threePt" dir="t"/>
+    </dgm:scene3d>
+    <dgm:sp3d/>
+    <dgm:txPr/>
+    <dgm:style>
+      <a:lnRef idx="2">
+        <a:scrgbClr r="0" g="0" b="0"/>
+      </a:lnRef>
+      <a:fillRef idx="1">
+        <a:scrgbClr r="0" g="0" b="0"/>
+      </a:fillRef>
+      <a:effectRef idx="0">
+        <a:scrgbClr r="0" g="0" b="0"/>
+      </a:effectRef>
+      <a:fontRef idx="minor"/>
+    </dgm:style>
+  </dgm:styleLbl>
+  <dgm:styleLbl name="asst0">
+    <dgm:scene3d>
+      <a:camera prst="orthographicFront"/>
+      <a:lightRig rig="threePt" dir="t"/>
+    </dgm:scene3d>
+    <dgm:sp3d/>
+    <dgm:txPr/>
+    <dgm:style>
+      <a:lnRef idx="2">
+        <a:scrgbClr r="0" g="0" b="0"/>
+      </a:lnRef>
+      <a:fillRef idx="1">
+        <a:scrgbClr r="0" g="0" b="0"/>
+      </a:fillRef>
+      <a:effectRef idx="0">
+        <a:scrgbClr r="0" g="0" b="0"/>
+      </a:effectRef>
+      <a:fontRef idx="minor">
+        <a:schemeClr val="lt1"/>
+      </a:fontRef>
+    </dgm:style>
+  </dgm:styleLbl>
+  <dgm:styleLbl name="asst1">
+    <dgm:scene3d>
+      <a:camera prst="orthographicFront"/>
+      <a:lightRig rig="threePt" dir="t"/>
+    </dgm:scene3d>
+    <dgm:sp3d/>
+    <dgm:txPr/>
+    <dgm:style>
+      <a:lnRef idx="2">
+        <a:scrgbClr r="0" g="0" b="0"/>
+      </a:lnRef>
+      <a:fillRef idx="1">
+        <a:scrgbClr r="0" g="0" b="0"/>
+      </a:fillRef>
+      <a:effectRef idx="0">
+        <a:scrgbClr r="0" g="0" b="0"/>
+      </a:effectRef>
+      <a:fontRef idx="minor">
+        <a:schemeClr val="lt1"/>
+      </a:fontRef>
+    </dgm:style>
+  </dgm:styleLbl>
+  <dgm:styleLbl name="asst2">
+    <dgm:scene3d>
+      <a:camera prst="orthographicFront"/>
+      <a:lightRig rig="threePt" dir="t"/>
+    </dgm:scene3d>
+    <dgm:sp3d/>
+    <dgm:txPr/>
+    <dgm:style>
+      <a:lnRef idx="2">
+        <a:scrgbClr r="0" g="0" b="0"/>
+      </a:lnRef>
+      <a:fillRef idx="1">
+        <a:scrgbClr r="0" g="0" b="0"/>
+      </a:fillRef>
+      <a:effectRef idx="0">
+        <a:scrgbClr r="0" g="0" b="0"/>
+      </a:effectRef>
+      <a:fontRef idx="minor">
+        <a:schemeClr val="lt1"/>
+      </a:fontRef>
+    </dgm:style>
+  </dgm:styleLbl>
+  <dgm:styleLbl name="asst3">
+    <dgm:scene3d>
+      <a:camera prst="orthographicFront"/>
+      <a:lightRig rig="threePt" dir="t"/>
+    </dgm:scene3d>
+    <dgm:sp3d/>
+    <dgm:txPr/>
+    <dgm:style>
+      <a:lnRef idx="2">
+        <a:scrgbClr r="0" g="0" b="0"/>
+      </a:lnRef>
+      <a:fillRef idx="1">
+        <a:scrgbClr r="0" g="0" b="0"/>
+      </a:fillRef>
+      <a:effectRef idx="0">
+        <a:scrgbClr r="0" g="0" b="0"/>
+      </a:effectRef>
+      <a:fontRef idx="minor">
+        <a:schemeClr val="lt1"/>
+      </a:fontRef>
+    </dgm:style>
+  </dgm:styleLbl>
+  <dgm:styleLbl name="asst4">
+    <dgm:scene3d>
+      <a:camera prst="orthographicFront"/>
+      <a:lightRig rig="threePt" dir="t"/>
+    </dgm:scene3d>
+    <dgm:sp3d/>
+    <dgm:txPr/>
+    <dgm:style>
+      <a:lnRef idx="2">
+        <a:scrgbClr r="0" g="0" b="0"/>
+      </a:lnRef>
+      <a:fillRef idx="1">
+        <a:scrgbClr r="0" g="0" b="0"/>
+      </a:fillRef>
+      <a:effectRef idx="0">
+        <a:scrgbClr r="0" g="0" b="0"/>
+      </a:effectRef>
+      <a:fontRef idx="minor">
+        <a:schemeClr val="lt1"/>
+      </a:fontRef>
+    </dgm:style>
+  </dgm:styleLbl>
+  <dgm:styleLbl name="parChTrans2D1">
+    <dgm:scene3d>
+      <a:camera prst="orthographicFront"/>
+      <a:lightRig rig="threePt" dir="t"/>
+    </dgm:scene3d>
+    <dgm:sp3d/>
+    <dgm:txPr/>
+    <dgm:style>
+      <a:lnRef idx="2">
+        <a:scrgbClr r="0" g="0" b="0"/>
+      </a:lnRef>
+      <a:fillRef idx="1">
+        <a:scrgbClr r="0" g="0" b="0"/>
+      </a:fillRef>
+      <a:effectRef idx="0">
+        <a:scrgbClr r="0" g="0" b="0"/>
+      </a:effectRef>
+      <a:fontRef idx="minor">
+        <a:schemeClr val="lt1"/>
+      </a:fontRef>
+    </dgm:style>
+  </dgm:styleLbl>
+  <dgm:styleLbl name="parChTrans2D2">
+    <dgm:scene3d>
+      <a:camera prst="orthographicFront"/>
+      <a:lightRig rig="threePt" dir="t"/>
+    </dgm:scene3d>
+    <dgm:sp3d/>
+    <dgm:txPr/>
+    <dgm:style>
+      <a:lnRef idx="2">
+        <a:scrgbClr r="0" g="0" b="0"/>
+      </a:lnRef>
+      <a:fillRef idx="1">
+        <a:scrgbClr r="0" g="0" b="0"/>
+      </a:fillRef>
+      <a:effectRef idx="0">
+        <a:scrgbClr r="0" g="0" b="0"/>
+      </a:effectRef>
+      <a:fontRef idx="minor">
+        <a:schemeClr val="lt1"/>
+      </a:fontRef>
+    </dgm:style>
+  </dgm:styleLbl>
+  <dgm:styleLbl name="parChTrans2D3">
+    <dgm:scene3d>
+      <a:camera prst="orthographicFront"/>
+      <a:lightRig rig="threePt" dir="t"/>
+    </dgm:scene3d>
+    <dgm:sp3d/>
+    <dgm:txPr/>
+    <dgm:style>
+      <a:lnRef idx="2">
+        <a:scrgbClr r="0" g="0" b="0"/>
+      </a:lnRef>
+      <a:fillRef idx="1">
+        <a:scrgbClr r="0" g="0" b="0"/>
+      </a:fillRef>
+      <a:effectRef idx="0">
+        <a:scrgbClr r="0" g="0" b="0"/>
+      </a:effectRef>
+      <a:fontRef idx="minor">
+        <a:schemeClr val="lt1"/>
+      </a:fontRef>
+    </dgm:style>
+  </dgm:styleLbl>
+  <dgm:styleLbl name="parChTrans2D4">
+    <dgm:scene3d>
+      <a:camera prst="orthographicFront"/>
+      <a:lightRig rig="threePt" dir="t"/>
+    </dgm:scene3d>
+    <dgm:sp3d/>
+    <dgm:txPr/>
+    <dgm:style>
+      <a:lnRef idx="2">
+        <a:scrgbClr r="0" g="0" b="0"/>
+      </a:lnRef>
+      <a:fillRef idx="1">
+        <a:scrgbClr r="0" g="0" b="0"/>
+      </a:fillRef>
+      <a:effectRef idx="0">
+        <a:scrgbClr r="0" g="0" b="0"/>
+      </a:effectRef>
+      <a:fontRef idx="minor">
+        <a:schemeClr val="lt1"/>
+      </a:fontRef>
+    </dgm:style>
+  </dgm:styleLbl>
+  <dgm:styleLbl name="parChTrans1D1">
+    <dgm:scene3d>
+      <a:camera prst="orthographicFront"/>
+      <a:lightRig rig="threePt" dir="t"/>
+    </dgm:scene3d>
+    <dgm:sp3d/>
+    <dgm:txPr/>
+    <dgm:style>
+      <a:lnRef idx="2">
+        <a:scrgbClr r="0" g="0" b="0"/>
+      </a:lnRef>
+      <a:fillRef idx="0">
+        <a:scrgbClr r="0" g="0" b="0"/>
+      </a:fillRef>
+      <a:effectRef idx="0">
+        <a:scrgbClr r="0" g="0" b="0"/>
+      </a:effectRef>
+      <a:fontRef idx="minor"/>
+    </dgm:style>
+  </dgm:styleLbl>
+  <dgm:styleLbl name="parChTrans1D2">
+    <dgm:scene3d>
+      <a:camera prst="orthographicFront"/>
+      <a:lightRig rig="threePt" dir="t"/>
+    </dgm:scene3d>
+    <dgm:sp3d/>
+    <dgm:txPr/>
+    <dgm:style>
+      <a:lnRef idx="2">
+        <a:scrgbClr r="0" g="0" b="0"/>
+      </a:lnRef>
+      <a:fillRef idx="0">
+        <a:scrgbClr r="0" g="0" b="0"/>
+      </a:fillRef>
+      <a:effectRef idx="0">
+        <a:scrgbClr r="0" g="0" b="0"/>
+      </a:effectRef>
+      <a:fontRef idx="minor"/>
+    </dgm:style>
+  </dgm:styleLbl>
+  <dgm:styleLbl name="parChTrans1D3">
+    <dgm:scene3d>
+      <a:camera prst="orthographicFront"/>
+      <a:lightRig rig="threePt" dir="t"/>
+    </dgm:scene3d>
+    <dgm:sp3d/>
+    <dgm:txPr/>
+    <dgm:style>
+      <a:lnRef idx="2">
+        <a:scrgbClr r="0" g="0" b="0"/>
+      </a:lnRef>
+      <a:fillRef idx="0">
+        <a:scrgbClr r="0" g="0" b="0"/>
+      </a:fillRef>
+      <a:effectRef idx="0">
+        <a:scrgbClr r="0" g="0" b="0"/>
+      </a:effectRef>
+      <a:fontRef idx="minor"/>
+    </dgm:style>
+  </dgm:styleLbl>
+  <dgm:styleLbl name="parChTrans1D4">
+    <dgm:scene3d>
+      <a:camera prst="orthographicFront"/>
+      <a:lightRig rig="threePt" dir="t"/>
+    </dgm:scene3d>
+    <dgm:sp3d/>
+    <dgm:txPr/>
+    <dgm:style>
+      <a:lnRef idx="2">
+        <a:scrgbClr r="0" g="0" b="0"/>
+      </a:lnRef>
+      <a:fillRef idx="0">
+        <a:scrgbClr r="0" g="0" b="0"/>
+      </a:fillRef>
+      <a:effectRef idx="0">
+        <a:scrgbClr r="0" g="0" b="0"/>
+      </a:effectRef>
+      <a:fontRef idx="minor"/>
+    </dgm:style>
+  </dgm:styleLbl>
+  <dgm:styleLbl name="fgAcc1">
+    <dgm:scene3d>
+      <a:camera prst="orthographicFront"/>
+      <a:lightRig rig="threePt" dir="t"/>
+    </dgm:scene3d>
+    <dgm:sp3d/>
+    <dgm:txPr/>
+    <dgm:style>
+      <a:lnRef idx="2">
+        <a:scrgbClr r="0" g="0" b="0"/>
+      </a:lnRef>
+      <a:fillRef idx="1">
+        <a:scrgbClr r="0" g="0" b="0"/>
+      </a:fillRef>
+      <a:effectRef idx="0">
+        <a:scrgbClr r="0" g="0" b="0"/>
+      </a:effectRef>
+      <a:fontRef idx="minor"/>
+    </dgm:style>
+  </dgm:styleLbl>
+  <dgm:styleLbl name="conFgAcc1">
+    <dgm:scene3d>
+      <a:camera prst="orthographicFront"/>
+      <a:lightRig rig="threePt" dir="t"/>
+    </dgm:scene3d>
+    <dgm:sp3d/>
+    <dgm:txPr/>
+    <dgm:style>
+      <a:lnRef idx="2">
+        <a:scrgbClr r="0" g="0" b="0"/>
+      </a:lnRef>
+      <a:fillRef idx="1">
+        <a:scrgbClr r="0" g="0" b="0"/>
+      </a:fillRef>
+      <a:effectRef idx="0">
+        <a:scrgbClr r="0" g="0" b="0"/>
+      </a:effectRef>
+      <a:fontRef idx="minor"/>
+    </dgm:style>
+  </dgm:styleLbl>
+  <dgm:styleLbl name="alignAcc1">
+    <dgm:scene3d>
+      <a:camera prst="orthographicFront"/>
+      <a:lightRig rig="threePt" dir="t"/>
+    </dgm:scene3d>
+    <dgm:sp3d/>
+    <dgm:txPr/>
+    <dgm:style>
+      <a:lnRef idx="2">
+        <a:scrgbClr r="0" g="0" b="0"/>
+      </a:lnRef>
+      <a:fillRef idx="1">
+        <a:scrgbClr r="0" g="0" b="0"/>
+      </a:fillRef>
+      <a:effectRef idx="0">
+        <a:scrgbClr r="0" g="0" b="0"/>
+      </a:effectRef>
+      <a:fontRef idx="minor"/>
+    </dgm:style>
+  </dgm:styleLbl>
+  <dgm:styleLbl name="trAlignAcc1">
+    <dgm:scene3d>
+      <a:camera prst="orthographicFront"/>
+      <a:lightRig rig="threePt" dir="t"/>
+    </dgm:scene3d>
+    <dgm:sp3d/>
+    <dgm:txPr/>
+    <dgm:style>
+      <a:lnRef idx="1">
+        <a:scrgbClr r="0" g="0" b="0"/>
+      </a:lnRef>
+      <a:fillRef idx="1">
+        <a:scrgbClr r="0" g="0" b="0"/>
+      </a:fillRef>
+      <a:effectRef idx="0">
+        <a:scrgbClr r="0" g="0" b="0"/>
+      </a:effectRef>
+      <a:fontRef idx="minor"/>
+    </dgm:style>
+  </dgm:styleLbl>
+  <dgm:styleLbl name="bgAcc1">
+    <dgm:scene3d>
+      <a:camera prst="orthographicFront"/>
+      <a:lightRig rig="threePt" dir="t"/>
+    </dgm:scene3d>
+    <dgm:sp3d/>
+    <dgm:txPr/>
+    <dgm:style>
+      <a:lnRef idx="2">
+        <a:scrgbClr r="0" g="0" b="0"/>
+      </a:lnRef>
+      <a:fillRef idx="1">
+        <a:scrgbClr r="0" g="0" b="0"/>
+      </a:fillRef>
+      <a:effectRef idx="0">
+        <a:scrgbClr r="0" g="0" b="0"/>
+      </a:effectRef>
+      <a:fontRef idx="minor"/>
+    </dgm:style>
+  </dgm:styleLbl>
+  <dgm:styleLbl name="solidFgAcc1">
+    <dgm:scene3d>
+      <a:camera prst="orthographicFront"/>
+      <a:lightRig rig="threePt" dir="t"/>
+    </dgm:scene3d>
+    <dgm:sp3d/>
+    <dgm:txPr/>
+    <dgm:style>
+      <a:lnRef idx="2">
+        <a:scrgbClr r="0" g="0" b="0"/>
+      </a:lnRef>
+      <a:fillRef idx="1">
+        <a:scrgbClr r="0" g="0" b="0"/>
+      </a:fillRef>
+      <a:effectRef idx="0">
+        <a:scrgbClr r="0" g="0" b="0"/>
+      </a:effectRef>
+      <a:fontRef idx="minor"/>
+    </dgm:style>
+  </dgm:styleLbl>
+  <dgm:styleLbl name="solidAlignAcc1">
+    <dgm:scene3d>
+      <a:camera prst="orthographicFront"/>
+      <a:lightRig rig="threePt" dir="t"/>
+    </dgm:scene3d>
+    <dgm:sp3d/>
+    <dgm:txPr/>
+    <dgm:style>
+      <a:lnRef idx="2">
+        <a:scrgbClr r="0" g="0" b="0"/>
+      </a:lnRef>
+      <a:fillRef idx="1">
+        <a:scrgbClr r="0" g="0" b="0"/>
+      </a:fillRef>
+      <a:effectRef idx="0">
+        <a:scrgbClr r="0" g="0" b="0"/>
+      </a:effectRef>
+      <a:fontRef idx="minor"/>
+    </dgm:style>
+  </dgm:styleLbl>
+  <dgm:styleLbl name="solidBgAcc1">
+    <dgm:scene3d>
+      <a:camera prst="orthographicFront"/>
+      <a:lightRig rig="threePt" dir="t"/>
+    </dgm:scene3d>
+    <dgm:sp3d/>
+    <dgm:txPr/>
+    <dgm:style>
+      <a:lnRef idx="2">
+        <a:scrgbClr r="0" g="0" b="0"/>
+      </a:lnRef>
+      <a:fillRef idx="1">
+        <a:scrgbClr r="0" g="0" b="0"/>
+      </a:fillRef>
+      <a:effectRef idx="0">
+        <a:scrgbClr r="0" g="0" b="0"/>
+      </a:effectRef>
+      <a:fontRef idx="minor"/>
+    </dgm:style>
+  </dgm:styleLbl>
+  <dgm:styleLbl name="fgAccFollowNode1">
+    <dgm:scene3d>
+      <a:camera prst="orthographicFront"/>
+      <a:lightRig rig="threePt" dir="t"/>
+    </dgm:scene3d>
+    <dgm:sp3d/>
+    <dgm:txPr/>
+    <dgm:style>
+      <a:lnRef idx="2">
+        <a:scrgbClr r="0" g="0" b="0"/>
+      </a:lnRef>
+      <a:fillRef idx="1">
+        <a:scrgbClr r="0" g="0" b="0"/>
+      </a:fillRef>
+      <a:effectRef idx="0">
+        <a:scrgbClr r="0" g="0" b="0"/>
+      </a:effectRef>
+      <a:fontRef idx="minor"/>
+    </dgm:style>
+  </dgm:styleLbl>
+  <dgm:styleLbl name="alignAccFollowNode1">
+    <dgm:scene3d>
+      <a:camera prst="orthographicFront"/>
+      <a:lightRig rig="threePt" dir="t"/>
+    </dgm:scene3d>
+    <dgm:sp3d/>
+    <dgm:txPr/>
+    <dgm:style>
+      <a:lnRef idx="2">
+        <a:scrgbClr r="0" g="0" b="0"/>
+      </a:lnRef>
+      <a:fillRef idx="1">
+        <a:scrgbClr r="0" g="0" b="0"/>
+      </a:fillRef>
+      <a:effectRef idx="0">
+        <a:scrgbClr r="0" g="0" b="0"/>
+      </a:effectRef>
+      <a:fontRef idx="minor"/>
+    </dgm:style>
+  </dgm:styleLbl>
+  <dgm:styleLbl name="bgAccFollowNode1">
+    <dgm:scene3d>
+      <a:camera prst="orthographicFront"/>
+      <a:lightRig rig="threePt" dir="t"/>
+    </dgm:scene3d>
+    <dgm:sp3d/>
+    <dgm:txPr/>
+    <dgm:style>
+      <a:lnRef idx="2">
+        <a:scrgbClr r="0" g="0" b="0"/>
+      </a:lnRef>
+      <a:fillRef idx="1">
+        <a:scrgbClr r="0" g="0" b="0"/>
+      </a:fillRef>
+      <a:effectRef idx="0">
+        <a:scrgbClr r="0" g="0" b="0"/>
+      </a:effectRef>
+      <a:fontRef idx="minor"/>
+    </dgm:style>
+  </dgm:styleLbl>
+  <dgm:styleLbl name="fgAcc0">
+    <dgm:scene3d>
+      <a:camera prst="orthographicFront"/>
+      <a:lightRig rig="threePt" dir="t"/>
+    </dgm:scene3d>
+    <dgm:sp3d/>
+    <dgm:txPr/>
+    <dgm:style>
+      <a:lnRef idx="2">
+        <a:scrgbClr r="0" g="0" b="0"/>
+      </a:lnRef>
+      <a:fillRef idx="1">
+        <a:scrgbClr r="0" g="0" b="0"/>
+      </a:fillRef>
+      <a:effectRef idx="0">
+        <a:scrgbClr r="0" g="0" b="0"/>
+      </a:effectRef>
+      <a:fontRef idx="minor"/>
+    </dgm:style>
+  </dgm:styleLbl>
+  <dgm:styleLbl name="fgAcc2">
+    <dgm:scene3d>
+      <a:camera prst="orthographicFront"/>
+      <a:lightRig rig="threePt" dir="t"/>
+    </dgm:scene3d>
+    <dgm:sp3d/>
+    <dgm:txPr/>
+    <dgm:style>
+      <a:lnRef idx="2">
+        <a:scrgbClr r="0" g="0" b="0"/>
+      </a:lnRef>
+      <a:fillRef idx="1">
+        <a:scrgbClr r="0" g="0" b="0"/>
+      </a:fillRef>
+      <a:effectRef idx="0">
+        <a:scrgbClr r="0" g="0" b="0"/>
+      </a:effectRef>
+      <a:fontRef idx="minor"/>
+    </dgm:style>
+  </dgm:styleLbl>
+  <dgm:styleLbl name="fgAcc3">
+    <dgm:scene3d>
+      <a:camera prst="orthographicFront"/>
+      <a:lightRig rig="threePt" dir="t"/>
+    </dgm:scene3d>
+    <dgm:sp3d/>
+    <dgm:txPr/>
+    <dgm:style>
+      <a:lnRef idx="2">
+        <a:scrgbClr r="0" g="0" b="0"/>
+      </a:lnRef>
+      <a:fillRef idx="1">
+        <a:scrgbClr r="0" g="0" b="0"/>
+      </a:fillRef>
+      <a:effectRef idx="0">
+        <a:scrgbClr r="0" g="0" b="0"/>
+      </a:effectRef>
+      <a:fontRef idx="minor"/>
+    </dgm:style>
+  </dgm:styleLbl>
+  <dgm:styleLbl name="fgAcc4">
+    <dgm:scene3d>
+      <a:camera prst="orthographicFront"/>
+      <a:lightRig rig="threePt" dir="t"/>
+    </dgm:scene3d>
+    <dgm:sp3d/>
+    <dgm:txPr/>
+    <dgm:style>
+      <a:lnRef idx="2">
+        <a:scrgbClr r="0" g="0" b="0"/>
+      </a:lnRef>
+      <a:fillRef idx="1">
+        <a:scrgbClr r="0" g="0" b="0"/>
+      </a:fillRef>
+      <a:effectRef idx="0">
+        <a:scrgbClr r="0" g="0" b="0"/>
+      </a:effectRef>
+      <a:fontRef idx="minor"/>
+    </dgm:style>
+  </dgm:styleLbl>
+  <dgm:styleLbl name="bgShp">
+    <dgm:scene3d>
+      <a:camera prst="orthographicFront"/>
+      <a:lightRig rig="threePt" dir="t"/>
+    </dgm:scene3d>
+    <dgm:sp3d/>
+    <dgm:txPr/>
+    <dgm:style>
+      <a:lnRef idx="0">
+        <a:scrgbClr r="0" g="0" b="0"/>
+      </a:lnRef>
+      <a:fillRef idx="1">
+        <a:scrgbClr r="0" g="0" b="0"/>
+      </a:fillRef>
+      <a:effectRef idx="0">
+        <a:scrgbClr r="0" g="0" b="0"/>
+      </a:effectRef>
+      <a:fontRef idx="minor"/>
+    </dgm:style>
+  </dgm:styleLbl>
+  <dgm:styleLbl name="dkBgShp">
+    <dgm:scene3d>
+      <a:camera prst="orthographicFront"/>
+      <a:lightRig rig="threePt" dir="t"/>
+    </dgm:scene3d>
+    <dgm:sp3d/>
+    <dgm:txPr/>
+    <dgm:style>
+      <a:lnRef idx="0">
+        <a:scrgbClr r="0" g="0" b="0"/>
+      </a:lnRef>
+      <a:fillRef idx="1">
+        <a:scrgbClr r="0" g="0" b="0"/>
+      </a:fillRef>
+      <a:effectRef idx="0">
+        <a:scrgbClr r="0" g="0" b="0"/>
+      </a:effectRef>
+      <a:fontRef idx="minor"/>
+    </dgm:style>
+  </dgm:styleLbl>
+  <dgm:styleLbl name="trBgShp">
+    <dgm:scene3d>
+      <a:camera prst="orthographicFront"/>
+      <a:lightRig rig="threePt" dir="t"/>
+    </dgm:scene3d>
+    <dgm:sp3d/>
+    <dgm:txPr/>
+    <dgm:style>
+      <a:lnRef idx="0">
+        <a:scrgbClr r="0" g="0" b="0"/>
+      </a:lnRef>
+      <a:fillRef idx="1">
+        <a:scrgbClr r="0" g="0" b="0"/>
+      </a:fillRef>
+      <a:effectRef idx="0">
+        <a:scrgbClr r="0" g="0" b="0"/>
+      </a:effectRef>
+      <a:fontRef idx="minor"/>
+    </dgm:style>
+  </dgm:styleLbl>
+  <dgm:styleLbl name="fgShp">
+    <dgm:scene3d>
+      <a:camera prst="orthographicFront"/>
+      <a:lightRig rig="threePt" dir="t"/>
+    </dgm:scene3d>
+    <dgm:sp3d/>
+    <dgm:txPr/>
+    <dgm:style>
+      <a:lnRef idx="2">
+        <a:scrgbClr r="0" g="0" b="0"/>
+      </a:lnRef>
+      <a:fillRef idx="1">
+        <a:scrgbClr r="0" g="0" b="0"/>
+      </a:fillRef>
+      <a:effectRef idx="0">
+        <a:scrgbClr r="0" g="0" b="0"/>
+      </a:effectRef>
+      <a:fontRef idx="minor"/>
+    </dgm:style>
+  </dgm:styleLbl>
+  <dgm:styleLbl name="revTx">
+    <dgm:scene3d>
+      <a:camera prst="orthographicFront"/>
+      <a:lightRig rig="threePt" dir="t"/>
+    </dgm:scene3d>
+    <dgm:sp3d/>
+    <dgm:txPr/>
+    <dgm:style>
+      <a:lnRef idx="0">
+        <a:scrgbClr r="0" g="0" b="0"/>
+      </a:lnRef>
+      <a:fillRef idx="0">
+        <a:scrgbClr r="0" g="0" b="0"/>
+      </a:fillRef>
+      <a:effectRef idx="0">
+        <a:scrgbClr r="0" g="0" b="0"/>
+      </a:effectRef>
+      <a:fontRef idx="minor"/>
+    </dgm:style>
+  </dgm:styleLbl>
+</dgm:styleDef>
+</file>
+
+<file path=ppt/diagrams/quickStyle4.xml><?xml version="1.0" encoding="utf-8"?>
 <dgm:styleDef xmlns:dgm="http://schemas.openxmlformats.org/drawingml/2006/diagram" xmlns:a="http://schemas.openxmlformats.org/drawingml/2006/main" uniqueId="urn:microsoft.com/office/officeart/2005/8/quickstyle/simple1">
   <dgm:title val=""/>
   <dgm:desc val=""/>
@@ -12931,6 +15495,422 @@
           </a:fontRef>
         </p:style>
       </p:cxnSp>
+      <p:sp>
+        <p:nvSpPr>
+          <p:cNvPr id="4" name="Rectangle 3">
+            <a:extLst>
+              <a:ext uri="{FF2B5EF4-FFF2-40B4-BE49-F238E27FC236}">
+                <a16:creationId xmlns:a16="http://schemas.microsoft.com/office/drawing/2014/main" id="{D3E2FC72-07AD-48E8-AD57-FFBA251004C0}"/>
+              </a:ext>
+            </a:extLst>
+          </p:cNvPr>
+          <p:cNvSpPr/>
+          <p:nvPr/>
+        </p:nvSpPr>
+        <p:spPr>
+          <a:xfrm>
+            <a:off x="596464" y="0"/>
+            <a:ext cx="5499536" cy="551961"/>
+          </a:xfrm>
+          <a:prstGeom prst="rect">
+            <a:avLst/>
+          </a:prstGeom>
+          <a:solidFill>
+            <a:schemeClr val="accent2"/>
+          </a:solidFill>
+          <a:ln>
+            <a:noFill/>
+          </a:ln>
+        </p:spPr>
+        <p:style>
+          <a:lnRef idx="2">
+            <a:schemeClr val="accent1">
+              <a:shade val="50000"/>
+            </a:schemeClr>
+          </a:lnRef>
+          <a:fillRef idx="1">
+            <a:schemeClr val="accent1"/>
+          </a:fillRef>
+          <a:effectRef idx="0">
+            <a:schemeClr val="accent1"/>
+          </a:effectRef>
+          <a:fontRef idx="minor">
+            <a:schemeClr val="lt1"/>
+          </a:fontRef>
+        </p:style>
+        <p:txBody>
+          <a:bodyPr rtlCol="0" anchor="ctr"/>
+          <a:lstStyle/>
+          <a:p>
+            <a:pPr algn="ctr"/>
+            <a:endParaRPr lang="en-US"/>
+          </a:p>
+        </p:txBody>
+      </p:sp>
+      <p:sp>
+        <p:nvSpPr>
+          <p:cNvPr id="5" name="Right Triangle 4">
+            <a:extLst>
+              <a:ext uri="{FF2B5EF4-FFF2-40B4-BE49-F238E27FC236}">
+                <a16:creationId xmlns:a16="http://schemas.microsoft.com/office/drawing/2014/main" id="{08E6DA6A-FA6D-47F0-9530-5C8138E19B6D}"/>
+              </a:ext>
+            </a:extLst>
+          </p:cNvPr>
+          <p:cNvSpPr/>
+          <p:nvPr/>
+        </p:nvSpPr>
+        <p:spPr>
+          <a:xfrm>
+            <a:off x="0" y="0"/>
+            <a:ext cx="596463" cy="551962"/>
+          </a:xfrm>
+          <a:prstGeom prst="rtTriangle">
+            <a:avLst/>
+          </a:prstGeom>
+          <a:solidFill>
+            <a:schemeClr val="accent2"/>
+          </a:solidFill>
+          <a:ln>
+            <a:noFill/>
+          </a:ln>
+        </p:spPr>
+        <p:style>
+          <a:lnRef idx="2">
+            <a:schemeClr val="accent1">
+              <a:shade val="50000"/>
+            </a:schemeClr>
+          </a:lnRef>
+          <a:fillRef idx="1">
+            <a:schemeClr val="accent1"/>
+          </a:fillRef>
+          <a:effectRef idx="0">
+            <a:schemeClr val="accent1"/>
+          </a:effectRef>
+          <a:fontRef idx="minor">
+            <a:schemeClr val="lt1"/>
+          </a:fontRef>
+        </p:style>
+        <p:txBody>
+          <a:bodyPr rtlCol="0" anchor="ctr"/>
+          <a:lstStyle/>
+          <a:p>
+            <a:pPr algn="ctr"/>
+            <a:endParaRPr lang="en-US"/>
+          </a:p>
+        </p:txBody>
+      </p:sp>
+      <p:sp>
+        <p:nvSpPr>
+          <p:cNvPr id="11" name="Rectangle 10">
+            <a:extLst>
+              <a:ext uri="{FF2B5EF4-FFF2-40B4-BE49-F238E27FC236}">
+                <a16:creationId xmlns:a16="http://schemas.microsoft.com/office/drawing/2014/main" id="{6242FCC3-11CF-4BC0-9364-180CE6359B58}"/>
+              </a:ext>
+            </a:extLst>
+          </p:cNvPr>
+          <p:cNvSpPr/>
+          <p:nvPr/>
+        </p:nvSpPr>
+        <p:spPr>
+          <a:xfrm rot="16200000">
+            <a:off x="-1632080" y="2184042"/>
+            <a:ext cx="3860623" cy="596464"/>
+          </a:xfrm>
+          <a:prstGeom prst="rect">
+            <a:avLst/>
+          </a:prstGeom>
+          <a:solidFill>
+            <a:schemeClr val="accent2"/>
+          </a:solidFill>
+          <a:ln>
+            <a:noFill/>
+          </a:ln>
+        </p:spPr>
+        <p:style>
+          <a:lnRef idx="2">
+            <a:schemeClr val="accent1">
+              <a:shade val="50000"/>
+            </a:schemeClr>
+          </a:lnRef>
+          <a:fillRef idx="1">
+            <a:schemeClr val="accent1"/>
+          </a:fillRef>
+          <a:effectRef idx="0">
+            <a:schemeClr val="accent1"/>
+          </a:effectRef>
+          <a:fontRef idx="minor">
+            <a:schemeClr val="lt1"/>
+          </a:fontRef>
+        </p:style>
+        <p:txBody>
+          <a:bodyPr rtlCol="0" anchor="ctr"/>
+          <a:lstStyle/>
+          <a:p>
+            <a:pPr algn="ctr"/>
+            <a:endParaRPr lang="en-US"/>
+          </a:p>
+        </p:txBody>
+      </p:sp>
+      <p:sp>
+        <p:nvSpPr>
+          <p:cNvPr id="13" name="Right Triangle 12">
+            <a:extLst>
+              <a:ext uri="{FF2B5EF4-FFF2-40B4-BE49-F238E27FC236}">
+                <a16:creationId xmlns:a16="http://schemas.microsoft.com/office/drawing/2014/main" id="{EDDD8150-BF2E-4894-B6D5-6028B9EC96C1}"/>
+              </a:ext>
+            </a:extLst>
+          </p:cNvPr>
+          <p:cNvSpPr/>
+          <p:nvPr/>
+        </p:nvSpPr>
+        <p:spPr>
+          <a:xfrm rot="10800000">
+            <a:off x="-4" y="-1"/>
+            <a:ext cx="596461" cy="740708"/>
+          </a:xfrm>
+          <a:prstGeom prst="rtTriangle">
+            <a:avLst/>
+          </a:prstGeom>
+          <a:solidFill>
+            <a:schemeClr val="accent2"/>
+          </a:solidFill>
+          <a:ln>
+            <a:noFill/>
+          </a:ln>
+        </p:spPr>
+        <p:style>
+          <a:lnRef idx="2">
+            <a:schemeClr val="accent1">
+              <a:shade val="50000"/>
+            </a:schemeClr>
+          </a:lnRef>
+          <a:fillRef idx="1">
+            <a:schemeClr val="accent1"/>
+          </a:fillRef>
+          <a:effectRef idx="0">
+            <a:schemeClr val="accent1"/>
+          </a:effectRef>
+          <a:fontRef idx="minor">
+            <a:schemeClr val="lt1"/>
+          </a:fontRef>
+        </p:style>
+        <p:txBody>
+          <a:bodyPr rtlCol="0" anchor="ctr"/>
+          <a:lstStyle/>
+          <a:p>
+            <a:pPr algn="ctr"/>
+            <a:endParaRPr lang="en-US"/>
+          </a:p>
+        </p:txBody>
+      </p:sp>
+      <p:sp>
+        <p:nvSpPr>
+          <p:cNvPr id="15" name="Rectangle 14">
+            <a:extLst>
+              <a:ext uri="{FF2B5EF4-FFF2-40B4-BE49-F238E27FC236}">
+                <a16:creationId xmlns:a16="http://schemas.microsoft.com/office/drawing/2014/main" id="{D55A42B1-B6F4-41A3-A71C-41D2ABB4F9A8}"/>
+              </a:ext>
+            </a:extLst>
+          </p:cNvPr>
+          <p:cNvSpPr/>
+          <p:nvPr/>
+        </p:nvSpPr>
+        <p:spPr>
+          <a:xfrm>
+            <a:off x="6096001" y="0"/>
+            <a:ext cx="5499536" cy="551962"/>
+          </a:xfrm>
+          <a:prstGeom prst="rect">
+            <a:avLst/>
+          </a:prstGeom>
+          <a:solidFill>
+            <a:srgbClr val="FF2F63"/>
+          </a:solidFill>
+          <a:ln>
+            <a:noFill/>
+          </a:ln>
+        </p:spPr>
+        <p:style>
+          <a:lnRef idx="2">
+            <a:schemeClr val="accent1">
+              <a:shade val="50000"/>
+            </a:schemeClr>
+          </a:lnRef>
+          <a:fillRef idx="1">
+            <a:schemeClr val="accent1"/>
+          </a:fillRef>
+          <a:effectRef idx="0">
+            <a:schemeClr val="accent1"/>
+          </a:effectRef>
+          <a:fontRef idx="minor">
+            <a:schemeClr val="lt1"/>
+          </a:fontRef>
+        </p:style>
+        <p:txBody>
+          <a:bodyPr rtlCol="0" anchor="ctr"/>
+          <a:lstStyle/>
+          <a:p>
+            <a:pPr algn="ctr"/>
+            <a:endParaRPr lang="en-US"/>
+          </a:p>
+        </p:txBody>
+      </p:sp>
+      <p:sp>
+        <p:nvSpPr>
+          <p:cNvPr id="16" name="Right Triangle 15">
+            <a:extLst>
+              <a:ext uri="{FF2B5EF4-FFF2-40B4-BE49-F238E27FC236}">
+                <a16:creationId xmlns:a16="http://schemas.microsoft.com/office/drawing/2014/main" id="{1E7D3DE3-4DDC-4358-A087-EDAD7F712000}"/>
+              </a:ext>
+            </a:extLst>
+          </p:cNvPr>
+          <p:cNvSpPr/>
+          <p:nvPr/>
+        </p:nvSpPr>
+        <p:spPr>
+          <a:xfrm>
+            <a:off x="11595533" y="-1"/>
+            <a:ext cx="596463" cy="551962"/>
+          </a:xfrm>
+          <a:prstGeom prst="rtTriangle">
+            <a:avLst/>
+          </a:prstGeom>
+          <a:solidFill>
+            <a:srgbClr val="FF2F63"/>
+          </a:solidFill>
+          <a:ln>
+            <a:noFill/>
+          </a:ln>
+        </p:spPr>
+        <p:style>
+          <a:lnRef idx="2">
+            <a:schemeClr val="accent1">
+              <a:shade val="50000"/>
+            </a:schemeClr>
+          </a:lnRef>
+          <a:fillRef idx="1">
+            <a:schemeClr val="accent1"/>
+          </a:fillRef>
+          <a:effectRef idx="0">
+            <a:schemeClr val="accent1"/>
+          </a:effectRef>
+          <a:fontRef idx="minor">
+            <a:schemeClr val="lt1"/>
+          </a:fontRef>
+        </p:style>
+        <p:txBody>
+          <a:bodyPr rtlCol="0" anchor="ctr"/>
+          <a:lstStyle/>
+          <a:p>
+            <a:pPr algn="ctr"/>
+            <a:endParaRPr lang="en-US"/>
+          </a:p>
+        </p:txBody>
+      </p:sp>
+      <p:sp>
+        <p:nvSpPr>
+          <p:cNvPr id="17" name="Right Triangle 16">
+            <a:extLst>
+              <a:ext uri="{FF2B5EF4-FFF2-40B4-BE49-F238E27FC236}">
+                <a16:creationId xmlns:a16="http://schemas.microsoft.com/office/drawing/2014/main" id="{AE8672A7-A4D4-4D24-ADFC-F33933F812BA}"/>
+              </a:ext>
+            </a:extLst>
+          </p:cNvPr>
+          <p:cNvSpPr/>
+          <p:nvPr/>
+        </p:nvSpPr>
+        <p:spPr>
+          <a:xfrm rot="10800000">
+            <a:off x="11595529" y="-2"/>
+            <a:ext cx="596461" cy="740708"/>
+          </a:xfrm>
+          <a:prstGeom prst="rtTriangle">
+            <a:avLst/>
+          </a:prstGeom>
+          <a:solidFill>
+            <a:srgbClr val="FF2F63"/>
+          </a:solidFill>
+          <a:ln>
+            <a:noFill/>
+          </a:ln>
+        </p:spPr>
+        <p:style>
+          <a:lnRef idx="2">
+            <a:schemeClr val="accent1">
+              <a:shade val="50000"/>
+            </a:schemeClr>
+          </a:lnRef>
+          <a:fillRef idx="1">
+            <a:schemeClr val="accent1"/>
+          </a:fillRef>
+          <a:effectRef idx="0">
+            <a:schemeClr val="accent1"/>
+          </a:effectRef>
+          <a:fontRef idx="minor">
+            <a:schemeClr val="lt1"/>
+          </a:fontRef>
+        </p:style>
+        <p:txBody>
+          <a:bodyPr rtlCol="0" anchor="ctr"/>
+          <a:lstStyle/>
+          <a:p>
+            <a:pPr algn="ctr"/>
+            <a:endParaRPr lang="en-US"/>
+          </a:p>
+        </p:txBody>
+      </p:sp>
+      <p:sp>
+        <p:nvSpPr>
+          <p:cNvPr id="18" name="Rectangle 17">
+            <a:extLst>
+              <a:ext uri="{FF2B5EF4-FFF2-40B4-BE49-F238E27FC236}">
+                <a16:creationId xmlns:a16="http://schemas.microsoft.com/office/drawing/2014/main" id="{B00D102A-A5C6-43E3-9FD6-BF379DF7A35D}"/>
+              </a:ext>
+            </a:extLst>
+          </p:cNvPr>
+          <p:cNvSpPr/>
+          <p:nvPr/>
+        </p:nvSpPr>
+        <p:spPr>
+          <a:xfrm rot="16200000">
+            <a:off x="9963440" y="2184040"/>
+            <a:ext cx="3860623" cy="596464"/>
+          </a:xfrm>
+          <a:prstGeom prst="rect">
+            <a:avLst/>
+          </a:prstGeom>
+          <a:solidFill>
+            <a:srgbClr val="FF2F63"/>
+          </a:solidFill>
+          <a:ln>
+            <a:noFill/>
+          </a:ln>
+        </p:spPr>
+        <p:style>
+          <a:lnRef idx="2">
+            <a:schemeClr val="accent1">
+              <a:shade val="50000"/>
+            </a:schemeClr>
+          </a:lnRef>
+          <a:fillRef idx="1">
+            <a:schemeClr val="accent1"/>
+          </a:fillRef>
+          <a:effectRef idx="0">
+            <a:schemeClr val="accent1"/>
+          </a:effectRef>
+          <a:fontRef idx="minor">
+            <a:schemeClr val="lt1"/>
+          </a:fontRef>
+        </p:style>
+        <p:txBody>
+          <a:bodyPr rtlCol="0" anchor="ctr"/>
+          <a:lstStyle/>
+          <a:p>
+            <a:pPr algn="ctr"/>
+            <a:endParaRPr lang="en-US"/>
+          </a:p>
+        </p:txBody>
+      </p:sp>
     </p:spTree>
     <p:extLst>
       <p:ext uri="{BB962C8B-B14F-4D97-AF65-F5344CB8AC3E}">
@@ -13384,6 +16364,238 @@
           <a:chExt cx="0" cy="0"/>
         </a:xfrm>
       </p:grpSpPr>
+      <p:sp>
+        <p:nvSpPr>
+          <p:cNvPr id="2" name="Title 1">
+            <a:extLst>
+              <a:ext uri="{FF2B5EF4-FFF2-40B4-BE49-F238E27FC236}">
+                <a16:creationId xmlns:a16="http://schemas.microsoft.com/office/drawing/2014/main" id="{0167CF89-5C58-427E-A580-2B332FE5F34C}"/>
+              </a:ext>
+            </a:extLst>
+          </p:cNvPr>
+          <p:cNvSpPr>
+            <a:spLocks noGrp="1"/>
+          </p:cNvSpPr>
+          <p:nvPr>
+            <p:ph type="title"/>
+          </p:nvPr>
+        </p:nvSpPr>
+        <p:spPr>
+          <a:xfrm>
+            <a:off x="524741" y="620392"/>
+            <a:ext cx="3808268" cy="5504688"/>
+          </a:xfrm>
+        </p:spPr>
+        <p:txBody>
+          <a:bodyPr>
+            <a:normAutofit/>
+          </a:bodyPr>
+          <a:lstStyle/>
+          <a:p>
+            <a:r>
+              <a:rPr lang="en-US" sz="5100"/>
+              <a:t>MOTIVATION</a:t>
+            </a:r>
+          </a:p>
+        </p:txBody>
+      </p:sp>
+      <p:sp>
+        <p:nvSpPr>
+          <p:cNvPr id="9" name="Rectangle 8">
+            <a:extLst>
+              <a:ext uri="{FF2B5EF4-FFF2-40B4-BE49-F238E27FC236}">
+                <a16:creationId xmlns:a16="http://schemas.microsoft.com/office/drawing/2014/main" id="{5D84EFE8-C53A-44C4-B289-D1B42CF690B8}"/>
+              </a:ext>
+              <a:ext uri="{C183D7F6-B498-43B3-948B-1728B52AA6E4}">
+                <adec:decorative xmlns:adec="http://schemas.microsoft.com/office/drawing/2017/decorative" val="1"/>
+              </a:ext>
+            </a:extLst>
+          </p:cNvPr>
+          <p:cNvSpPr>
+            <a:spLocks noGrp="1" noRot="1" noChangeAspect="1" noMove="1" noResize="1" noEditPoints="1" noAdjustHandles="1" noChangeArrowheads="1" noChangeShapeType="1" noTextEdit="1"/>
+          </p:cNvSpPr>
+          <p:nvPr>
+            <p:extLst>
+              <p:ext uri="{386F3935-93C4-4BCD-93E2-E3B085C9AB24}">
+                <p16:designElem xmlns:p16="http://schemas.microsoft.com/office/powerpoint/2015/main" val="1"/>
+              </p:ext>
+            </p:extLst>
+          </p:nvPr>
+        </p:nvSpPr>
+        <p:spPr>
+          <a:xfrm rot="5400000">
+            <a:off x="6032938" y="-6032938"/>
+            <a:ext cx="126124" cy="12192000"/>
+          </a:xfrm>
+          <a:prstGeom prst="rect">
+            <a:avLst/>
+          </a:prstGeom>
+          <a:solidFill>
+            <a:srgbClr val="4472C4"/>
+          </a:solidFill>
+          <a:ln w="12700" cap="flat" cmpd="sng" algn="ctr">
+            <a:noFill/>
+            <a:prstDash val="solid"/>
+            <a:miter lim="800000"/>
+          </a:ln>
+          <a:effectLst/>
+        </p:spPr>
+        <p:txBody>
+          <a:bodyPr rtlCol="0" anchor="ctr"/>
+          <a:lstStyle/>
+          <a:p>
+            <a:pPr marL="0" marR="0" lvl="0" indent="0" algn="ctr" defTabSz="914400" eaLnBrk="1" fontAlgn="auto" latinLnBrk="0" hangingPunct="1">
+              <a:lnSpc>
+                <a:spcPct val="100000"/>
+              </a:lnSpc>
+              <a:spcBef>
+                <a:spcPts val="0"/>
+              </a:spcBef>
+              <a:spcAft>
+                <a:spcPts val="0"/>
+              </a:spcAft>
+              <a:buClrTx/>
+              <a:buSzTx/>
+              <a:buFontTx/>
+              <a:buNone/>
+              <a:tabLst/>
+              <a:defRPr/>
+            </a:pPr>
+            <a:endParaRPr kumimoji="0" lang="en-US" sz="1800" b="0" i="0" u="none" strike="noStrike" kern="0" cap="none" spc="0" normalizeH="0" baseline="0" noProof="0" dirty="0">
+              <a:ln>
+                <a:noFill/>
+              </a:ln>
+              <a:solidFill>
+                <a:prstClr val="white"/>
+              </a:solidFill>
+              <a:effectLst/>
+              <a:uLnTx/>
+              <a:uFillTx/>
+              <a:latin typeface="Calibri" panose="020F0502020204030204"/>
+              <a:ea typeface="+mn-ea"/>
+              <a:cs typeface="+mn-cs"/>
+            </a:endParaRPr>
+          </a:p>
+        </p:txBody>
+      </p:sp>
+      <p:graphicFrame>
+        <p:nvGraphicFramePr>
+          <p:cNvPr id="5" name="Content Placeholder 2">
+            <a:extLst>
+              <a:ext uri="{FF2B5EF4-FFF2-40B4-BE49-F238E27FC236}">
+                <a16:creationId xmlns:a16="http://schemas.microsoft.com/office/drawing/2014/main" id="{02121C31-186E-46C6-98F8-87C122ECC33F}"/>
+              </a:ext>
+            </a:extLst>
+          </p:cNvPr>
+          <p:cNvGraphicFramePr>
+            <a:graphicFrameLocks noGrp="1"/>
+          </p:cNvGraphicFramePr>
+          <p:nvPr>
+            <p:ph idx="1"/>
+            <p:extLst>
+              <p:ext uri="{D42A27DB-BD31-4B8C-83A1-F6EECF244321}">
+                <p14:modId xmlns:p14="http://schemas.microsoft.com/office/powerpoint/2010/main" val="1036385366"/>
+              </p:ext>
+            </p:extLst>
+          </p:nvPr>
+        </p:nvGraphicFramePr>
+        <p:xfrm>
+          <a:off x="5093208" y="620392"/>
+          <a:ext cx="6263640" cy="5504688"/>
+        </p:xfrm>
+        <a:graphic>
+          <a:graphicData uri="http://schemas.openxmlformats.org/drawingml/2006/diagram">
+            <dgm:relIds xmlns:dgm="http://schemas.openxmlformats.org/drawingml/2006/diagram" xmlns:r="http://schemas.openxmlformats.org/officeDocument/2006/relationships" r:dm="rId2" r:lo="rId3" r:qs="rId4" r:cs="rId5"/>
+          </a:graphicData>
+        </a:graphic>
+      </p:graphicFrame>
+      <p:sp>
+        <p:nvSpPr>
+          <p:cNvPr id="6" name="Rectangle 5">
+            <a:extLst>
+              <a:ext uri="{FF2B5EF4-FFF2-40B4-BE49-F238E27FC236}">
+                <a16:creationId xmlns:a16="http://schemas.microsoft.com/office/drawing/2014/main" id="{37D70A26-4547-452F-94CF-E144918A1D71}"/>
+              </a:ext>
+            </a:extLst>
+          </p:cNvPr>
+          <p:cNvSpPr/>
+          <p:nvPr/>
+        </p:nvSpPr>
+        <p:spPr>
+          <a:xfrm>
+            <a:off x="0" y="0"/>
+            <a:ext cx="12192000" cy="214920"/>
+          </a:xfrm>
+          <a:prstGeom prst="rect">
+            <a:avLst/>
+          </a:prstGeom>
+          <a:ln>
+            <a:noFill/>
+          </a:ln>
+        </p:spPr>
+        <p:style>
+          <a:lnRef idx="2">
+            <a:schemeClr val="accent1">
+              <a:shade val="50000"/>
+            </a:schemeClr>
+          </a:lnRef>
+          <a:fillRef idx="1">
+            <a:schemeClr val="accent1"/>
+          </a:fillRef>
+          <a:effectRef idx="0">
+            <a:schemeClr val="accent1"/>
+          </a:effectRef>
+          <a:fontRef idx="minor">
+            <a:schemeClr val="lt1"/>
+          </a:fontRef>
+        </p:style>
+        <p:txBody>
+          <a:bodyPr rtlCol="0" anchor="ctr"/>
+          <a:lstStyle/>
+          <a:p>
+            <a:pPr algn="ctr"/>
+            <a:endParaRPr lang="en-US"/>
+          </a:p>
+        </p:txBody>
+      </p:sp>
+    </p:spTree>
+    <p:extLst>
+      <p:ext uri="{BB962C8B-B14F-4D97-AF65-F5344CB8AC3E}">
+        <p14:creationId xmlns:p14="http://schemas.microsoft.com/office/powerpoint/2010/main" val="1804002185"/>
+      </p:ext>
+    </p:extLst>
+  </p:cSld>
+  <p:clrMapOvr>
+    <a:masterClrMapping/>
+  </p:clrMapOvr>
+</p:sld>
+</file>
+
+<file path=ppt/slides/slide4.xml><?xml version="1.0" encoding="utf-8"?>
+<p:sld xmlns:a="http://schemas.openxmlformats.org/drawingml/2006/main" xmlns:r="http://schemas.openxmlformats.org/officeDocument/2006/relationships" xmlns:p="http://schemas.openxmlformats.org/presentationml/2006/main">
+  <p:cSld>
+    <p:bg>
+      <p:bgPr>
+        <a:solidFill>
+          <a:schemeClr val="bg1"/>
+        </a:solidFill>
+        <a:effectLst/>
+      </p:bgPr>
+    </p:bg>
+    <p:spTree>
+      <p:nvGrpSpPr>
+        <p:cNvPr id="1" name=""/>
+        <p:cNvGrpSpPr/>
+        <p:nvPr/>
+      </p:nvGrpSpPr>
+      <p:grpSpPr>
+        <a:xfrm>
+          <a:off x="0" y="0"/>
+          <a:ext cx="0" cy="0"/>
+          <a:chOff x="0" y="0"/>
+          <a:chExt cx="0" cy="0"/>
+        </a:xfrm>
+      </p:grpSpPr>
       <p:sp useBgFill="1">
         <p:nvSpPr>
           <p:cNvPr id="14" name="Rectangle 13">
@@ -13473,10 +16685,9 @@
           <a:lstStyle/>
           <a:p>
             <a:r>
-              <a:rPr lang="en-US" sz="5100"/>
-              <a:t>Methodology</a:t>
+              <a:rPr lang="en-US" dirty="0"/>
+              <a:t>METHODOLOGY</a:t>
             </a:r>
-            <a:endParaRPr lang="en-US" sz="5100" dirty="0"/>
           </a:p>
         </p:txBody>
       </p:sp>
@@ -13573,7 +16784,7 @@
 </p:sld>
 </file>
 
-<file path=ppt/slides/slide4.xml><?xml version="1.0" encoding="utf-8"?>
+<file path=ppt/slides/slide5.xml><?xml version="1.0" encoding="utf-8"?>
 <p:sld xmlns:a="http://schemas.openxmlformats.org/drawingml/2006/main" xmlns:r="http://schemas.openxmlformats.org/officeDocument/2006/relationships" xmlns:p="http://schemas.openxmlformats.org/presentationml/2006/main">
   <p:cSld>
     <p:bg>
@@ -13627,9 +16838,10 @@
           <a:lstStyle/>
           <a:p>
             <a:r>
-              <a:rPr lang="en-US" sz="5600"/>
-              <a:t>Conclusions</a:t>
+              <a:rPr lang="en-US" dirty="0"/>
+              <a:t>CONCLUSIONS</a:t>
             </a:r>
+            <a:endParaRPr lang="en-US" sz="4800" dirty="0"/>
           </a:p>
         </p:txBody>
       </p:sp>

--- a/Brett/Health_Inspections.pptx
+++ b/Brett/Health_Inspections.pptx
@@ -4499,7 +4499,7 @@
       </dgm:t>
     </dgm:pt>
     <dgm:pt modelId="{5308E70D-6170-4EF5-8CDE-C22509BE94C7}">
-      <dgm:prSet/>
+      <dgm:prSet custT="1"/>
       <dgm:spPr>
         <a:solidFill>
           <a:schemeClr val="accent1"/>
@@ -4522,7 +4522,7 @@
             </a:lnSpc>
           </a:pPr>
           <a:r>
-            <a:rPr lang="en-US" dirty="0"/>
+            <a:rPr lang="en-US" sz="1600" dirty="0"/>
             <a:t>Conclusion #1 – Map</a:t>
           </a:r>
         </a:p>
@@ -4551,7 +4551,7 @@
       </dgm:t>
     </dgm:pt>
     <dgm:pt modelId="{0B1C0BD1-B199-4DC3-BCC7-BFAD63C6B63C}">
-      <dgm:prSet/>
+      <dgm:prSet custT="1"/>
       <dgm:spPr>
         <a:solidFill>
           <a:schemeClr val="accent3"/>
@@ -4574,8 +4574,12 @@
             </a:lnSpc>
           </a:pPr>
           <a:r>
-            <a:rPr lang="en-US"/>
-            <a:t>Conslusion #2 – Bar</a:t>
+            <a:rPr lang="en-US" sz="1600" dirty="0" err="1"/>
+            <a:t>Conslusion</a:t>
+          </a:r>
+          <a:r>
+            <a:rPr lang="en-US" sz="1600" dirty="0"/>
+            <a:t> #2 – Bar</a:t>
           </a:r>
         </a:p>
       </dgm:t>
@@ -4603,7 +4607,7 @@
       </dgm:t>
     </dgm:pt>
     <dgm:pt modelId="{33913727-B6DB-4577-938C-098930958CB7}">
-      <dgm:prSet/>
+      <dgm:prSet custT="1"/>
       <dgm:spPr>
         <a:solidFill>
           <a:schemeClr val="accent4"/>
@@ -4626,7 +4630,7 @@
             </a:lnSpc>
           </a:pPr>
           <a:r>
-            <a:rPr lang="en-US"/>
+            <a:rPr lang="en-US" sz="1600"/>
             <a:t>Conclusion #3 – Line</a:t>
           </a:r>
         </a:p>
@@ -4655,7 +4659,7 @@
       </dgm:t>
     </dgm:pt>
     <dgm:pt modelId="{41DE10B3-0261-4C34-B8AE-BE751D52ACDB}">
-      <dgm:prSet/>
+      <dgm:prSet custT="1"/>
       <dgm:spPr>
         <a:solidFill>
           <a:schemeClr val="accent2"/>
@@ -4678,7 +4682,7 @@
             </a:lnSpc>
           </a:pPr>
           <a:r>
-            <a:rPr lang="en-US"/>
+            <a:rPr lang="en-US" sz="1600"/>
             <a:t>Conclusion #4 – Scatter</a:t>
           </a:r>
         </a:p>
@@ -4707,7 +4711,7 @@
       </dgm:t>
     </dgm:pt>
     <dgm:pt modelId="{421F9F08-C546-44B3-8D28-B838D531B374}">
-      <dgm:prSet/>
+      <dgm:prSet custT="1"/>
       <dgm:spPr>
         <a:solidFill>
           <a:schemeClr val="tx2"/>
@@ -4730,7 +4734,7 @@
             </a:lnSpc>
           </a:pPr>
           <a:r>
-            <a:rPr lang="en-US"/>
+            <a:rPr lang="en-US" sz="1600"/>
             <a:t>Overall Conclusion – Dataset </a:t>
           </a:r>
         </a:p>
@@ -4860,6 +4864,118 @@
       </dgm:t>
     </dgm:pt>
     <dgm:pt modelId="{6483869A-9EE6-41EA-97ED-0CFD3E95BF6E}" type="sibTrans" cxnId="{B4FA29ED-D534-4A7D-BB89-D47F02D1A3CC}">
+      <dgm:prSet/>
+      <dgm:spPr/>
+      <dgm:t>
+        <a:bodyPr/>
+        <a:lstStyle/>
+        <a:p>
+          <a:endParaRPr lang="en-US"/>
+        </a:p>
+      </dgm:t>
+    </dgm:pt>
+    <dgm:pt modelId="{4551DD54-0F75-4D46-ABCC-7C12577E77C9}">
+      <dgm:prSet/>
+      <dgm:spPr>
+        <a:solidFill>
+          <a:schemeClr val="accent3"/>
+        </a:solidFill>
+        <a:ln>
+          <a:solidFill>
+            <a:schemeClr val="accent5">
+              <a:lumMod val="50000"/>
+            </a:schemeClr>
+          </a:solidFill>
+        </a:ln>
+      </dgm:spPr>
+      <dgm:t>
+        <a:bodyPr/>
+        <a:lstStyle/>
+        <a:p>
+          <a:pPr>
+            <a:lnSpc>
+              <a:spcPct val="100000"/>
+            </a:lnSpc>
+          </a:pPr>
+          <a:r>
+            <a:rPr lang="en-US" dirty="0">
+              <a:solidFill>
+                <a:schemeClr val="bg1"/>
+              </a:solidFill>
+            </a:rPr>
+            <a:t>Taking a sample size of 5,000 data points, on average most zip codes have an inspection score equal to or greater than 90.</a:t>
+          </a:r>
+        </a:p>
+      </dgm:t>
+    </dgm:pt>
+    <dgm:pt modelId="{7763447A-8AF1-4A2E-9A1E-AFD70CF6DECF}" type="parTrans" cxnId="{DAB68B3E-D386-4A17-AE75-0957CC720F53}">
+      <dgm:prSet/>
+      <dgm:spPr/>
+      <dgm:t>
+        <a:bodyPr/>
+        <a:lstStyle/>
+        <a:p>
+          <a:endParaRPr lang="en-US"/>
+        </a:p>
+      </dgm:t>
+    </dgm:pt>
+    <dgm:pt modelId="{4C9ACE1A-6AEF-4A80-8B47-C587598DC997}" type="sibTrans" cxnId="{DAB68B3E-D386-4A17-AE75-0957CC720F53}">
+      <dgm:prSet/>
+      <dgm:spPr/>
+      <dgm:t>
+        <a:bodyPr/>
+        <a:lstStyle/>
+        <a:p>
+          <a:endParaRPr lang="en-US"/>
+        </a:p>
+      </dgm:t>
+    </dgm:pt>
+    <dgm:pt modelId="{14A69E94-8A46-4211-8227-C59CD799CB2C}">
+      <dgm:prSet/>
+      <dgm:spPr>
+        <a:solidFill>
+          <a:schemeClr val="accent3"/>
+        </a:solidFill>
+        <a:ln>
+          <a:solidFill>
+            <a:schemeClr val="accent5">
+              <a:lumMod val="50000"/>
+            </a:schemeClr>
+          </a:solidFill>
+        </a:ln>
+      </dgm:spPr>
+      <dgm:t>
+        <a:bodyPr/>
+        <a:lstStyle/>
+        <a:p>
+          <a:pPr>
+            <a:lnSpc>
+              <a:spcPct val="100000"/>
+            </a:lnSpc>
+          </a:pPr>
+          <a:r>
+            <a:rPr lang="en-US" dirty="0">
+              <a:solidFill>
+                <a:schemeClr val="bg1"/>
+              </a:solidFill>
+            </a:rPr>
+            <a:t>When looking at the reason for the inspection, if the inspection occurred because of a Complaint, they tend to have a higher average inspection score than a Routine or Follow-Up inspection.</a:t>
+          </a:r>
+        </a:p>
+      </dgm:t>
+    </dgm:pt>
+    <dgm:pt modelId="{5C27EE67-E6E1-453E-8DA7-2FB13CA7528E}" type="parTrans" cxnId="{8357F2BF-1BF0-43E9-AB21-73709988C4B6}">
+      <dgm:prSet/>
+      <dgm:spPr/>
+      <dgm:t>
+        <a:bodyPr/>
+        <a:lstStyle/>
+        <a:p>
+          <a:endParaRPr lang="en-US"/>
+        </a:p>
+      </dgm:t>
+    </dgm:pt>
+    <dgm:pt modelId="{67F2E817-719E-44B6-BA22-8E99B6F2004A}" type="sibTrans" cxnId="{8357F2BF-1BF0-43E9-AB21-73709988C4B6}">
       <dgm:prSet/>
       <dgm:spPr/>
       <dgm:t>
@@ -5095,13 +5211,16 @@
     </dgm:pt>
   </dgm:ptLst>
   <dgm:cxnLst>
+    <dgm:cxn modelId="{991C3B08-8870-4B54-BD4F-B8F1B1BBC934}" type="presOf" srcId="{14A69E94-8A46-4211-8227-C59CD799CB2C}" destId="{B7F0BC77-1545-4727-AB49-70502C65AF22}" srcOrd="0" destOrd="1" presId="urn:microsoft.com/office/officeart/2005/8/layout/list1"/>
     <dgm:cxn modelId="{8D20C214-DF6E-4A69-9420-9950A3130761}" type="presOf" srcId="{0B1C0BD1-B199-4DC3-BCC7-BFAD63C6B63C}" destId="{668B0D9E-FB09-4219-9A88-28A079F7CEEA}" srcOrd="0" destOrd="0" presId="urn:microsoft.com/office/officeart/2005/8/layout/list1"/>
     <dgm:cxn modelId="{0CE99425-0608-4810-9CCB-BF2C59F1C14B}" srcId="{000E23F6-A92B-4BAC-980D-2E7FC93DD947}" destId="{41DE10B3-0261-4C34-B8AE-BE751D52ACDB}" srcOrd="3" destOrd="0" parTransId="{FA031885-A659-4F43-9EDC-42C9826F2EE9}" sibTransId="{0F1CD3E6-AE9F-4596-B67F-9FF093EE8FA4}"/>
     <dgm:cxn modelId="{DD679D2C-02BA-4B67-86B1-C18DD717FCA2}" srcId="{000E23F6-A92B-4BAC-980D-2E7FC93DD947}" destId="{33913727-B6DB-4577-938C-098930958CB7}" srcOrd="2" destOrd="0" parTransId="{67E496DF-5EFF-457B-AD3A-8B70F44BFD24}" sibTransId="{AA5FC3C1-B381-463D-8B1D-6A052E468A31}"/>
     <dgm:cxn modelId="{EC1C7A2D-0F2E-4221-9478-699E584EAFD0}" srcId="{000E23F6-A92B-4BAC-980D-2E7FC93DD947}" destId="{5308E70D-6170-4EF5-8CDE-C22509BE94C7}" srcOrd="0" destOrd="0" parTransId="{F28717D4-8660-46AB-8162-CD78C6F2BC62}" sibTransId="{94037515-F081-4669-8660-66C0D346E844}"/>
     <dgm:cxn modelId="{E05CDA3D-49F1-43CF-A7B2-B4DFF672BB7F}" srcId="{5308E70D-6170-4EF5-8CDE-C22509BE94C7}" destId="{1686EA89-8913-4AFF-8B0F-F060FC7EFBAB}" srcOrd="0" destOrd="0" parTransId="{16A34F74-0769-4E7A-8E8B-2B01E7498A22}" sibTransId="{4EDA92D2-7C42-4376-9E6A-745D8F8C7A6E}"/>
+    <dgm:cxn modelId="{DAB68B3E-D386-4A17-AE75-0957CC720F53}" srcId="{0B1C0BD1-B199-4DC3-BCC7-BFAD63C6B63C}" destId="{4551DD54-0F75-4D46-ABCC-7C12577E77C9}" srcOrd="0" destOrd="0" parTransId="{7763447A-8AF1-4A2E-9A1E-AFD70CF6DECF}" sibTransId="{4C9ACE1A-6AEF-4A80-8B47-C587598DC997}"/>
     <dgm:cxn modelId="{D06F2F53-DD9D-4AC9-8BCC-9CC495E329D9}" type="presOf" srcId="{421F9F08-C546-44B3-8D28-B838D531B374}" destId="{203F8C44-B150-4870-AA4B-94FDD0C90AD5}" srcOrd="1" destOrd="0" presId="urn:microsoft.com/office/officeart/2005/8/layout/list1"/>
     <dgm:cxn modelId="{1183F855-FF40-4DCD-A8E8-B68F1E362C6D}" srcId="{000E23F6-A92B-4BAC-980D-2E7FC93DD947}" destId="{421F9F08-C546-44B3-8D28-B838D531B374}" srcOrd="4" destOrd="0" parTransId="{AEE79A39-C66D-4391-B91A-C7BC0B55F953}" sibTransId="{60F46343-F8AA-4BB3-BE64-46343976ABDB}"/>
+    <dgm:cxn modelId="{1AE9B277-854F-4336-A4F1-62250C07A698}" type="presOf" srcId="{4551DD54-0F75-4D46-ABCC-7C12577E77C9}" destId="{B7F0BC77-1545-4727-AB49-70502C65AF22}" srcOrd="0" destOrd="0" presId="urn:microsoft.com/office/officeart/2005/8/layout/list1"/>
     <dgm:cxn modelId="{60BA9882-E523-4285-AD5F-6E9085777ED6}" type="presOf" srcId="{33913727-B6DB-4577-938C-098930958CB7}" destId="{FB9B4FD1-D7FA-4CD8-A52C-69DF8EBE2590}" srcOrd="1" destOrd="0" presId="urn:microsoft.com/office/officeart/2005/8/layout/list1"/>
     <dgm:cxn modelId="{2A440283-64BB-42C4-A261-D3F3F1335564}" type="presOf" srcId="{5308E70D-6170-4EF5-8CDE-C22509BE94C7}" destId="{A496380B-F6A0-45F8-8A41-2D638FE5CA94}" srcOrd="0" destOrd="0" presId="urn:microsoft.com/office/officeart/2005/8/layout/list1"/>
     <dgm:cxn modelId="{ACA80C87-76F6-4D20-949C-D066EB02C115}" type="presOf" srcId="{1686EA89-8913-4AFF-8B0F-F060FC7EFBAB}" destId="{9C865853-9D3B-4E41-81ED-A7978D498D86}" srcOrd="0" destOrd="0" presId="urn:microsoft.com/office/officeart/2005/8/layout/list1"/>
@@ -5112,6 +5231,7 @@
     <dgm:cxn modelId="{D7A3669C-F3FF-47F6-8D19-8CD320F5D043}" type="presOf" srcId="{0B1C0BD1-B199-4DC3-BCC7-BFAD63C6B63C}" destId="{316ECABC-9962-499E-9F65-AE9EFB71C9E8}" srcOrd="1" destOrd="0" presId="urn:microsoft.com/office/officeart/2005/8/layout/list1"/>
     <dgm:cxn modelId="{CC7FFAAD-072A-43AA-B69D-B19388063C44}" type="presOf" srcId="{000E23F6-A92B-4BAC-980D-2E7FC93DD947}" destId="{5A3335EE-1FA9-49A6-9E5B-687C64F2B16C}" srcOrd="0" destOrd="0" presId="urn:microsoft.com/office/officeart/2005/8/layout/list1"/>
     <dgm:cxn modelId="{CBE5F6B2-C77F-41B1-82D3-DDB748A45867}" type="presOf" srcId="{33913727-B6DB-4577-938C-098930958CB7}" destId="{CD9FFAF2-E2A7-4E1C-829F-3219756EDA34}" srcOrd="0" destOrd="0" presId="urn:microsoft.com/office/officeart/2005/8/layout/list1"/>
+    <dgm:cxn modelId="{8357F2BF-1BF0-43E9-AB21-73709988C4B6}" srcId="{0B1C0BD1-B199-4DC3-BCC7-BFAD63C6B63C}" destId="{14A69E94-8A46-4211-8227-C59CD799CB2C}" srcOrd="1" destOrd="0" parTransId="{5C27EE67-E6E1-453E-8DA7-2FB13CA7528E}" sibTransId="{67F2E817-719E-44B6-BA22-8E99B6F2004A}"/>
     <dgm:cxn modelId="{05146AE2-962F-4273-B13B-BD79BF56FA09}" type="presOf" srcId="{41DE10B3-0261-4C34-B8AE-BE751D52ACDB}" destId="{2268C4A1-89FC-4B55-901E-AA3EC61F36EF}" srcOrd="1" destOrd="0" presId="urn:microsoft.com/office/officeart/2005/8/layout/list1"/>
     <dgm:cxn modelId="{D440A8E6-459B-4A98-869A-4C2554F151DB}" type="presOf" srcId="{5308E70D-6170-4EF5-8CDE-C22509BE94C7}" destId="{137A2AC7-8109-4692-884F-F49F0329B535}" srcOrd="1" destOrd="0" presId="urn:microsoft.com/office/officeart/2005/8/layout/list1"/>
     <dgm:cxn modelId="{B4FA29ED-D534-4A7D-BB89-D47F02D1A3CC}" srcId="{5308E70D-6170-4EF5-8CDE-C22509BE94C7}" destId="{348D2A10-E253-41E5-BF5D-5085BF9DF2DB}" srcOrd="1" destOrd="0" parTransId="{70EE1884-55B5-4CC3-89AB-D6CAFFD4E114}" sibTransId="{6483869A-9EE6-41EA-97ED-0CFD3E95BF6E}"/>
@@ -6344,8 +6464,8 @@
       </dsp:nvSpPr>
       <dsp:spPr>
         <a:xfrm>
-          <a:off x="0" y="360908"/>
-          <a:ext cx="6263640" cy="1615950"/>
+          <a:off x="0" y="218483"/>
+          <a:ext cx="6263640" cy="1543500"/>
         </a:xfrm>
         <a:prstGeom prst="rect">
           <a:avLst/>
@@ -6377,7 +6497,7 @@
         <a:fontRef idx="minor"/>
       </dsp:style>
       <dsp:txBody>
-        <a:bodyPr spcFirstLastPara="0" vert="horz" wrap="square" lIns="486128" tIns="395732" rIns="486128" bIns="99568" numCol="1" spcCol="1270" anchor="t" anchorCtr="0">
+        <a:bodyPr spcFirstLastPara="0" vert="horz" wrap="square" lIns="486128" tIns="291592" rIns="486128" bIns="99568" numCol="1" spcCol="1270" anchor="t" anchorCtr="0">
           <a:noAutofit/>
         </a:bodyPr>
         <a:lstStyle/>
@@ -6427,8 +6547,8 @@
         </a:p>
       </dsp:txBody>
       <dsp:txXfrm>
-        <a:off x="0" y="360908"/>
-        <a:ext cx="6263640" cy="1615950"/>
+        <a:off x="0" y="218483"/>
+        <a:ext cx="6263640" cy="1543500"/>
       </dsp:txXfrm>
     </dsp:sp>
     <dsp:sp modelId="{137A2AC7-8109-4692-884F-F49F0329B535}">
@@ -6438,8 +6558,8 @@
       </dsp:nvSpPr>
       <dsp:spPr>
         <a:xfrm>
-          <a:off x="313182" y="80468"/>
-          <a:ext cx="4384548" cy="560880"/>
+          <a:off x="313182" y="11843"/>
+          <a:ext cx="4384548" cy="413280"/>
         </a:xfrm>
         <a:prstGeom prst="roundRect">
           <a:avLst/>
@@ -6478,7 +6598,7 @@
         </a:bodyPr>
         <a:lstStyle/>
         <a:p>
-          <a:pPr marL="0" lvl="0" indent="0" algn="l" defTabSz="844550">
+          <a:pPr marL="0" lvl="0" indent="0" algn="l" defTabSz="711200">
             <a:lnSpc>
               <a:spcPct val="100000"/>
             </a:lnSpc>
@@ -6491,14 +6611,14 @@
             <a:buNone/>
           </a:pPr>
           <a:r>
-            <a:rPr lang="en-US" sz="1900" kern="1200" dirty="0"/>
+            <a:rPr lang="en-US" sz="1600" kern="1200" dirty="0"/>
             <a:t>Conclusion #1 – Map</a:t>
           </a:r>
         </a:p>
       </dsp:txBody>
       <dsp:txXfrm>
-        <a:off x="340562" y="107848"/>
-        <a:ext cx="4329788" cy="506120"/>
+        <a:off x="333357" y="32018"/>
+        <a:ext cx="4344198" cy="372930"/>
       </dsp:txXfrm>
     </dsp:sp>
     <dsp:sp modelId="{B7F0BC77-1545-4727-AB49-70502C65AF22}">
@@ -6508,8 +6628,8 @@
       </dsp:nvSpPr>
       <dsp:spPr>
         <a:xfrm>
-          <a:off x="0" y="2359899"/>
-          <a:ext cx="6263640" cy="478800"/>
+          <a:off x="0" y="2044224"/>
+          <a:ext cx="6263640" cy="1543500"/>
         </a:xfrm>
         <a:prstGeom prst="rect">
           <a:avLst/>
@@ -6542,6 +6662,60 @@
         </a:effectRef>
         <a:fontRef idx="minor"/>
       </dsp:style>
+      <dsp:txBody>
+        <a:bodyPr spcFirstLastPara="0" vert="horz" wrap="square" lIns="486128" tIns="291592" rIns="486128" bIns="99568" numCol="1" spcCol="1270" anchor="t" anchorCtr="0">
+          <a:noAutofit/>
+        </a:bodyPr>
+        <a:lstStyle/>
+        <a:p>
+          <a:pPr marL="114300" lvl="1" indent="-114300" algn="l" defTabSz="622300">
+            <a:lnSpc>
+              <a:spcPct val="100000"/>
+            </a:lnSpc>
+            <a:spcBef>
+              <a:spcPct val="0"/>
+            </a:spcBef>
+            <a:spcAft>
+              <a:spcPct val="15000"/>
+            </a:spcAft>
+            <a:buChar char="•"/>
+          </a:pPr>
+          <a:r>
+            <a:rPr lang="en-US" sz="1400" kern="1200" dirty="0">
+              <a:solidFill>
+                <a:schemeClr val="bg1"/>
+              </a:solidFill>
+            </a:rPr>
+            <a:t>Taking a sample size of 5,000 data points, on average most zip codes have an inspection score equal to or greater than 90.</a:t>
+          </a:r>
+        </a:p>
+        <a:p>
+          <a:pPr marL="114300" lvl="1" indent="-114300" algn="l" defTabSz="622300">
+            <a:lnSpc>
+              <a:spcPct val="100000"/>
+            </a:lnSpc>
+            <a:spcBef>
+              <a:spcPct val="0"/>
+            </a:spcBef>
+            <a:spcAft>
+              <a:spcPct val="15000"/>
+            </a:spcAft>
+            <a:buChar char="•"/>
+          </a:pPr>
+          <a:r>
+            <a:rPr lang="en-US" sz="1400" kern="1200" dirty="0">
+              <a:solidFill>
+                <a:schemeClr val="bg1"/>
+              </a:solidFill>
+            </a:rPr>
+            <a:t>When looking at the reason for the inspection, if the inspection occurred because of a Complaint, they tend to have a higher average inspection score than a Routine or Follow-Up inspection.</a:t>
+          </a:r>
+        </a:p>
+      </dsp:txBody>
+      <dsp:txXfrm>
+        <a:off x="0" y="2044224"/>
+        <a:ext cx="6263640" cy="1543500"/>
+      </dsp:txXfrm>
     </dsp:sp>
     <dsp:sp modelId="{316ECABC-9962-499E-9F65-AE9EFB71C9E8}">
       <dsp:nvSpPr>
@@ -6550,8 +6724,8 @@
       </dsp:nvSpPr>
       <dsp:spPr>
         <a:xfrm>
-          <a:off x="313182" y="2079459"/>
-          <a:ext cx="4384548" cy="560880"/>
+          <a:off x="313182" y="1837584"/>
+          <a:ext cx="4384548" cy="413280"/>
         </a:xfrm>
         <a:prstGeom prst="roundRect">
           <a:avLst/>
@@ -6590,7 +6764,7 @@
         </a:bodyPr>
         <a:lstStyle/>
         <a:p>
-          <a:pPr marL="0" lvl="0" indent="0" algn="l" defTabSz="844550">
+          <a:pPr marL="0" lvl="0" indent="0" algn="l" defTabSz="711200">
             <a:lnSpc>
               <a:spcPct val="100000"/>
             </a:lnSpc>
@@ -6603,14 +6777,18 @@
             <a:buNone/>
           </a:pPr>
           <a:r>
-            <a:rPr lang="en-US" sz="1900" kern="1200"/>
-            <a:t>Conslusion #2 – Bar</a:t>
+            <a:rPr lang="en-US" sz="1600" kern="1200" dirty="0" err="1"/>
+            <a:t>Conslusion</a:t>
+          </a:r>
+          <a:r>
+            <a:rPr lang="en-US" sz="1600" kern="1200" dirty="0"/>
+            <a:t> #2 – Bar</a:t>
           </a:r>
         </a:p>
       </dsp:txBody>
       <dsp:txXfrm>
-        <a:off x="340562" y="2106839"/>
-        <a:ext cx="4329788" cy="506120"/>
+        <a:off x="333357" y="1857759"/>
+        <a:ext cx="4344198" cy="372930"/>
       </dsp:txXfrm>
     </dsp:sp>
     <dsp:sp modelId="{198133AD-1AEB-46CD-AB0D-EA6CCDD60D92}">
@@ -6620,8 +6798,8 @@
       </dsp:nvSpPr>
       <dsp:spPr>
         <a:xfrm>
-          <a:off x="0" y="3221738"/>
-          <a:ext cx="6263640" cy="478800"/>
+          <a:off x="0" y="3869964"/>
+          <a:ext cx="6263640" cy="352800"/>
         </a:xfrm>
         <a:prstGeom prst="rect">
           <a:avLst/>
@@ -6662,8 +6840,8 @@
       </dsp:nvSpPr>
       <dsp:spPr>
         <a:xfrm>
-          <a:off x="313182" y="2941298"/>
-          <a:ext cx="4384548" cy="560880"/>
+          <a:off x="313182" y="3663324"/>
+          <a:ext cx="4384548" cy="413280"/>
         </a:xfrm>
         <a:prstGeom prst="roundRect">
           <a:avLst/>
@@ -6702,7 +6880,7 @@
         </a:bodyPr>
         <a:lstStyle/>
         <a:p>
-          <a:pPr marL="0" lvl="0" indent="0" algn="l" defTabSz="844550">
+          <a:pPr marL="0" lvl="0" indent="0" algn="l" defTabSz="711200">
             <a:lnSpc>
               <a:spcPct val="100000"/>
             </a:lnSpc>
@@ -6715,14 +6893,14 @@
             <a:buNone/>
           </a:pPr>
           <a:r>
-            <a:rPr lang="en-US" sz="1900" kern="1200"/>
+            <a:rPr lang="en-US" sz="1600" kern="1200"/>
             <a:t>Conclusion #3 – Line</a:t>
           </a:r>
         </a:p>
       </dsp:txBody>
       <dsp:txXfrm>
-        <a:off x="340562" y="2968678"/>
-        <a:ext cx="4329788" cy="506120"/>
+        <a:off x="333357" y="3683499"/>
+        <a:ext cx="4344198" cy="372930"/>
       </dsp:txXfrm>
     </dsp:sp>
     <dsp:sp modelId="{3F8EA6BC-F15F-48F9-8CCF-0E1499EA1C3F}">
@@ -6732,8 +6910,8 @@
       </dsp:nvSpPr>
       <dsp:spPr>
         <a:xfrm>
-          <a:off x="0" y="4083578"/>
-          <a:ext cx="6263640" cy="478800"/>
+          <a:off x="0" y="4505004"/>
+          <a:ext cx="6263640" cy="352800"/>
         </a:xfrm>
         <a:prstGeom prst="rect">
           <a:avLst/>
@@ -6774,8 +6952,8 @@
       </dsp:nvSpPr>
       <dsp:spPr>
         <a:xfrm>
-          <a:off x="313182" y="3803138"/>
-          <a:ext cx="4384548" cy="560880"/>
+          <a:off x="313182" y="4298364"/>
+          <a:ext cx="4384548" cy="413280"/>
         </a:xfrm>
         <a:prstGeom prst="roundRect">
           <a:avLst/>
@@ -6814,7 +6992,7 @@
         </a:bodyPr>
         <a:lstStyle/>
         <a:p>
-          <a:pPr marL="0" lvl="0" indent="0" algn="l" defTabSz="844550">
+          <a:pPr marL="0" lvl="0" indent="0" algn="l" defTabSz="711200">
             <a:lnSpc>
               <a:spcPct val="100000"/>
             </a:lnSpc>
@@ -6827,14 +7005,14 @@
             <a:buNone/>
           </a:pPr>
           <a:r>
-            <a:rPr lang="en-US" sz="1900" kern="1200"/>
+            <a:rPr lang="en-US" sz="1600" kern="1200"/>
             <a:t>Conclusion #4 – Scatter</a:t>
           </a:r>
         </a:p>
       </dsp:txBody>
       <dsp:txXfrm>
-        <a:off x="340562" y="3830518"/>
-        <a:ext cx="4329788" cy="506120"/>
+        <a:off x="333357" y="4318539"/>
+        <a:ext cx="4344198" cy="372930"/>
       </dsp:txXfrm>
     </dsp:sp>
     <dsp:sp modelId="{DB9C1AF3-4C53-4E90-A0F9-D569DFE17DF9}">
@@ -6844,8 +7022,8 @@
       </dsp:nvSpPr>
       <dsp:spPr>
         <a:xfrm>
-          <a:off x="0" y="4945419"/>
-          <a:ext cx="6263640" cy="478800"/>
+          <a:off x="0" y="5140044"/>
+          <a:ext cx="6263640" cy="352800"/>
         </a:xfrm>
         <a:prstGeom prst="rect">
           <a:avLst/>
@@ -6886,8 +7064,8 @@
       </dsp:nvSpPr>
       <dsp:spPr>
         <a:xfrm>
-          <a:off x="313182" y="4664978"/>
-          <a:ext cx="4384548" cy="560880"/>
+          <a:off x="313182" y="4933403"/>
+          <a:ext cx="4384548" cy="413280"/>
         </a:xfrm>
         <a:prstGeom prst="roundRect">
           <a:avLst/>
@@ -6926,7 +7104,7 @@
         </a:bodyPr>
         <a:lstStyle/>
         <a:p>
-          <a:pPr marL="0" lvl="0" indent="0" algn="l" defTabSz="844550">
+          <a:pPr marL="0" lvl="0" indent="0" algn="l" defTabSz="711200">
             <a:lnSpc>
               <a:spcPct val="100000"/>
             </a:lnSpc>
@@ -6939,14 +7117,14 @@
             <a:buNone/>
           </a:pPr>
           <a:r>
-            <a:rPr lang="en-US" sz="1900" kern="1200"/>
+            <a:rPr lang="en-US" sz="1600" kern="1200"/>
             <a:t>Overall Conclusion – Dataset </a:t>
           </a:r>
         </a:p>
       </dsp:txBody>
       <dsp:txXfrm>
-        <a:off x="340562" y="4692358"/>
-        <a:ext cx="4329788" cy="506120"/>
+        <a:off x="333357" y="4953578"/>
+        <a:ext cx="4344198" cy="372930"/>
       </dsp:txXfrm>
     </dsp:sp>
   </dsp:spTree>
@@ -12089,7 +12267,7 @@
           <a:p>
             <a:fld id="{91B9F5C8-432B-4578-B9B5-C7C72704A81D}" type="datetimeFigureOut">
               <a:rPr lang="en-US" smtClean="0"/>
-              <a:t>2/13/2021</a:t>
+              <a:t>2/22/2021</a:t>
             </a:fld>
             <a:endParaRPr lang="en-US"/>
           </a:p>
@@ -12287,7 +12465,7 @@
           <a:p>
             <a:fld id="{91B9F5C8-432B-4578-B9B5-C7C72704A81D}" type="datetimeFigureOut">
               <a:rPr lang="en-US" smtClean="0"/>
-              <a:t>2/13/2021</a:t>
+              <a:t>2/22/2021</a:t>
             </a:fld>
             <a:endParaRPr lang="en-US"/>
           </a:p>
@@ -12495,7 +12673,7 @@
           <a:p>
             <a:fld id="{91B9F5C8-432B-4578-B9B5-C7C72704A81D}" type="datetimeFigureOut">
               <a:rPr lang="en-US" smtClean="0"/>
-              <a:t>2/13/2021</a:t>
+              <a:t>2/22/2021</a:t>
             </a:fld>
             <a:endParaRPr lang="en-US"/>
           </a:p>
@@ -12693,7 +12871,7 @@
           <a:p>
             <a:fld id="{91B9F5C8-432B-4578-B9B5-C7C72704A81D}" type="datetimeFigureOut">
               <a:rPr lang="en-US" smtClean="0"/>
-              <a:t>2/13/2021</a:t>
+              <a:t>2/22/2021</a:t>
             </a:fld>
             <a:endParaRPr lang="en-US"/>
           </a:p>
@@ -12968,7 +13146,7 @@
           <a:p>
             <a:fld id="{91B9F5C8-432B-4578-B9B5-C7C72704A81D}" type="datetimeFigureOut">
               <a:rPr lang="en-US" smtClean="0"/>
-              <a:t>2/13/2021</a:t>
+              <a:t>2/22/2021</a:t>
             </a:fld>
             <a:endParaRPr lang="en-US"/>
           </a:p>
@@ -13233,7 +13411,7 @@
           <a:p>
             <a:fld id="{91B9F5C8-432B-4578-B9B5-C7C72704A81D}" type="datetimeFigureOut">
               <a:rPr lang="en-US" smtClean="0"/>
-              <a:t>2/13/2021</a:t>
+              <a:t>2/22/2021</a:t>
             </a:fld>
             <a:endParaRPr lang="en-US"/>
           </a:p>
@@ -13645,7 +13823,7 @@
           <a:p>
             <a:fld id="{91B9F5C8-432B-4578-B9B5-C7C72704A81D}" type="datetimeFigureOut">
               <a:rPr lang="en-US" smtClean="0"/>
-              <a:t>2/13/2021</a:t>
+              <a:t>2/22/2021</a:t>
             </a:fld>
             <a:endParaRPr lang="en-US"/>
           </a:p>
@@ -13786,7 +13964,7 @@
           <a:p>
             <a:fld id="{91B9F5C8-432B-4578-B9B5-C7C72704A81D}" type="datetimeFigureOut">
               <a:rPr lang="en-US" smtClean="0"/>
-              <a:t>2/13/2021</a:t>
+              <a:t>2/22/2021</a:t>
             </a:fld>
             <a:endParaRPr lang="en-US"/>
           </a:p>
@@ -13899,7 +14077,7 @@
           <a:p>
             <a:fld id="{91B9F5C8-432B-4578-B9B5-C7C72704A81D}" type="datetimeFigureOut">
               <a:rPr lang="en-US" smtClean="0"/>
-              <a:t>2/13/2021</a:t>
+              <a:t>2/22/2021</a:t>
             </a:fld>
             <a:endParaRPr lang="en-US"/>
           </a:p>
@@ -14210,7 +14388,7 @@
           <a:p>
             <a:fld id="{91B9F5C8-432B-4578-B9B5-C7C72704A81D}" type="datetimeFigureOut">
               <a:rPr lang="en-US" smtClean="0"/>
-              <a:t>2/13/2021</a:t>
+              <a:t>2/22/2021</a:t>
             </a:fld>
             <a:endParaRPr lang="en-US"/>
           </a:p>
@@ -14498,7 +14676,7 @@
           <a:p>
             <a:fld id="{91B9F5C8-432B-4578-B9B5-C7C72704A81D}" type="datetimeFigureOut">
               <a:rPr lang="en-US" smtClean="0"/>
-              <a:t>2/13/2021</a:t>
+              <a:t>2/22/2021</a:t>
             </a:fld>
             <a:endParaRPr lang="en-US"/>
           </a:p>
@@ -14739,7 +14917,7 @@
           <a:p>
             <a:fld id="{91B9F5C8-432B-4578-B9B5-C7C72704A81D}" type="datetimeFigureOut">
               <a:rPr lang="en-US" smtClean="0"/>
-              <a:t>2/13/2021</a:t>
+              <a:t>2/22/2021</a:t>
             </a:fld>
             <a:endParaRPr lang="en-US"/>
           </a:p>
@@ -16940,7 +17118,7 @@
             <p:ph idx="1"/>
             <p:extLst>
               <p:ext uri="{D42A27DB-BD31-4B8C-83A1-F6EECF244321}">
-                <p14:modId xmlns:p14="http://schemas.microsoft.com/office/powerpoint/2010/main" val="2033690764"/>
+                <p14:modId xmlns:p14="http://schemas.microsoft.com/office/powerpoint/2010/main" val="1084835461"/>
               </p:ext>
             </p:extLst>
           </p:nvPr>

--- a/Brett/Health_Inspections.pptx
+++ b/Brett/Health_Inspections.pptx
@@ -4574,12 +4574,8 @@
             </a:lnSpc>
           </a:pPr>
           <a:r>
-            <a:rPr lang="en-US" sz="1600" dirty="0" err="1"/>
-            <a:t>Conslusion</a:t>
-          </a:r>
-          <a:r>
             <a:rPr lang="en-US" sz="1600" dirty="0"/>
-            <a:t> #2 – Bar</a:t>
+            <a:t>Conclusion #2 – Bar</a:t>
           </a:r>
         </a:p>
       </dgm:t>
@@ -4630,7 +4626,7 @@
             </a:lnSpc>
           </a:pPr>
           <a:r>
-            <a:rPr lang="en-US" sz="1600"/>
+            <a:rPr lang="en-US" sz="1600" dirty="0"/>
             <a:t>Conclusion #3 – Line</a:t>
           </a:r>
         </a:p>
@@ -4682,7 +4678,11 @@
             </a:lnSpc>
           </a:pPr>
           <a:r>
-            <a:rPr lang="en-US" sz="1600"/>
+            <a:rPr lang="en-US" sz="1600" dirty="0">
+              <a:solidFill>
+                <a:schemeClr val="tx1"/>
+              </a:solidFill>
+            </a:rPr>
             <a:t>Conclusion #4 – Scatter</a:t>
           </a:r>
         </a:p>
@@ -4700,58 +4700,6 @@
       </dgm:t>
     </dgm:pt>
     <dgm:pt modelId="{0F1CD3E6-AE9F-4596-B67F-9FF093EE8FA4}" type="sibTrans" cxnId="{0CE99425-0608-4810-9CCB-BF2C59F1C14B}">
-      <dgm:prSet/>
-      <dgm:spPr/>
-      <dgm:t>
-        <a:bodyPr/>
-        <a:lstStyle/>
-        <a:p>
-          <a:endParaRPr lang="en-US"/>
-        </a:p>
-      </dgm:t>
-    </dgm:pt>
-    <dgm:pt modelId="{421F9F08-C546-44B3-8D28-B838D531B374}">
-      <dgm:prSet custT="1"/>
-      <dgm:spPr>
-        <a:solidFill>
-          <a:schemeClr val="tx2"/>
-        </a:solidFill>
-        <a:ln>
-          <a:solidFill>
-            <a:schemeClr val="tx2">
-              <a:lumMod val="75000"/>
-            </a:schemeClr>
-          </a:solidFill>
-        </a:ln>
-      </dgm:spPr>
-      <dgm:t>
-        <a:bodyPr/>
-        <a:lstStyle/>
-        <a:p>
-          <a:pPr>
-            <a:lnSpc>
-              <a:spcPct val="100000"/>
-            </a:lnSpc>
-          </a:pPr>
-          <a:r>
-            <a:rPr lang="en-US" sz="1600"/>
-            <a:t>Overall Conclusion – Dataset </a:t>
-          </a:r>
-        </a:p>
-      </dgm:t>
-    </dgm:pt>
-    <dgm:pt modelId="{AEE79A39-C66D-4391-B91A-C7BC0B55F953}" type="parTrans" cxnId="{1183F855-FF40-4DCD-A8E8-B68F1E362C6D}">
-      <dgm:prSet/>
-      <dgm:spPr/>
-      <dgm:t>
-        <a:bodyPr/>
-        <a:lstStyle/>
-        <a:p>
-          <a:endParaRPr lang="en-US"/>
-        </a:p>
-      </dgm:t>
-    </dgm:pt>
-    <dgm:pt modelId="{60F46343-F8AA-4BB3-BE64-46343976ABDB}" type="sibTrans" cxnId="{1183F855-FF40-4DCD-A8E8-B68F1E362C6D}">
       <dgm:prSet/>
       <dgm:spPr/>
       <dgm:t>
@@ -4875,7 +4823,7 @@
       </dgm:t>
     </dgm:pt>
     <dgm:pt modelId="{4551DD54-0F75-4D46-ABCC-7C12577E77C9}">
-      <dgm:prSet/>
+      <dgm:prSet custT="1"/>
       <dgm:spPr>
         <a:solidFill>
           <a:schemeClr val="accent3"/>
@@ -4898,7 +4846,7 @@
             </a:lnSpc>
           </a:pPr>
           <a:r>
-            <a:rPr lang="en-US" dirty="0">
+            <a:rPr lang="en-US" sz="1400" dirty="0">
               <a:solidFill>
                 <a:schemeClr val="bg1"/>
               </a:solidFill>
@@ -4931,7 +4879,7 @@
       </dgm:t>
     </dgm:pt>
     <dgm:pt modelId="{14A69E94-8A46-4211-8227-C59CD799CB2C}">
-      <dgm:prSet/>
+      <dgm:prSet custT="1"/>
       <dgm:spPr>
         <a:solidFill>
           <a:schemeClr val="accent3"/>
@@ -4954,7 +4902,7 @@
             </a:lnSpc>
           </a:pPr>
           <a:r>
-            <a:rPr lang="en-US" dirty="0">
+            <a:rPr lang="en-US" sz="1400" dirty="0">
               <a:solidFill>
                 <a:schemeClr val="bg1"/>
               </a:solidFill>
@@ -4986,6 +4934,90 @@
         </a:p>
       </dgm:t>
     </dgm:pt>
+    <dgm:pt modelId="{CC409D07-374F-4D5C-96DC-CADA88B83153}">
+      <dgm:prSet custT="1"/>
+      <dgm:spPr>
+        <a:solidFill>
+          <a:schemeClr val="accent4"/>
+        </a:solidFill>
+        <a:ln>
+          <a:solidFill>
+            <a:schemeClr val="accent4">
+              <a:lumMod val="75000"/>
+            </a:schemeClr>
+          </a:solidFill>
+        </a:ln>
+      </dgm:spPr>
+      <dgm:t>
+        <a:bodyPr/>
+        <a:lstStyle/>
+        <a:p>
+          <a:pPr>
+            <a:lnSpc>
+              <a:spcPct val="100000"/>
+            </a:lnSpc>
+          </a:pPr>
+          <a:r>
+            <a:rPr lang="en-US" sz="1400" dirty="0">
+              <a:solidFill>
+                <a:schemeClr val="bg1"/>
+              </a:solidFill>
+            </a:rPr>
+            <a:t>A lower inspection score usually resulted in a higher score during the Follow-Up inspection.</a:t>
+          </a:r>
+        </a:p>
+      </dgm:t>
+    </dgm:pt>
+    <dgm:pt modelId="{2BD3355E-ACD4-4B0E-895B-514FF7E43F70}" type="parTrans" cxnId="{1F7C3F40-032C-4100-8993-D6460F34E12A}">
+      <dgm:prSet/>
+      <dgm:spPr/>
+    </dgm:pt>
+    <dgm:pt modelId="{1BDA6906-1124-4D2B-8C82-5D16ED647381}" type="sibTrans" cxnId="{1F7C3F40-032C-4100-8993-D6460F34E12A}">
+      <dgm:prSet/>
+      <dgm:spPr/>
+    </dgm:pt>
+    <dgm:pt modelId="{1D97F1D6-E5A7-46CD-B478-38DC95CF9D3E}">
+      <dgm:prSet custT="1"/>
+      <dgm:spPr>
+        <a:solidFill>
+          <a:schemeClr val="accent2"/>
+        </a:solidFill>
+        <a:ln>
+          <a:solidFill>
+            <a:schemeClr val="accent2">
+              <a:lumMod val="75000"/>
+            </a:schemeClr>
+          </a:solidFill>
+        </a:ln>
+      </dgm:spPr>
+      <dgm:t>
+        <a:bodyPr/>
+        <a:lstStyle/>
+        <a:p>
+          <a:pPr>
+            <a:lnSpc>
+              <a:spcPct val="100000"/>
+            </a:lnSpc>
+          </a:pPr>
+          <a:r>
+            <a:rPr lang="en-US" sz="1400" dirty="0">
+              <a:solidFill>
+                <a:schemeClr val="tx1"/>
+              </a:solidFill>
+            </a:rPr>
+            <a:t>Violations and inspection score are inversely correlated. Meaning the more violations, a restaurant has, the lower overall inspection will be.</a:t>
+          </a:r>
+        </a:p>
+      </dgm:t>
+    </dgm:pt>
+    <dgm:pt modelId="{D331EA98-5D42-4B49-A8BB-F0359FE92AF4}" type="parTrans" cxnId="{97562FBD-2EE3-49D6-A4E1-03957A5AE10C}">
+      <dgm:prSet/>
+      <dgm:spPr/>
+    </dgm:pt>
+    <dgm:pt modelId="{060BCBCF-B163-4095-88EB-FBC63A9EF3AB}" type="sibTrans" cxnId="{97562FBD-2EE3-49D6-A4E1-03957A5AE10C}">
+      <dgm:prSet/>
+      <dgm:spPr/>
+    </dgm:pt>
     <dgm:pt modelId="{5A3335EE-1FA9-49A6-9E5B-687C64F2B16C}" type="pres">
       <dgm:prSet presAssocID="{000E23F6-A92B-4BAC-980D-2E7FC93DD947}" presName="linear" presStyleCnt="0">
         <dgm:presLayoutVars>
@@ -5001,11 +5033,11 @@
       <dgm:spPr/>
     </dgm:pt>
     <dgm:pt modelId="{A496380B-F6A0-45F8-8A41-2D638FE5CA94}" type="pres">
-      <dgm:prSet presAssocID="{5308E70D-6170-4EF5-8CDE-C22509BE94C7}" presName="parentLeftMargin" presStyleLbl="node1" presStyleIdx="0" presStyleCnt="5"/>
+      <dgm:prSet presAssocID="{5308E70D-6170-4EF5-8CDE-C22509BE94C7}" presName="parentLeftMargin" presStyleLbl="node1" presStyleIdx="0" presStyleCnt="4"/>
       <dgm:spPr/>
     </dgm:pt>
     <dgm:pt modelId="{137A2AC7-8109-4692-884F-F49F0329B535}" type="pres">
-      <dgm:prSet presAssocID="{5308E70D-6170-4EF5-8CDE-C22509BE94C7}" presName="parentText" presStyleLbl="node1" presStyleIdx="0" presStyleCnt="5">
+      <dgm:prSet presAssocID="{5308E70D-6170-4EF5-8CDE-C22509BE94C7}" presName="parentText" presStyleLbl="node1" presStyleIdx="0" presStyleCnt="4">
         <dgm:presLayoutVars>
           <dgm:chMax val="0"/>
           <dgm:bulletEnabled val="1"/>
@@ -5018,7 +5050,7 @@
       <dgm:spPr/>
     </dgm:pt>
     <dgm:pt modelId="{9C865853-9D3B-4E41-81ED-A7978D498D86}" type="pres">
-      <dgm:prSet presAssocID="{5308E70D-6170-4EF5-8CDE-C22509BE94C7}" presName="childText" presStyleLbl="conFgAcc1" presStyleIdx="0" presStyleCnt="5">
+      <dgm:prSet presAssocID="{5308E70D-6170-4EF5-8CDE-C22509BE94C7}" presName="childText" presStyleLbl="conFgAcc1" presStyleIdx="0" presStyleCnt="4">
         <dgm:presLayoutVars>
           <dgm:bulletEnabled val="1"/>
         </dgm:presLayoutVars>
@@ -5034,11 +5066,11 @@
       <dgm:spPr/>
     </dgm:pt>
     <dgm:pt modelId="{668B0D9E-FB09-4219-9A88-28A079F7CEEA}" type="pres">
-      <dgm:prSet presAssocID="{0B1C0BD1-B199-4DC3-BCC7-BFAD63C6B63C}" presName="parentLeftMargin" presStyleLbl="node1" presStyleIdx="0" presStyleCnt="5"/>
+      <dgm:prSet presAssocID="{0B1C0BD1-B199-4DC3-BCC7-BFAD63C6B63C}" presName="parentLeftMargin" presStyleLbl="node1" presStyleIdx="0" presStyleCnt="4"/>
       <dgm:spPr/>
     </dgm:pt>
     <dgm:pt modelId="{316ECABC-9962-499E-9F65-AE9EFB71C9E8}" type="pres">
-      <dgm:prSet presAssocID="{0B1C0BD1-B199-4DC3-BCC7-BFAD63C6B63C}" presName="parentText" presStyleLbl="node1" presStyleIdx="1" presStyleCnt="5">
+      <dgm:prSet presAssocID="{0B1C0BD1-B199-4DC3-BCC7-BFAD63C6B63C}" presName="parentText" presStyleLbl="node1" presStyleIdx="1" presStyleCnt="4">
         <dgm:presLayoutVars>
           <dgm:chMax val="0"/>
           <dgm:bulletEnabled val="1"/>
@@ -5051,7 +5083,7 @@
       <dgm:spPr/>
     </dgm:pt>
     <dgm:pt modelId="{B7F0BC77-1545-4727-AB49-70502C65AF22}" type="pres">
-      <dgm:prSet presAssocID="{0B1C0BD1-B199-4DC3-BCC7-BFAD63C6B63C}" presName="childText" presStyleLbl="conFgAcc1" presStyleIdx="1" presStyleCnt="5">
+      <dgm:prSet presAssocID="{0B1C0BD1-B199-4DC3-BCC7-BFAD63C6B63C}" presName="childText" presStyleLbl="conFgAcc1" presStyleIdx="1" presStyleCnt="4">
         <dgm:presLayoutVars>
           <dgm:bulletEnabled val="1"/>
         </dgm:presLayoutVars>
@@ -5080,11 +5112,11 @@
       <dgm:spPr/>
     </dgm:pt>
     <dgm:pt modelId="{CD9FFAF2-E2A7-4E1C-829F-3219756EDA34}" type="pres">
-      <dgm:prSet presAssocID="{33913727-B6DB-4577-938C-098930958CB7}" presName="parentLeftMargin" presStyleLbl="node1" presStyleIdx="1" presStyleCnt="5"/>
+      <dgm:prSet presAssocID="{33913727-B6DB-4577-938C-098930958CB7}" presName="parentLeftMargin" presStyleLbl="node1" presStyleIdx="1" presStyleCnt="4"/>
       <dgm:spPr/>
     </dgm:pt>
     <dgm:pt modelId="{FB9B4FD1-D7FA-4CD8-A52C-69DF8EBE2590}" type="pres">
-      <dgm:prSet presAssocID="{33913727-B6DB-4577-938C-098930958CB7}" presName="parentText" presStyleLbl="node1" presStyleIdx="2" presStyleCnt="5">
+      <dgm:prSet presAssocID="{33913727-B6DB-4577-938C-098930958CB7}" presName="parentText" presStyleLbl="node1" presStyleIdx="2" presStyleCnt="4">
         <dgm:presLayoutVars>
           <dgm:chMax val="0"/>
           <dgm:bulletEnabled val="1"/>
@@ -5097,7 +5129,7 @@
       <dgm:spPr/>
     </dgm:pt>
     <dgm:pt modelId="{198133AD-1AEB-46CD-AB0D-EA6CCDD60D92}" type="pres">
-      <dgm:prSet presAssocID="{33913727-B6DB-4577-938C-098930958CB7}" presName="childText" presStyleLbl="conFgAcc1" presStyleIdx="2" presStyleCnt="5">
+      <dgm:prSet presAssocID="{33913727-B6DB-4577-938C-098930958CB7}" presName="childText" presStyleLbl="conFgAcc1" presStyleIdx="2" presStyleCnt="4">
         <dgm:presLayoutVars>
           <dgm:bulletEnabled val="1"/>
         </dgm:presLayoutVars>
@@ -5126,11 +5158,11 @@
       <dgm:spPr/>
     </dgm:pt>
     <dgm:pt modelId="{1478BB13-EF35-4EEA-9492-7366F3A4F0AF}" type="pres">
-      <dgm:prSet presAssocID="{41DE10B3-0261-4C34-B8AE-BE751D52ACDB}" presName="parentLeftMargin" presStyleLbl="node1" presStyleIdx="2" presStyleCnt="5"/>
+      <dgm:prSet presAssocID="{41DE10B3-0261-4C34-B8AE-BE751D52ACDB}" presName="parentLeftMargin" presStyleLbl="node1" presStyleIdx="2" presStyleCnt="4"/>
       <dgm:spPr/>
     </dgm:pt>
     <dgm:pt modelId="{2268C4A1-89FC-4B55-901E-AA3EC61F36EF}" type="pres">
-      <dgm:prSet presAssocID="{41DE10B3-0261-4C34-B8AE-BE751D52ACDB}" presName="parentText" presStyleLbl="node1" presStyleIdx="3" presStyleCnt="5">
+      <dgm:prSet presAssocID="{41DE10B3-0261-4C34-B8AE-BE751D52ACDB}" presName="parentText" presStyleLbl="node1" presStyleIdx="3" presStyleCnt="4">
         <dgm:presLayoutVars>
           <dgm:chMax val="0"/>
           <dgm:bulletEnabled val="1"/>
@@ -5143,7 +5175,7 @@
       <dgm:spPr/>
     </dgm:pt>
     <dgm:pt modelId="{3F8EA6BC-F15F-48F9-8CCF-0E1499EA1C3F}" type="pres">
-      <dgm:prSet presAssocID="{41DE10B3-0261-4C34-B8AE-BE751D52ACDB}" presName="childText" presStyleLbl="conFgAcc1" presStyleIdx="3" presStyleCnt="5">
+      <dgm:prSet presAssocID="{41DE10B3-0261-4C34-B8AE-BE751D52ACDB}" presName="childText" presStyleLbl="conFgAcc1" presStyleIdx="3" presStyleCnt="4">
         <dgm:presLayoutVars>
           <dgm:bulletEnabled val="1"/>
         </dgm:presLayoutVars>
@@ -5163,52 +5195,6 @@
         </a:ln>
       </dgm:spPr>
     </dgm:pt>
-    <dgm:pt modelId="{A5AA3B02-1018-40D3-AC81-6432F656B345}" type="pres">
-      <dgm:prSet presAssocID="{0F1CD3E6-AE9F-4596-B67F-9FF093EE8FA4}" presName="spaceBetweenRectangles" presStyleCnt="0"/>
-      <dgm:spPr/>
-    </dgm:pt>
-    <dgm:pt modelId="{50D41891-7F22-4B82-927D-7302D7C49ED2}" type="pres">
-      <dgm:prSet presAssocID="{421F9F08-C546-44B3-8D28-B838D531B374}" presName="parentLin" presStyleCnt="0"/>
-      <dgm:spPr/>
-    </dgm:pt>
-    <dgm:pt modelId="{F20D7F61-C03C-4676-A9FB-4E52A8B598D8}" type="pres">
-      <dgm:prSet presAssocID="{421F9F08-C546-44B3-8D28-B838D531B374}" presName="parentLeftMargin" presStyleLbl="node1" presStyleIdx="3" presStyleCnt="5"/>
-      <dgm:spPr/>
-    </dgm:pt>
-    <dgm:pt modelId="{203F8C44-B150-4870-AA4B-94FDD0C90AD5}" type="pres">
-      <dgm:prSet presAssocID="{421F9F08-C546-44B3-8D28-B838D531B374}" presName="parentText" presStyleLbl="node1" presStyleIdx="4" presStyleCnt="5">
-        <dgm:presLayoutVars>
-          <dgm:chMax val="0"/>
-          <dgm:bulletEnabled val="1"/>
-        </dgm:presLayoutVars>
-      </dgm:prSet>
-      <dgm:spPr/>
-    </dgm:pt>
-    <dgm:pt modelId="{6D06B938-B89A-4A4D-8757-6722E2988A61}" type="pres">
-      <dgm:prSet presAssocID="{421F9F08-C546-44B3-8D28-B838D531B374}" presName="negativeSpace" presStyleCnt="0"/>
-      <dgm:spPr/>
-    </dgm:pt>
-    <dgm:pt modelId="{DB9C1AF3-4C53-4E90-A0F9-D569DFE17DF9}" type="pres">
-      <dgm:prSet presAssocID="{421F9F08-C546-44B3-8D28-B838D531B374}" presName="childText" presStyleLbl="conFgAcc1" presStyleIdx="4" presStyleCnt="5">
-        <dgm:presLayoutVars>
-          <dgm:bulletEnabled val="1"/>
-        </dgm:presLayoutVars>
-      </dgm:prSet>
-      <dgm:spPr>
-        <a:solidFill>
-          <a:schemeClr val="tx2">
-            <a:alpha val="90000"/>
-          </a:schemeClr>
-        </a:solidFill>
-        <a:ln>
-          <a:solidFill>
-            <a:schemeClr val="tx2">
-              <a:lumMod val="75000"/>
-            </a:schemeClr>
-          </a:solidFill>
-        </a:ln>
-      </dgm:spPr>
-    </dgm:pt>
   </dgm:ptLst>
   <dgm:cxnLst>
     <dgm:cxn modelId="{991C3B08-8870-4B54-BD4F-B8F1B1BBC934}" type="presOf" srcId="{14A69E94-8A46-4211-8227-C59CD799CB2C}" destId="{B7F0BC77-1545-4727-AB49-70502C65AF22}" srcOrd="0" destOrd="1" presId="urn:microsoft.com/office/officeart/2005/8/layout/list1"/>
@@ -5218,23 +5204,24 @@
     <dgm:cxn modelId="{EC1C7A2D-0F2E-4221-9478-699E584EAFD0}" srcId="{000E23F6-A92B-4BAC-980D-2E7FC93DD947}" destId="{5308E70D-6170-4EF5-8CDE-C22509BE94C7}" srcOrd="0" destOrd="0" parTransId="{F28717D4-8660-46AB-8162-CD78C6F2BC62}" sibTransId="{94037515-F081-4669-8660-66C0D346E844}"/>
     <dgm:cxn modelId="{E05CDA3D-49F1-43CF-A7B2-B4DFF672BB7F}" srcId="{5308E70D-6170-4EF5-8CDE-C22509BE94C7}" destId="{1686EA89-8913-4AFF-8B0F-F060FC7EFBAB}" srcOrd="0" destOrd="0" parTransId="{16A34F74-0769-4E7A-8E8B-2B01E7498A22}" sibTransId="{4EDA92D2-7C42-4376-9E6A-745D8F8C7A6E}"/>
     <dgm:cxn modelId="{DAB68B3E-D386-4A17-AE75-0957CC720F53}" srcId="{0B1C0BD1-B199-4DC3-BCC7-BFAD63C6B63C}" destId="{4551DD54-0F75-4D46-ABCC-7C12577E77C9}" srcOrd="0" destOrd="0" parTransId="{7763447A-8AF1-4A2E-9A1E-AFD70CF6DECF}" sibTransId="{4C9ACE1A-6AEF-4A80-8B47-C587598DC997}"/>
-    <dgm:cxn modelId="{D06F2F53-DD9D-4AC9-8BCC-9CC495E329D9}" type="presOf" srcId="{421F9F08-C546-44B3-8D28-B838D531B374}" destId="{203F8C44-B150-4870-AA4B-94FDD0C90AD5}" srcOrd="1" destOrd="0" presId="urn:microsoft.com/office/officeart/2005/8/layout/list1"/>
-    <dgm:cxn modelId="{1183F855-FF40-4DCD-A8E8-B68F1E362C6D}" srcId="{000E23F6-A92B-4BAC-980D-2E7FC93DD947}" destId="{421F9F08-C546-44B3-8D28-B838D531B374}" srcOrd="4" destOrd="0" parTransId="{AEE79A39-C66D-4391-B91A-C7BC0B55F953}" sibTransId="{60F46343-F8AA-4BB3-BE64-46343976ABDB}"/>
+    <dgm:cxn modelId="{1F7C3F40-032C-4100-8993-D6460F34E12A}" srcId="{33913727-B6DB-4577-938C-098930958CB7}" destId="{CC409D07-374F-4D5C-96DC-CADA88B83153}" srcOrd="0" destOrd="0" parTransId="{2BD3355E-ACD4-4B0E-895B-514FF7E43F70}" sibTransId="{1BDA6906-1124-4D2B-8C82-5D16ED647381}"/>
     <dgm:cxn modelId="{1AE9B277-854F-4336-A4F1-62250C07A698}" type="presOf" srcId="{4551DD54-0F75-4D46-ABCC-7C12577E77C9}" destId="{B7F0BC77-1545-4727-AB49-70502C65AF22}" srcOrd="0" destOrd="0" presId="urn:microsoft.com/office/officeart/2005/8/layout/list1"/>
     <dgm:cxn modelId="{60BA9882-E523-4285-AD5F-6E9085777ED6}" type="presOf" srcId="{33913727-B6DB-4577-938C-098930958CB7}" destId="{FB9B4FD1-D7FA-4CD8-A52C-69DF8EBE2590}" srcOrd="1" destOrd="0" presId="urn:microsoft.com/office/officeart/2005/8/layout/list1"/>
     <dgm:cxn modelId="{2A440283-64BB-42C4-A261-D3F3F1335564}" type="presOf" srcId="{5308E70D-6170-4EF5-8CDE-C22509BE94C7}" destId="{A496380B-F6A0-45F8-8A41-2D638FE5CA94}" srcOrd="0" destOrd="0" presId="urn:microsoft.com/office/officeart/2005/8/layout/list1"/>
     <dgm:cxn modelId="{ACA80C87-76F6-4D20-949C-D066EB02C115}" type="presOf" srcId="{1686EA89-8913-4AFF-8B0F-F060FC7EFBAB}" destId="{9C865853-9D3B-4E41-81ED-A7978D498D86}" srcOrd="0" destOrd="0" presId="urn:microsoft.com/office/officeart/2005/8/layout/list1"/>
     <dgm:cxn modelId="{BF05A889-B5B0-407F-9DA6-5DF9178A54E1}" type="presOf" srcId="{41DE10B3-0261-4C34-B8AE-BE751D52ACDB}" destId="{1478BB13-EF35-4EEA-9492-7366F3A4F0AF}" srcOrd="0" destOrd="0" presId="urn:microsoft.com/office/officeart/2005/8/layout/list1"/>
-    <dgm:cxn modelId="{3AEF5B91-15B9-4EA7-8846-34823EF00D39}" type="presOf" srcId="{421F9F08-C546-44B3-8D28-B838D531B374}" destId="{F20D7F61-C03C-4676-A9FB-4E52A8B598D8}" srcOrd="0" destOrd="0" presId="urn:microsoft.com/office/officeart/2005/8/layout/list1"/>
     <dgm:cxn modelId="{027F529A-5D6E-4F0F-83AD-28B6FA40A3ED}" type="presOf" srcId="{348D2A10-E253-41E5-BF5D-5085BF9DF2DB}" destId="{9C865853-9D3B-4E41-81ED-A7978D498D86}" srcOrd="0" destOrd="1" presId="urn:microsoft.com/office/officeart/2005/8/layout/list1"/>
     <dgm:cxn modelId="{5FA8789B-F5D7-47EB-8C45-861FAA594228}" srcId="{000E23F6-A92B-4BAC-980D-2E7FC93DD947}" destId="{0B1C0BD1-B199-4DC3-BCC7-BFAD63C6B63C}" srcOrd="1" destOrd="0" parTransId="{800B5623-D8B9-4CD3-BACB-A66B486B9CAA}" sibTransId="{2AC76243-4F9B-468F-B361-4BB9E0F1D78A}"/>
     <dgm:cxn modelId="{D7A3669C-F3FF-47F6-8D19-8CD320F5D043}" type="presOf" srcId="{0B1C0BD1-B199-4DC3-BCC7-BFAD63C6B63C}" destId="{316ECABC-9962-499E-9F65-AE9EFB71C9E8}" srcOrd="1" destOrd="0" presId="urn:microsoft.com/office/officeart/2005/8/layout/list1"/>
     <dgm:cxn modelId="{CC7FFAAD-072A-43AA-B69D-B19388063C44}" type="presOf" srcId="{000E23F6-A92B-4BAC-980D-2E7FC93DD947}" destId="{5A3335EE-1FA9-49A6-9E5B-687C64F2B16C}" srcOrd="0" destOrd="0" presId="urn:microsoft.com/office/officeart/2005/8/layout/list1"/>
     <dgm:cxn modelId="{CBE5F6B2-C77F-41B1-82D3-DDB748A45867}" type="presOf" srcId="{33913727-B6DB-4577-938C-098930958CB7}" destId="{CD9FFAF2-E2A7-4E1C-829F-3219756EDA34}" srcOrd="0" destOrd="0" presId="urn:microsoft.com/office/officeart/2005/8/layout/list1"/>
+    <dgm:cxn modelId="{1D7307BB-DA58-468C-BB17-D24F40C49A60}" type="presOf" srcId="{1D97F1D6-E5A7-46CD-B478-38DC95CF9D3E}" destId="{3F8EA6BC-F15F-48F9-8CCF-0E1499EA1C3F}" srcOrd="0" destOrd="0" presId="urn:microsoft.com/office/officeart/2005/8/layout/list1"/>
+    <dgm:cxn modelId="{97562FBD-2EE3-49D6-A4E1-03957A5AE10C}" srcId="{41DE10B3-0261-4C34-B8AE-BE751D52ACDB}" destId="{1D97F1D6-E5A7-46CD-B478-38DC95CF9D3E}" srcOrd="0" destOrd="0" parTransId="{D331EA98-5D42-4B49-A8BB-F0359FE92AF4}" sibTransId="{060BCBCF-B163-4095-88EB-FBC63A9EF3AB}"/>
     <dgm:cxn modelId="{8357F2BF-1BF0-43E9-AB21-73709988C4B6}" srcId="{0B1C0BD1-B199-4DC3-BCC7-BFAD63C6B63C}" destId="{14A69E94-8A46-4211-8227-C59CD799CB2C}" srcOrd="1" destOrd="0" parTransId="{5C27EE67-E6E1-453E-8DA7-2FB13CA7528E}" sibTransId="{67F2E817-719E-44B6-BA22-8E99B6F2004A}"/>
     <dgm:cxn modelId="{05146AE2-962F-4273-B13B-BD79BF56FA09}" type="presOf" srcId="{41DE10B3-0261-4C34-B8AE-BE751D52ACDB}" destId="{2268C4A1-89FC-4B55-901E-AA3EC61F36EF}" srcOrd="1" destOrd="0" presId="urn:microsoft.com/office/officeart/2005/8/layout/list1"/>
     <dgm:cxn modelId="{D440A8E6-459B-4A98-869A-4C2554F151DB}" type="presOf" srcId="{5308E70D-6170-4EF5-8CDE-C22509BE94C7}" destId="{137A2AC7-8109-4692-884F-F49F0329B535}" srcOrd="1" destOrd="0" presId="urn:microsoft.com/office/officeart/2005/8/layout/list1"/>
     <dgm:cxn modelId="{B4FA29ED-D534-4A7D-BB89-D47F02D1A3CC}" srcId="{5308E70D-6170-4EF5-8CDE-C22509BE94C7}" destId="{348D2A10-E253-41E5-BF5D-5085BF9DF2DB}" srcOrd="1" destOrd="0" parTransId="{70EE1884-55B5-4CC3-89AB-D6CAFFD4E114}" sibTransId="{6483869A-9EE6-41EA-97ED-0CFD3E95BF6E}"/>
+    <dgm:cxn modelId="{C47BE2FD-C959-4E62-BE5A-B1AA3D73AF31}" type="presOf" srcId="{CC409D07-374F-4D5C-96DC-CADA88B83153}" destId="{198133AD-1AEB-46CD-AB0D-EA6CCDD60D92}" srcOrd="0" destOrd="0" presId="urn:microsoft.com/office/officeart/2005/8/layout/list1"/>
     <dgm:cxn modelId="{49863209-C665-4751-9D72-E1A3BB0C15D1}" type="presParOf" srcId="{5A3335EE-1FA9-49A6-9E5B-687C64F2B16C}" destId="{F57618FC-116D-47BE-8965-12AD7D92ED17}" srcOrd="0" destOrd="0" presId="urn:microsoft.com/office/officeart/2005/8/layout/list1"/>
     <dgm:cxn modelId="{5483174E-C779-4033-95D6-194DDA70E580}" type="presParOf" srcId="{F57618FC-116D-47BE-8965-12AD7D92ED17}" destId="{A496380B-F6A0-45F8-8A41-2D638FE5CA94}" srcOrd="0" destOrd="0" presId="urn:microsoft.com/office/officeart/2005/8/layout/list1"/>
     <dgm:cxn modelId="{09F61A2A-5FB5-4A24-925D-9328DA86E509}" type="presParOf" srcId="{F57618FC-116D-47BE-8965-12AD7D92ED17}" destId="{137A2AC7-8109-4692-884F-F49F0329B535}" srcOrd="1" destOrd="0" presId="urn:microsoft.com/office/officeart/2005/8/layout/list1"/>
@@ -5258,12 +5245,6 @@
     <dgm:cxn modelId="{DE012EE4-7E89-4518-81DF-BE9EE3862670}" type="presParOf" srcId="{42253503-A679-4C86-A4F2-485D898BFF84}" destId="{2268C4A1-89FC-4B55-901E-AA3EC61F36EF}" srcOrd="1" destOrd="0" presId="urn:microsoft.com/office/officeart/2005/8/layout/list1"/>
     <dgm:cxn modelId="{49AF90DB-AC12-4C61-9C75-6B7EFF162427}" type="presParOf" srcId="{5A3335EE-1FA9-49A6-9E5B-687C64F2B16C}" destId="{D4505EC8-8810-4F72-A2DD-F87E7A26321A}" srcOrd="13" destOrd="0" presId="urn:microsoft.com/office/officeart/2005/8/layout/list1"/>
     <dgm:cxn modelId="{C5CFD83B-ECAC-4941-B2BB-9678B4B08E77}" type="presParOf" srcId="{5A3335EE-1FA9-49A6-9E5B-687C64F2B16C}" destId="{3F8EA6BC-F15F-48F9-8CCF-0E1499EA1C3F}" srcOrd="14" destOrd="0" presId="urn:microsoft.com/office/officeart/2005/8/layout/list1"/>
-    <dgm:cxn modelId="{EDA4A5F4-5893-448C-B823-6A64B4574A9C}" type="presParOf" srcId="{5A3335EE-1FA9-49A6-9E5B-687C64F2B16C}" destId="{A5AA3B02-1018-40D3-AC81-6432F656B345}" srcOrd="15" destOrd="0" presId="urn:microsoft.com/office/officeart/2005/8/layout/list1"/>
-    <dgm:cxn modelId="{3D879FE1-B9B8-489E-962A-6783E58A27DB}" type="presParOf" srcId="{5A3335EE-1FA9-49A6-9E5B-687C64F2B16C}" destId="{50D41891-7F22-4B82-927D-7302D7C49ED2}" srcOrd="16" destOrd="0" presId="urn:microsoft.com/office/officeart/2005/8/layout/list1"/>
-    <dgm:cxn modelId="{6382A197-BF86-455E-85F8-5ED7421088EF}" type="presParOf" srcId="{50D41891-7F22-4B82-927D-7302D7C49ED2}" destId="{F20D7F61-C03C-4676-A9FB-4E52A8B598D8}" srcOrd="0" destOrd="0" presId="urn:microsoft.com/office/officeart/2005/8/layout/list1"/>
-    <dgm:cxn modelId="{032D8239-99A7-4969-B873-109E49B8F7F4}" type="presParOf" srcId="{50D41891-7F22-4B82-927D-7302D7C49ED2}" destId="{203F8C44-B150-4870-AA4B-94FDD0C90AD5}" srcOrd="1" destOrd="0" presId="urn:microsoft.com/office/officeart/2005/8/layout/list1"/>
-    <dgm:cxn modelId="{EAAB42B4-9375-44C5-A7F1-1766B1DA522A}" type="presParOf" srcId="{5A3335EE-1FA9-49A6-9E5B-687C64F2B16C}" destId="{6D06B938-B89A-4A4D-8757-6722E2988A61}" srcOrd="17" destOrd="0" presId="urn:microsoft.com/office/officeart/2005/8/layout/list1"/>
-    <dgm:cxn modelId="{79BED0B0-BE32-45A9-8E69-B5F1A53E3617}" type="presParOf" srcId="{5A3335EE-1FA9-49A6-9E5B-687C64F2B16C}" destId="{DB9C1AF3-4C53-4E90-A0F9-D569DFE17DF9}" srcOrd="18" destOrd="0" presId="urn:microsoft.com/office/officeart/2005/8/layout/list1"/>
   </dgm:cxnLst>
   <dgm:bg/>
   <dgm:whole/>
@@ -6464,8 +6445,8 @@
       </dsp:nvSpPr>
       <dsp:spPr>
         <a:xfrm>
-          <a:off x="0" y="218483"/>
-          <a:ext cx="6263640" cy="1543500"/>
+          <a:off x="0" y="210023"/>
+          <a:ext cx="6263640" cy="1474200"/>
         </a:xfrm>
         <a:prstGeom prst="rect">
           <a:avLst/>
@@ -6497,7 +6478,7 @@
         <a:fontRef idx="minor"/>
       </dsp:style>
       <dsp:txBody>
-        <a:bodyPr spcFirstLastPara="0" vert="horz" wrap="square" lIns="486128" tIns="291592" rIns="486128" bIns="99568" numCol="1" spcCol="1270" anchor="t" anchorCtr="0">
+        <a:bodyPr spcFirstLastPara="0" vert="horz" wrap="square" lIns="486128" tIns="249936" rIns="486128" bIns="99568" numCol="1" spcCol="1270" anchor="t" anchorCtr="0">
           <a:noAutofit/>
         </a:bodyPr>
         <a:lstStyle/>
@@ -6547,8 +6528,8 @@
         </a:p>
       </dsp:txBody>
       <dsp:txXfrm>
-        <a:off x="0" y="218483"/>
-        <a:ext cx="6263640" cy="1543500"/>
+        <a:off x="0" y="210023"/>
+        <a:ext cx="6263640" cy="1474200"/>
       </dsp:txXfrm>
     </dsp:sp>
     <dsp:sp modelId="{137A2AC7-8109-4692-884F-F49F0329B535}">
@@ -6558,8 +6539,8 @@
       </dsp:nvSpPr>
       <dsp:spPr>
         <a:xfrm>
-          <a:off x="313182" y="11843"/>
-          <a:ext cx="4384548" cy="413280"/>
+          <a:off x="313182" y="32903"/>
+          <a:ext cx="4384548" cy="354240"/>
         </a:xfrm>
         <a:prstGeom prst="roundRect">
           <a:avLst/>
@@ -6617,8 +6598,8 @@
         </a:p>
       </dsp:txBody>
       <dsp:txXfrm>
-        <a:off x="333357" y="32018"/>
-        <a:ext cx="4344198" cy="372930"/>
+        <a:off x="330475" y="50196"/>
+        <a:ext cx="4349962" cy="319654"/>
       </dsp:txXfrm>
     </dsp:sp>
     <dsp:sp modelId="{B7F0BC77-1545-4727-AB49-70502C65AF22}">
@@ -6628,8 +6609,8 @@
       </dsp:nvSpPr>
       <dsp:spPr>
         <a:xfrm>
-          <a:off x="0" y="2044224"/>
-          <a:ext cx="6263640" cy="1543500"/>
+          <a:off x="0" y="1926143"/>
+          <a:ext cx="6263640" cy="1474200"/>
         </a:xfrm>
         <a:prstGeom prst="rect">
           <a:avLst/>
@@ -6663,7 +6644,7 @@
         <a:fontRef idx="minor"/>
       </dsp:style>
       <dsp:txBody>
-        <a:bodyPr spcFirstLastPara="0" vert="horz" wrap="square" lIns="486128" tIns="291592" rIns="486128" bIns="99568" numCol="1" spcCol="1270" anchor="t" anchorCtr="0">
+        <a:bodyPr spcFirstLastPara="0" vert="horz" wrap="square" lIns="486128" tIns="249936" rIns="486128" bIns="99568" numCol="1" spcCol="1270" anchor="t" anchorCtr="0">
           <a:noAutofit/>
         </a:bodyPr>
         <a:lstStyle/>
@@ -6713,8 +6694,8 @@
         </a:p>
       </dsp:txBody>
       <dsp:txXfrm>
-        <a:off x="0" y="2044224"/>
-        <a:ext cx="6263640" cy="1543500"/>
+        <a:off x="0" y="1926143"/>
+        <a:ext cx="6263640" cy="1474200"/>
       </dsp:txXfrm>
     </dsp:sp>
     <dsp:sp modelId="{316ECABC-9962-499E-9F65-AE9EFB71C9E8}">
@@ -6724,8 +6705,8 @@
       </dsp:nvSpPr>
       <dsp:spPr>
         <a:xfrm>
-          <a:off x="313182" y="1837584"/>
-          <a:ext cx="4384548" cy="413280"/>
+          <a:off x="313182" y="1749023"/>
+          <a:ext cx="4384548" cy="354240"/>
         </a:xfrm>
         <a:prstGeom prst="roundRect">
           <a:avLst/>
@@ -6777,18 +6758,14 @@
             <a:buNone/>
           </a:pPr>
           <a:r>
-            <a:rPr lang="en-US" sz="1600" kern="1200" dirty="0" err="1"/>
-            <a:t>Conslusion</a:t>
-          </a:r>
-          <a:r>
             <a:rPr lang="en-US" sz="1600" kern="1200" dirty="0"/>
-            <a:t> #2 – Bar</a:t>
+            <a:t>Conclusion #2 – Bar</a:t>
           </a:r>
         </a:p>
       </dsp:txBody>
       <dsp:txXfrm>
-        <a:off x="333357" y="1857759"/>
-        <a:ext cx="4344198" cy="372930"/>
+        <a:off x="330475" y="1766316"/>
+        <a:ext cx="4349962" cy="319654"/>
       </dsp:txXfrm>
     </dsp:sp>
     <dsp:sp modelId="{198133AD-1AEB-46CD-AB0D-EA6CCDD60D92}">
@@ -6798,8 +6775,8 @@
       </dsp:nvSpPr>
       <dsp:spPr>
         <a:xfrm>
-          <a:off x="0" y="3869964"/>
-          <a:ext cx="6263640" cy="352800"/>
+          <a:off x="0" y="3642264"/>
+          <a:ext cx="6263640" cy="793800"/>
         </a:xfrm>
         <a:prstGeom prst="rect">
           <a:avLst/>
@@ -6832,6 +6809,38 @@
         </a:effectRef>
         <a:fontRef idx="minor"/>
       </dsp:style>
+      <dsp:txBody>
+        <a:bodyPr spcFirstLastPara="0" vert="horz" wrap="square" lIns="486128" tIns="249936" rIns="486128" bIns="99568" numCol="1" spcCol="1270" anchor="t" anchorCtr="0">
+          <a:noAutofit/>
+        </a:bodyPr>
+        <a:lstStyle/>
+        <a:p>
+          <a:pPr marL="114300" lvl="1" indent="-114300" algn="l" defTabSz="622300">
+            <a:lnSpc>
+              <a:spcPct val="100000"/>
+            </a:lnSpc>
+            <a:spcBef>
+              <a:spcPct val="0"/>
+            </a:spcBef>
+            <a:spcAft>
+              <a:spcPct val="15000"/>
+            </a:spcAft>
+            <a:buChar char="•"/>
+          </a:pPr>
+          <a:r>
+            <a:rPr lang="en-US" sz="1400" kern="1200" dirty="0">
+              <a:solidFill>
+                <a:schemeClr val="bg1"/>
+              </a:solidFill>
+            </a:rPr>
+            <a:t>A lower inspection score usually resulted in a higher score during the Follow-Up inspection.</a:t>
+          </a:r>
+        </a:p>
+      </dsp:txBody>
+      <dsp:txXfrm>
+        <a:off x="0" y="3642264"/>
+        <a:ext cx="6263640" cy="793800"/>
+      </dsp:txXfrm>
     </dsp:sp>
     <dsp:sp modelId="{FB9B4FD1-D7FA-4CD8-A52C-69DF8EBE2590}">
       <dsp:nvSpPr>
@@ -6840,8 +6849,8 @@
       </dsp:nvSpPr>
       <dsp:spPr>
         <a:xfrm>
-          <a:off x="313182" y="3663324"/>
-          <a:ext cx="4384548" cy="413280"/>
+          <a:off x="313182" y="3465144"/>
+          <a:ext cx="4384548" cy="354240"/>
         </a:xfrm>
         <a:prstGeom prst="roundRect">
           <a:avLst/>
@@ -6893,14 +6902,14 @@
             <a:buNone/>
           </a:pPr>
           <a:r>
-            <a:rPr lang="en-US" sz="1600" kern="1200"/>
+            <a:rPr lang="en-US" sz="1600" kern="1200" dirty="0"/>
             <a:t>Conclusion #3 – Line</a:t>
           </a:r>
         </a:p>
       </dsp:txBody>
       <dsp:txXfrm>
-        <a:off x="333357" y="3683499"/>
-        <a:ext cx="4344198" cy="372930"/>
+        <a:off x="330475" y="3482437"/>
+        <a:ext cx="4349962" cy="319654"/>
       </dsp:txXfrm>
     </dsp:sp>
     <dsp:sp modelId="{3F8EA6BC-F15F-48F9-8CCF-0E1499EA1C3F}">
@@ -6910,8 +6919,8 @@
       </dsp:nvSpPr>
       <dsp:spPr>
         <a:xfrm>
-          <a:off x="0" y="4505004"/>
-          <a:ext cx="6263640" cy="352800"/>
+          <a:off x="0" y="4677983"/>
+          <a:ext cx="6263640" cy="793800"/>
         </a:xfrm>
         <a:prstGeom prst="rect">
           <a:avLst/>
@@ -6944,6 +6953,38 @@
         </a:effectRef>
         <a:fontRef idx="minor"/>
       </dsp:style>
+      <dsp:txBody>
+        <a:bodyPr spcFirstLastPara="0" vert="horz" wrap="square" lIns="486128" tIns="249936" rIns="486128" bIns="99568" numCol="1" spcCol="1270" anchor="t" anchorCtr="0">
+          <a:noAutofit/>
+        </a:bodyPr>
+        <a:lstStyle/>
+        <a:p>
+          <a:pPr marL="114300" lvl="1" indent="-114300" algn="l" defTabSz="622300">
+            <a:lnSpc>
+              <a:spcPct val="100000"/>
+            </a:lnSpc>
+            <a:spcBef>
+              <a:spcPct val="0"/>
+            </a:spcBef>
+            <a:spcAft>
+              <a:spcPct val="15000"/>
+            </a:spcAft>
+            <a:buChar char="•"/>
+          </a:pPr>
+          <a:r>
+            <a:rPr lang="en-US" sz="1400" kern="1200" dirty="0">
+              <a:solidFill>
+                <a:schemeClr val="tx1"/>
+              </a:solidFill>
+            </a:rPr>
+            <a:t>Violations and inspection score are inversely correlated. Meaning the more violations, a restaurant has, the lower overall inspection will be.</a:t>
+          </a:r>
+        </a:p>
+      </dsp:txBody>
+      <dsp:txXfrm>
+        <a:off x="0" y="4677983"/>
+        <a:ext cx="6263640" cy="793800"/>
+      </dsp:txXfrm>
     </dsp:sp>
     <dsp:sp modelId="{2268C4A1-89FC-4B55-901E-AA3EC61F36EF}">
       <dsp:nvSpPr>
@@ -6952,8 +6993,8 @@
       </dsp:nvSpPr>
       <dsp:spPr>
         <a:xfrm>
-          <a:off x="313182" y="4298364"/>
-          <a:ext cx="4384548" cy="413280"/>
+          <a:off x="313182" y="4500863"/>
+          <a:ext cx="4384548" cy="354240"/>
         </a:xfrm>
         <a:prstGeom prst="roundRect">
           <a:avLst/>
@@ -7005,126 +7046,18 @@
             <a:buNone/>
           </a:pPr>
           <a:r>
-            <a:rPr lang="en-US" sz="1600" kern="1200"/>
+            <a:rPr lang="en-US" sz="1600" kern="1200" dirty="0">
+              <a:solidFill>
+                <a:schemeClr val="tx1"/>
+              </a:solidFill>
+            </a:rPr>
             <a:t>Conclusion #4 – Scatter</a:t>
           </a:r>
         </a:p>
       </dsp:txBody>
       <dsp:txXfrm>
-        <a:off x="333357" y="4318539"/>
-        <a:ext cx="4344198" cy="372930"/>
-      </dsp:txXfrm>
-    </dsp:sp>
-    <dsp:sp modelId="{DB9C1AF3-4C53-4E90-A0F9-D569DFE17DF9}">
-      <dsp:nvSpPr>
-        <dsp:cNvPr id="0" name=""/>
-        <dsp:cNvSpPr/>
-      </dsp:nvSpPr>
-      <dsp:spPr>
-        <a:xfrm>
-          <a:off x="0" y="5140044"/>
-          <a:ext cx="6263640" cy="352800"/>
-        </a:xfrm>
-        <a:prstGeom prst="rect">
-          <a:avLst/>
-        </a:prstGeom>
-        <a:solidFill>
-          <a:schemeClr val="tx2">
-            <a:alpha val="90000"/>
-          </a:schemeClr>
-        </a:solidFill>
-        <a:ln w="12700" cap="flat" cmpd="sng" algn="ctr">
-          <a:solidFill>
-            <a:schemeClr val="tx2">
-              <a:lumMod val="75000"/>
-            </a:schemeClr>
-          </a:solidFill>
-          <a:prstDash val="solid"/>
-          <a:miter lim="800000"/>
-        </a:ln>
-        <a:effectLst/>
-      </dsp:spPr>
-      <dsp:style>
-        <a:lnRef idx="2">
-          <a:scrgbClr r="0" g="0" b="0"/>
-        </a:lnRef>
-        <a:fillRef idx="1">
-          <a:scrgbClr r="0" g="0" b="0"/>
-        </a:fillRef>
-        <a:effectRef idx="0">
-          <a:scrgbClr r="0" g="0" b="0"/>
-        </a:effectRef>
-        <a:fontRef idx="minor"/>
-      </dsp:style>
-    </dsp:sp>
-    <dsp:sp modelId="{203F8C44-B150-4870-AA4B-94FDD0C90AD5}">
-      <dsp:nvSpPr>
-        <dsp:cNvPr id="0" name=""/>
-        <dsp:cNvSpPr/>
-      </dsp:nvSpPr>
-      <dsp:spPr>
-        <a:xfrm>
-          <a:off x="313182" y="4933403"/>
-          <a:ext cx="4384548" cy="413280"/>
-        </a:xfrm>
-        <a:prstGeom prst="roundRect">
-          <a:avLst/>
-        </a:prstGeom>
-        <a:solidFill>
-          <a:schemeClr val="tx2"/>
-        </a:solidFill>
-        <a:ln w="12700" cap="flat" cmpd="sng" algn="ctr">
-          <a:solidFill>
-            <a:schemeClr val="tx2">
-              <a:lumMod val="75000"/>
-            </a:schemeClr>
-          </a:solidFill>
-          <a:prstDash val="solid"/>
-          <a:miter lim="800000"/>
-        </a:ln>
-        <a:effectLst/>
-      </dsp:spPr>
-      <dsp:style>
-        <a:lnRef idx="2">
-          <a:scrgbClr r="0" g="0" b="0"/>
-        </a:lnRef>
-        <a:fillRef idx="1">
-          <a:scrgbClr r="0" g="0" b="0"/>
-        </a:fillRef>
-        <a:effectRef idx="0">
-          <a:scrgbClr r="0" g="0" b="0"/>
-        </a:effectRef>
-        <a:fontRef idx="minor">
-          <a:schemeClr val="lt1"/>
-        </a:fontRef>
-      </dsp:style>
-      <dsp:txBody>
-        <a:bodyPr spcFirstLastPara="0" vert="horz" wrap="square" lIns="165725" tIns="0" rIns="165725" bIns="0" numCol="1" spcCol="1270" anchor="ctr" anchorCtr="0">
-          <a:noAutofit/>
-        </a:bodyPr>
-        <a:lstStyle/>
-        <a:p>
-          <a:pPr marL="0" lvl="0" indent="0" algn="l" defTabSz="711200">
-            <a:lnSpc>
-              <a:spcPct val="100000"/>
-            </a:lnSpc>
-            <a:spcBef>
-              <a:spcPct val="0"/>
-            </a:spcBef>
-            <a:spcAft>
-              <a:spcPct val="35000"/>
-            </a:spcAft>
-            <a:buNone/>
-          </a:pPr>
-          <a:r>
-            <a:rPr lang="en-US" sz="1600" kern="1200"/>
-            <a:t>Overall Conclusion – Dataset </a:t>
-          </a:r>
-        </a:p>
-      </dsp:txBody>
-      <dsp:txXfrm>
-        <a:off x="333357" y="4953578"/>
-        <a:ext cx="4344198" cy="372930"/>
+        <a:off x="330475" y="4518156"/>
+        <a:ext cx="4349962" cy="319654"/>
       </dsp:txXfrm>
     </dsp:sp>
   </dsp:spTree>
@@ -17118,7 +17051,7 @@
             <p:ph idx="1"/>
             <p:extLst>
               <p:ext uri="{D42A27DB-BD31-4B8C-83A1-F6EECF244321}">
-                <p14:modId xmlns:p14="http://schemas.microsoft.com/office/powerpoint/2010/main" val="1084835461"/>
+                <p14:modId xmlns:p14="http://schemas.microsoft.com/office/powerpoint/2010/main" val="3410976035"/>
               </p:ext>
             </p:extLst>
           </p:nvPr>
